--- a/M4/Presentation - M4.pptx
+++ b/M4/Presentation - M4.pptx
@@ -1,32 +1,464 @@
 
 <file path=ppt/presentation.xml><?xml version="1.0" encoding="utf-8"?>
-<p:presentation xmlns:a="http://schemas.openxmlformats.org/drawingml/2006/main" xmlns:p="http://schemas.openxmlformats.org/presentationml/2006/main" xmlns:r="http://schemas.openxmlformats.org/officeDocument/2006/relationships" xmlns:p14="http://schemas.microsoft.com/office/powerpoint/2010/main" xmlns:p15="http://schemas.microsoft.com/office/powerpoint/2012/main" xmlns:mc="http://schemas.openxmlformats.org/markup-compatibility/2006">
+<p:presentation xmlns:a="http://schemas.openxmlformats.org/drawingml/2006/main" xmlns:r="http://schemas.openxmlformats.org/officeDocument/2006/relationships" xmlns:p="http://schemas.openxmlformats.org/presentationml/2006/main">
   <p:sldMasterIdLst>
-    <p:sldMasterId id="2147483648" r:id="rId2"/>
-    <p:sldMasterId id="2147483661" r:id="rId3"/>
+    <p:sldMasterId id="2147483648" r:id="rId1"/>
+    <p:sldMasterId id="2147483661" r:id="rId2"/>
   </p:sldMasterIdLst>
   <p:notesMasterIdLst>
-    <p:notesMasterId r:id="rId4"/>
+    <p:notesMasterId r:id="rId13"/>
   </p:notesMasterIdLst>
   <p:sldIdLst>
-    <p:sldId id="256" r:id="rId5"/>
-    <p:sldId id="257" r:id="rId6"/>
-    <p:sldId id="258" r:id="rId7"/>
-    <p:sldId id="259" r:id="rId8"/>
-    <p:sldId id="260" r:id="rId9"/>
-    <p:sldId id="261" r:id="rId10"/>
-    <p:sldId id="262" r:id="rId11"/>
-    <p:sldId id="263" r:id="rId12"/>
-    <p:sldId id="264" r:id="rId13"/>
-    <p:sldId id="265" r:id="rId14"/>
+    <p:sldId id="256" r:id="rId3"/>
+    <p:sldId id="257" r:id="rId4"/>
+    <p:sldId id="258" r:id="rId5"/>
+    <p:sldId id="259" r:id="rId6"/>
+    <p:sldId id="260" r:id="rId7"/>
+    <p:sldId id="261" r:id="rId8"/>
+    <p:sldId id="262" r:id="rId9"/>
+    <p:sldId id="263" r:id="rId10"/>
+    <p:sldId id="264" r:id="rId11"/>
+    <p:sldId id="265" r:id="rId12"/>
   </p:sldIdLst>
   <p:sldSz cx="12192000" cy="6858000"/>
   <p:notesSz cx="6858000" cy="9144000"/>
+  <p:defaultTextStyle>
+    <a:defPPr>
+      <a:defRPr lang="de-DE"/>
+    </a:defPPr>
+    <a:lvl1pPr marL="0" algn="l" defTabSz="914400" rtl="0" eaLnBrk="1" latinLnBrk="0" hangingPunct="1">
+      <a:defRPr sz="1800" kern="1200">
+        <a:solidFill>
+          <a:schemeClr val="tx1"/>
+        </a:solidFill>
+        <a:latin typeface="+mn-lt"/>
+        <a:ea typeface="+mn-ea"/>
+        <a:cs typeface="+mn-cs"/>
+      </a:defRPr>
+    </a:lvl1pPr>
+    <a:lvl2pPr marL="457200" algn="l" defTabSz="914400" rtl="0" eaLnBrk="1" latinLnBrk="0" hangingPunct="1">
+      <a:defRPr sz="1800" kern="1200">
+        <a:solidFill>
+          <a:schemeClr val="tx1"/>
+        </a:solidFill>
+        <a:latin typeface="+mn-lt"/>
+        <a:ea typeface="+mn-ea"/>
+        <a:cs typeface="+mn-cs"/>
+      </a:defRPr>
+    </a:lvl2pPr>
+    <a:lvl3pPr marL="914400" algn="l" defTabSz="914400" rtl="0" eaLnBrk="1" latinLnBrk="0" hangingPunct="1">
+      <a:defRPr sz="1800" kern="1200">
+        <a:solidFill>
+          <a:schemeClr val="tx1"/>
+        </a:solidFill>
+        <a:latin typeface="+mn-lt"/>
+        <a:ea typeface="+mn-ea"/>
+        <a:cs typeface="+mn-cs"/>
+      </a:defRPr>
+    </a:lvl3pPr>
+    <a:lvl4pPr marL="1371600" algn="l" defTabSz="914400" rtl="0" eaLnBrk="1" latinLnBrk="0" hangingPunct="1">
+      <a:defRPr sz="1800" kern="1200">
+        <a:solidFill>
+          <a:schemeClr val="tx1"/>
+        </a:solidFill>
+        <a:latin typeface="+mn-lt"/>
+        <a:ea typeface="+mn-ea"/>
+        <a:cs typeface="+mn-cs"/>
+      </a:defRPr>
+    </a:lvl4pPr>
+    <a:lvl5pPr marL="1828800" algn="l" defTabSz="914400" rtl="0" eaLnBrk="1" latinLnBrk="0" hangingPunct="1">
+      <a:defRPr sz="1800" kern="1200">
+        <a:solidFill>
+          <a:schemeClr val="tx1"/>
+        </a:solidFill>
+        <a:latin typeface="+mn-lt"/>
+        <a:ea typeface="+mn-ea"/>
+        <a:cs typeface="+mn-cs"/>
+      </a:defRPr>
+    </a:lvl5pPr>
+    <a:lvl6pPr marL="2286000" algn="l" defTabSz="914400" rtl="0" eaLnBrk="1" latinLnBrk="0" hangingPunct="1">
+      <a:defRPr sz="1800" kern="1200">
+        <a:solidFill>
+          <a:schemeClr val="tx1"/>
+        </a:solidFill>
+        <a:latin typeface="+mn-lt"/>
+        <a:ea typeface="+mn-ea"/>
+        <a:cs typeface="+mn-cs"/>
+      </a:defRPr>
+    </a:lvl6pPr>
+    <a:lvl7pPr marL="2743200" algn="l" defTabSz="914400" rtl="0" eaLnBrk="1" latinLnBrk="0" hangingPunct="1">
+      <a:defRPr sz="1800" kern="1200">
+        <a:solidFill>
+          <a:schemeClr val="tx1"/>
+        </a:solidFill>
+        <a:latin typeface="+mn-lt"/>
+        <a:ea typeface="+mn-ea"/>
+        <a:cs typeface="+mn-cs"/>
+      </a:defRPr>
+    </a:lvl7pPr>
+    <a:lvl8pPr marL="3200400" algn="l" defTabSz="914400" rtl="0" eaLnBrk="1" latinLnBrk="0" hangingPunct="1">
+      <a:defRPr sz="1800" kern="1200">
+        <a:solidFill>
+          <a:schemeClr val="tx1"/>
+        </a:solidFill>
+        <a:latin typeface="+mn-lt"/>
+        <a:ea typeface="+mn-ea"/>
+        <a:cs typeface="+mn-cs"/>
+      </a:defRPr>
+    </a:lvl8pPr>
+    <a:lvl9pPr marL="3657600" algn="l" defTabSz="914400" rtl="0" eaLnBrk="1" latinLnBrk="0" hangingPunct="1">
+      <a:defRPr sz="1800" kern="1200">
+        <a:solidFill>
+          <a:schemeClr val="tx1"/>
+        </a:solidFill>
+        <a:latin typeface="+mn-lt"/>
+        <a:ea typeface="+mn-ea"/>
+        <a:cs typeface="+mn-cs"/>
+      </a:defRPr>
+    </a:lvl9pPr>
+  </p:defaultTextStyle>
 </p:presentation>
 </file>
 
+<file path=ppt/revisionInfo.xml><?xml version="1.0" encoding="utf-8"?>
+<p1510:revInfo xmlns:a="http://schemas.openxmlformats.org/drawingml/2006/main" xmlns:r="http://schemas.openxmlformats.org/officeDocument/2006/relationships" xmlns:p1510="http://schemas.microsoft.com/office/powerpoint/2015/10/main"/>
+</file>
+
 <file path=ppt/notesMasters/notesMaster1.xml><?xml version="1.0" encoding="utf-8"?>
-<p:notesMaster xmlns:a="http://schemas.openxmlformats.org/drawingml/2006/main" xmlns:p="http://schemas.openxmlformats.org/presentationml/2006/main" xmlns:r="http://schemas.openxmlformats.org/officeDocument/2006/relationships" xmlns:p14="http://schemas.microsoft.com/office/powerpoint/2010/main" xmlns:p15="http://schemas.microsoft.com/office/powerpoint/2012/main" xmlns:mc="http://schemas.openxmlformats.org/markup-compatibility/2006">
+<p:notesMaster xmlns:a="http://schemas.openxmlformats.org/drawingml/2006/main" xmlns:r="http://schemas.openxmlformats.org/officeDocument/2006/relationships" xmlns:p="http://schemas.openxmlformats.org/presentationml/2006/main">
+  <p:cSld>
+    <p:bg>
+      <p:bgRef idx="1001">
+        <a:schemeClr val="bg1"/>
+      </p:bgRef>
+    </p:bg>
+    <p:spTree>
+      <p:nvGrpSpPr>
+        <p:cNvPr id="1" name=""/>
+        <p:cNvGrpSpPr/>
+        <p:nvPr/>
+      </p:nvGrpSpPr>
+      <p:grpSpPr>
+        <a:xfrm>
+          <a:off x="0" y="0"/>
+          <a:ext cx="0" cy="0"/>
+          <a:chOff x="0" y="0"/>
+          <a:chExt cx="0" cy="0"/>
+        </a:xfrm>
+      </p:grpSpPr>
+      <p:sp>
+        <p:nvSpPr>
+          <p:cNvPr id="78" name="PlaceHolder 1"/>
+          <p:cNvSpPr>
+            <a:spLocks noGrp="1"/>
+          </p:cNvSpPr>
+          <p:nvPr>
+            <p:ph type="body"/>
+          </p:nvPr>
+        </p:nvSpPr>
+        <p:spPr>
+          <a:xfrm>
+            <a:off x="756000" y="5078520"/>
+            <a:ext cx="6047640" cy="4811040"/>
+          </a:xfrm>
+          <a:prstGeom prst="rect">
+            <a:avLst/>
+          </a:prstGeom>
+        </p:spPr>
+        <p:txBody>
+          <a:bodyPr lIns="0" tIns="0" rIns="0" bIns="0"/>
+          <a:lstStyle/>
+          <a:p>
+            <a:r>
+              <a:rPr lang="en-GB" sz="2000" b="0" strike="noStrike" spc="-1">
+                <a:solidFill>
+                  <a:srgbClr val="000000"/>
+                </a:solidFill>
+                <a:uFill>
+                  <a:solidFill>
+                    <a:srgbClr val="FFFFFF"/>
+                  </a:solidFill>
+                </a:uFill>
+                <a:latin typeface="Arial"/>
+              </a:rPr>
+              <a:t>Click to edit the notes format</a:t>
+            </a:r>
+          </a:p>
+        </p:txBody>
+      </p:sp>
+      <p:sp>
+        <p:nvSpPr>
+          <p:cNvPr id="79" name="PlaceHolder 2"/>
+          <p:cNvSpPr>
+            <a:spLocks noGrp="1"/>
+          </p:cNvSpPr>
+          <p:nvPr>
+            <p:ph type="hdr"/>
+          </p:nvPr>
+        </p:nvSpPr>
+        <p:spPr>
+          <a:xfrm>
+            <a:off x="0" y="0"/>
+            <a:ext cx="3280680" cy="534240"/>
+          </a:xfrm>
+          <a:prstGeom prst="rect">
+            <a:avLst/>
+          </a:prstGeom>
+        </p:spPr>
+        <p:txBody>
+          <a:bodyPr lIns="0" tIns="0" rIns="0" bIns="0"/>
+          <a:lstStyle/>
+          <a:p>
+            <a:r>
+              <a:rPr lang="en-GB" sz="1400" b="0" strike="noStrike" spc="-1">
+                <a:solidFill>
+                  <a:srgbClr val="000000"/>
+                </a:solidFill>
+                <a:uFill>
+                  <a:solidFill>
+                    <a:srgbClr val="FFFFFF"/>
+                  </a:solidFill>
+                </a:uFill>
+                <a:latin typeface="Times New Roman"/>
+              </a:rPr>
+              <a:t>&lt;header&gt;</a:t>
+            </a:r>
+          </a:p>
+        </p:txBody>
+      </p:sp>
+      <p:sp>
+        <p:nvSpPr>
+          <p:cNvPr id="80" name="PlaceHolder 3"/>
+          <p:cNvSpPr>
+            <a:spLocks noGrp="1"/>
+          </p:cNvSpPr>
+          <p:nvPr>
+            <p:ph type="dt"/>
+          </p:nvPr>
+        </p:nvSpPr>
+        <p:spPr>
+          <a:xfrm>
+            <a:off x="4278960" y="0"/>
+            <a:ext cx="3280680" cy="534240"/>
+          </a:xfrm>
+          <a:prstGeom prst="rect">
+            <a:avLst/>
+          </a:prstGeom>
+        </p:spPr>
+        <p:txBody>
+          <a:bodyPr lIns="0" tIns="0" rIns="0" bIns="0"/>
+          <a:lstStyle/>
+          <a:p>
+            <a:pPr algn="r"/>
+            <a:r>
+              <a:rPr lang="en-GB" sz="1400" b="0" strike="noStrike" spc="-1">
+                <a:solidFill>
+                  <a:srgbClr val="000000"/>
+                </a:solidFill>
+                <a:uFill>
+                  <a:solidFill>
+                    <a:srgbClr val="FFFFFF"/>
+                  </a:solidFill>
+                </a:uFill>
+                <a:latin typeface="Times New Roman"/>
+              </a:rPr>
+              <a:t>&lt;date/time&gt;</a:t>
+            </a:r>
+          </a:p>
+        </p:txBody>
+      </p:sp>
+      <p:sp>
+        <p:nvSpPr>
+          <p:cNvPr id="81" name="PlaceHolder 4"/>
+          <p:cNvSpPr>
+            <a:spLocks noGrp="1"/>
+          </p:cNvSpPr>
+          <p:nvPr>
+            <p:ph type="ftr"/>
+          </p:nvPr>
+        </p:nvSpPr>
+        <p:spPr>
+          <a:xfrm>
+            <a:off x="0" y="10157400"/>
+            <a:ext cx="3280680" cy="534240"/>
+          </a:xfrm>
+          <a:prstGeom prst="rect">
+            <a:avLst/>
+          </a:prstGeom>
+        </p:spPr>
+        <p:txBody>
+          <a:bodyPr lIns="0" tIns="0" rIns="0" bIns="0" anchor="b"/>
+          <a:lstStyle/>
+          <a:p>
+            <a:r>
+              <a:rPr lang="en-GB" sz="1400" b="0" strike="noStrike" spc="-1">
+                <a:solidFill>
+                  <a:srgbClr val="000000"/>
+                </a:solidFill>
+                <a:uFill>
+                  <a:solidFill>
+                    <a:srgbClr val="FFFFFF"/>
+                  </a:solidFill>
+                </a:uFill>
+                <a:latin typeface="Times New Roman"/>
+              </a:rPr>
+              <a:t>&lt;footer&gt;</a:t>
+            </a:r>
+          </a:p>
+        </p:txBody>
+      </p:sp>
+      <p:sp>
+        <p:nvSpPr>
+          <p:cNvPr id="82" name="PlaceHolder 5"/>
+          <p:cNvSpPr>
+            <a:spLocks noGrp="1"/>
+          </p:cNvSpPr>
+          <p:nvPr>
+            <p:ph type="sldNum"/>
+          </p:nvPr>
+        </p:nvSpPr>
+        <p:spPr>
+          <a:xfrm>
+            <a:off x="4278960" y="10157400"/>
+            <a:ext cx="3280680" cy="534240"/>
+          </a:xfrm>
+          <a:prstGeom prst="rect">
+            <a:avLst/>
+          </a:prstGeom>
+        </p:spPr>
+        <p:txBody>
+          <a:bodyPr lIns="0" tIns="0" rIns="0" bIns="0" anchor="b"/>
+          <a:lstStyle/>
+          <a:p>
+            <a:pPr algn="r"/>
+            <a:fld id="{83063CCC-6C45-4E7F-9C41-C01670604679}" type="slidenum">
+              <a:rPr lang="en-GB" sz="1400" b="0" strike="noStrike" spc="-1">
+                <a:solidFill>
+                  <a:srgbClr val="000000"/>
+                </a:solidFill>
+                <a:uFill>
+                  <a:solidFill>
+                    <a:srgbClr val="FFFFFF"/>
+                  </a:solidFill>
+                </a:uFill>
+                <a:latin typeface="Times New Roman"/>
+              </a:rPr>
+              <a:t>‹Nr.›</a:t>
+            </a:fld>
+            <a:endParaRPr lang="en-GB" sz="1400" b="0" strike="noStrike" spc="-1">
+              <a:solidFill>
+                <a:srgbClr val="000000"/>
+              </a:solidFill>
+              <a:uFill>
+                <a:solidFill>
+                  <a:srgbClr val="FFFFFF"/>
+                </a:solidFill>
+              </a:uFill>
+              <a:latin typeface="Times New Roman"/>
+            </a:endParaRPr>
+          </a:p>
+        </p:txBody>
+      </p:sp>
+    </p:spTree>
+  </p:cSld>
+  <p:clrMap bg1="lt1" tx1="dk1" bg2="lt2" tx2="dk2" accent1="accent1" accent2="accent2" accent3="accent3" accent4="accent4" accent5="accent5" accent6="accent6" hlink="hlink" folHlink="folHlink"/>
+  <p:notesStyle>
+    <a:lvl1pPr marL="0" algn="l" defTabSz="914400" rtl="0" eaLnBrk="1" latinLnBrk="0" hangingPunct="1">
+      <a:defRPr sz="1200" kern="1200">
+        <a:solidFill>
+          <a:schemeClr val="tx1"/>
+        </a:solidFill>
+        <a:latin typeface="+mn-lt"/>
+        <a:ea typeface="+mn-ea"/>
+        <a:cs typeface="+mn-cs"/>
+      </a:defRPr>
+    </a:lvl1pPr>
+    <a:lvl2pPr marL="457200" algn="l" defTabSz="914400" rtl="0" eaLnBrk="1" latinLnBrk="0" hangingPunct="1">
+      <a:defRPr sz="1200" kern="1200">
+        <a:solidFill>
+          <a:schemeClr val="tx1"/>
+        </a:solidFill>
+        <a:latin typeface="+mn-lt"/>
+        <a:ea typeface="+mn-ea"/>
+        <a:cs typeface="+mn-cs"/>
+      </a:defRPr>
+    </a:lvl2pPr>
+    <a:lvl3pPr marL="914400" algn="l" defTabSz="914400" rtl="0" eaLnBrk="1" latinLnBrk="0" hangingPunct="1">
+      <a:defRPr sz="1200" kern="1200">
+        <a:solidFill>
+          <a:schemeClr val="tx1"/>
+        </a:solidFill>
+        <a:latin typeface="+mn-lt"/>
+        <a:ea typeface="+mn-ea"/>
+        <a:cs typeface="+mn-cs"/>
+      </a:defRPr>
+    </a:lvl3pPr>
+    <a:lvl4pPr marL="1371600" algn="l" defTabSz="914400" rtl="0" eaLnBrk="1" latinLnBrk="0" hangingPunct="1">
+      <a:defRPr sz="1200" kern="1200">
+        <a:solidFill>
+          <a:schemeClr val="tx1"/>
+        </a:solidFill>
+        <a:latin typeface="+mn-lt"/>
+        <a:ea typeface="+mn-ea"/>
+        <a:cs typeface="+mn-cs"/>
+      </a:defRPr>
+    </a:lvl4pPr>
+    <a:lvl5pPr marL="1828800" algn="l" defTabSz="914400" rtl="0" eaLnBrk="1" latinLnBrk="0" hangingPunct="1">
+      <a:defRPr sz="1200" kern="1200">
+        <a:solidFill>
+          <a:schemeClr val="tx1"/>
+        </a:solidFill>
+        <a:latin typeface="+mn-lt"/>
+        <a:ea typeface="+mn-ea"/>
+        <a:cs typeface="+mn-cs"/>
+      </a:defRPr>
+    </a:lvl5pPr>
+    <a:lvl6pPr marL="2286000" algn="l" defTabSz="914400" rtl="0" eaLnBrk="1" latinLnBrk="0" hangingPunct="1">
+      <a:defRPr sz="1200" kern="1200">
+        <a:solidFill>
+          <a:schemeClr val="tx1"/>
+        </a:solidFill>
+        <a:latin typeface="+mn-lt"/>
+        <a:ea typeface="+mn-ea"/>
+        <a:cs typeface="+mn-cs"/>
+      </a:defRPr>
+    </a:lvl6pPr>
+    <a:lvl7pPr marL="2743200" algn="l" defTabSz="914400" rtl="0" eaLnBrk="1" latinLnBrk="0" hangingPunct="1">
+      <a:defRPr sz="1200" kern="1200">
+        <a:solidFill>
+          <a:schemeClr val="tx1"/>
+        </a:solidFill>
+        <a:latin typeface="+mn-lt"/>
+        <a:ea typeface="+mn-ea"/>
+        <a:cs typeface="+mn-cs"/>
+      </a:defRPr>
+    </a:lvl7pPr>
+    <a:lvl8pPr marL="3200400" algn="l" defTabSz="914400" rtl="0" eaLnBrk="1" latinLnBrk="0" hangingPunct="1">
+      <a:defRPr sz="1200" kern="1200">
+        <a:solidFill>
+          <a:schemeClr val="tx1"/>
+        </a:solidFill>
+        <a:latin typeface="+mn-lt"/>
+        <a:ea typeface="+mn-ea"/>
+        <a:cs typeface="+mn-cs"/>
+      </a:defRPr>
+    </a:lvl8pPr>
+    <a:lvl9pPr marL="3657600" algn="l" defTabSz="914400" rtl="0" eaLnBrk="1" latinLnBrk="0" hangingPunct="1">
+      <a:defRPr sz="1200" kern="1200">
+        <a:solidFill>
+          <a:schemeClr val="tx1"/>
+        </a:solidFill>
+        <a:latin typeface="+mn-lt"/>
+        <a:ea typeface="+mn-ea"/>
+        <a:cs typeface="+mn-cs"/>
+      </a:defRPr>
+    </a:lvl9pPr>
+  </p:notesStyle>
+</p:notesMaster>
+</file>
+
+<file path=ppt/notesSlides/notesSlide1.xml><?xml version="1.0" encoding="utf-8"?>
+<p:notes xmlns:a="http://schemas.openxmlformats.org/drawingml/2006/main" xmlns:r="http://schemas.openxmlformats.org/officeDocument/2006/relationships" xmlns:p="http://schemas.openxmlformats.org/presentationml/2006/main">
   <p:cSld>
     <p:spTree>
       <p:nvGrpSpPr>
@@ -44,7 +476,7 @@
       </p:grpSpPr>
       <p:sp>
         <p:nvSpPr>
-          <p:cNvPr id="78" name="PlaceHolder 1"/>
+          <p:cNvPr id="106" name="PlaceHolder 1"/>
           <p:cNvSpPr>
             <a:spLocks noGrp="1"/>
           </p:cNvSpPr>
@@ -54,239 +486,156 @@
         </p:nvSpPr>
         <p:spPr>
           <a:xfrm>
-            <a:off x="756000" y="5078520"/>
-            <a:ext cx="6047640" cy="4811040"/>
-          </a:xfrm>
-          <a:prstGeom prst="rect">
-            <a:avLst/>
-          </a:prstGeom>
-        </p:spPr>
-        <p:txBody>
-          <a:bodyPr lIns="0" rIns="0" tIns="0" bIns="0"/>
+            <a:off x="685800" y="4400640"/>
+            <a:ext cx="5486040" cy="3600000"/>
+          </a:xfrm>
+          <a:prstGeom prst="rect">
+            <a:avLst/>
+          </a:prstGeom>
+        </p:spPr>
+        <p:txBody>
+          <a:bodyPr/>
+          <a:lstStyle/>
+          <a:p>
+            <a:endParaRPr lang="en-GB" sz="2000" b="0" strike="noStrike" spc="-1">
+              <a:solidFill>
+                <a:srgbClr val="000000"/>
+              </a:solidFill>
+              <a:uFill>
+                <a:solidFill>
+                  <a:srgbClr val="FFFFFF"/>
+                </a:solidFill>
+              </a:uFill>
+              <a:latin typeface="Arial"/>
+            </a:endParaRPr>
+          </a:p>
           <a:p>
             <a:r>
-              <a:rPr b="0" lang="en-GB" sz="2000" spc="-1" strike="noStrike">
+              <a:rPr lang="en-GB" sz="2000" b="0" strike="noStrike" spc="-1">
                 <a:solidFill>
                   <a:srgbClr val="000000"/>
                 </a:solidFill>
                 <a:uFill>
                   <a:solidFill>
-                    <a:srgbClr val="ffffff"/>
+                    <a:srgbClr val="FFFFFF"/>
                   </a:solidFill>
                 </a:uFill>
                 <a:latin typeface="Arial"/>
               </a:rPr>
-              <a:t>Click to edit the notes format</a:t>
+              <a:t>Dataset: Satelite collects data
+Filter: Filter and refilter</a:t>
             </a:r>
-            <a:endParaRPr b="0" lang="en-GB" sz="2000" spc="-1" strike="noStrike">
-              <a:solidFill>
-                <a:srgbClr val="000000"/>
-              </a:solidFill>
-              <a:uFill>
-                <a:solidFill>
-                  <a:srgbClr val="ffffff"/>
+          </a:p>
+          <a:p>
+            <a:endParaRPr lang="en-GB" sz="2000" b="0" strike="noStrike" spc="-1">
+              <a:solidFill>
+                <a:srgbClr val="000000"/>
+              </a:solidFill>
+              <a:uFill>
+                <a:solidFill>
+                  <a:srgbClr val="FFFFFF"/>
                 </a:solidFill>
               </a:uFill>
               <a:latin typeface="Arial"/>
             </a:endParaRPr>
           </a:p>
-        </p:txBody>
-      </p:sp>
-      <p:sp>
-        <p:nvSpPr>
-          <p:cNvPr id="79" name="PlaceHolder 2"/>
-          <p:cNvSpPr>
-            <a:spLocks noGrp="1"/>
-          </p:cNvSpPr>
-          <p:nvPr>
-            <p:ph type="hdr"/>
-          </p:nvPr>
-        </p:nvSpPr>
-        <p:spPr>
-          <a:xfrm>
-            <a:off x="0" y="0"/>
-            <a:ext cx="3280680" cy="534240"/>
-          </a:xfrm>
-          <a:prstGeom prst="rect">
-            <a:avLst/>
-          </a:prstGeom>
-        </p:spPr>
-        <p:txBody>
-          <a:bodyPr lIns="0" rIns="0" tIns="0" bIns="0"/>
           <a:p>
             <a:r>
-              <a:rPr b="0" lang="en-GB" sz="1400" spc="-1" strike="noStrike">
+              <a:rPr lang="en-GB" sz="2000" b="0" strike="noStrike" spc="-1">
                 <a:solidFill>
                   <a:srgbClr val="000000"/>
                 </a:solidFill>
                 <a:uFill>
                   <a:solidFill>
-                    <a:srgbClr val="ffffff"/>
+                    <a:srgbClr val="FFFFFF"/>
                   </a:solidFill>
                 </a:uFill>
-                <a:latin typeface="Times New Roman"/>
+                <a:latin typeface="Arial"/>
               </a:rPr>
-              <a:t>&lt;header&gt;</a:t>
+              <a:t>Plots: too many data, hard to visualize to find patterns, outliers, …</a:t>
             </a:r>
-            <a:endParaRPr b="0" lang="en-GB" sz="1400" spc="-1" strike="noStrike">
-              <a:solidFill>
-                <a:srgbClr val="000000"/>
-              </a:solidFill>
-              <a:uFill>
-                <a:solidFill>
-                  <a:srgbClr val="ffffff"/>
-                </a:solidFill>
-              </a:uFill>
-              <a:latin typeface="Times New Roman"/>
-            </a:endParaRPr>
-          </a:p>
-        </p:txBody>
-      </p:sp>
-      <p:sp>
-        <p:nvSpPr>
-          <p:cNvPr id="80" name="PlaceHolder 3"/>
-          <p:cNvSpPr>
-            <a:spLocks noGrp="1"/>
-          </p:cNvSpPr>
-          <p:nvPr>
-            <p:ph type="dt"/>
-          </p:nvPr>
-        </p:nvSpPr>
-        <p:spPr>
-          <a:xfrm>
-            <a:off x="4278960" y="0"/>
-            <a:ext cx="3280680" cy="534240"/>
-          </a:xfrm>
-          <a:prstGeom prst="rect">
-            <a:avLst/>
-          </a:prstGeom>
-        </p:spPr>
-        <p:txBody>
-          <a:bodyPr lIns="0" rIns="0" tIns="0" bIns="0"/>
-          <a:p>
-            <a:pPr algn="r"/>
+          </a:p>
+          <a:p>
+            <a:endParaRPr lang="en-GB" sz="2000" b="0" strike="noStrike" spc="-1">
+              <a:solidFill>
+                <a:srgbClr val="000000"/>
+              </a:solidFill>
+              <a:uFill>
+                <a:solidFill>
+                  <a:srgbClr val="FFFFFF"/>
+                </a:solidFill>
+              </a:uFill>
+              <a:latin typeface="Arial"/>
+            </a:endParaRPr>
+          </a:p>
+          <a:p>
             <a:r>
-              <a:rPr b="0" lang="en-GB" sz="1400" spc="-1" strike="noStrike">
+              <a:rPr lang="en-GB" sz="2000" b="0" strike="noStrike" spc="-1">
                 <a:solidFill>
                   <a:srgbClr val="000000"/>
                 </a:solidFill>
                 <a:uFill>
                   <a:solidFill>
-                    <a:srgbClr val="ffffff"/>
+                    <a:srgbClr val="FFFFFF"/>
                   </a:solidFill>
                 </a:uFill>
-                <a:latin typeface="Times New Roman"/>
+                <a:latin typeface="Arial"/>
               </a:rPr>
-              <a:t>&lt;date/time&gt;</a:t>
+              <a:t>Javascript/D3: offers many ways to present data but limitations, like A3, long loading times for plotting, issuer: gain performance</a:t>
             </a:r>
-            <a:endParaRPr b="0" lang="en-GB" sz="1400" spc="-1" strike="noStrike">
-              <a:solidFill>
-                <a:srgbClr val="000000"/>
-              </a:solidFill>
-              <a:uFill>
-                <a:solidFill>
-                  <a:srgbClr val="ffffff"/>
-                </a:solidFill>
-              </a:uFill>
-              <a:latin typeface="Times New Roman"/>
-            </a:endParaRPr>
-          </a:p>
-        </p:txBody>
-      </p:sp>
-      <p:sp>
-        <p:nvSpPr>
-          <p:cNvPr id="81" name="PlaceHolder 4"/>
-          <p:cNvSpPr>
-            <a:spLocks noGrp="1"/>
-          </p:cNvSpPr>
-          <p:nvPr>
-            <p:ph type="ftr"/>
-          </p:nvPr>
-        </p:nvSpPr>
-        <p:spPr>
-          <a:xfrm>
-            <a:off x="0" y="10157400"/>
-            <a:ext cx="3280680" cy="534240"/>
-          </a:xfrm>
-          <a:prstGeom prst="rect">
-            <a:avLst/>
-          </a:prstGeom>
-        </p:spPr>
-        <p:txBody>
-          <a:bodyPr lIns="0" rIns="0" tIns="0" bIns="0" anchor="b"/>
-          <a:p>
-            <a:r>
-              <a:rPr b="0" lang="en-GB" sz="1400" spc="-1" strike="noStrike">
+          </a:p>
+        </p:txBody>
+      </p:sp>
+      <p:sp>
+        <p:nvSpPr>
+          <p:cNvPr id="107" name="TextShape 2"/>
+          <p:cNvSpPr txBox="1"/>
+          <p:nvPr/>
+        </p:nvSpPr>
+        <p:spPr>
+          <a:xfrm>
+            <a:off x="3884760" y="8685360"/>
+            <a:ext cx="2971440" cy="458280"/>
+          </a:xfrm>
+          <a:prstGeom prst="rect">
+            <a:avLst/>
+          </a:prstGeom>
+          <a:noFill/>
+          <a:ln>
+            <a:noFill/>
+          </a:ln>
+        </p:spPr>
+        <p:txBody>
+          <a:bodyPr anchor="b"/>
+          <a:lstStyle/>
+          <a:p>
+            <a:pPr algn="r">
+              <a:lnSpc>
+                <a:spcPct val="100000"/>
+              </a:lnSpc>
+            </a:pPr>
+            <a:fld id="{A54B519A-51F8-41A0-9281-118E8DFD5F3F}" type="slidenum">
+              <a:rPr lang="en-GB" sz="1200" b="0" strike="noStrike" spc="-1">
                 <a:solidFill>
                   <a:srgbClr val="000000"/>
                 </a:solidFill>
                 <a:uFill>
                   <a:solidFill>
-                    <a:srgbClr val="ffffff"/>
+                    <a:srgbClr val="FFFFFF"/>
                   </a:solidFill>
                 </a:uFill>
-                <a:latin typeface="Times New Roman"/>
+                <a:latin typeface="+mn-lt"/>
+                <a:ea typeface="+mn-ea"/>
               </a:rPr>
-              <a:t>&lt;footer&gt;</a:t>
-            </a:r>
-            <a:endParaRPr b="0" lang="en-GB" sz="1400" spc="-1" strike="noStrike">
-              <a:solidFill>
-                <a:srgbClr val="000000"/>
-              </a:solidFill>
-              <a:uFill>
-                <a:solidFill>
-                  <a:srgbClr val="ffffff"/>
-                </a:solidFill>
-              </a:uFill>
-              <a:latin typeface="Times New Roman"/>
-            </a:endParaRPr>
-          </a:p>
-        </p:txBody>
-      </p:sp>
-      <p:sp>
-        <p:nvSpPr>
-          <p:cNvPr id="82" name="PlaceHolder 5"/>
-          <p:cNvSpPr>
-            <a:spLocks noGrp="1"/>
-          </p:cNvSpPr>
-          <p:nvPr>
-            <p:ph type="sldNum"/>
-          </p:nvPr>
-        </p:nvSpPr>
-        <p:spPr>
-          <a:xfrm>
-            <a:off x="4278960" y="10157400"/>
-            <a:ext cx="3280680" cy="534240"/>
-          </a:xfrm>
-          <a:prstGeom prst="rect">
-            <a:avLst/>
-          </a:prstGeom>
-        </p:spPr>
-        <p:txBody>
-          <a:bodyPr lIns="0" rIns="0" tIns="0" bIns="0" anchor="b"/>
-          <a:p>
-            <a:pPr algn="r"/>
-            <a:fld id="{83063CCC-6C45-4E7F-9C41-C01670604679}" type="slidenum">
-              <a:rPr b="0" lang="en-GB" sz="1400" spc="-1" strike="noStrike">
-                <a:solidFill>
-                  <a:srgbClr val="000000"/>
-                </a:solidFill>
-                <a:uFill>
-                  <a:solidFill>
-                    <a:srgbClr val="ffffff"/>
-                  </a:solidFill>
-                </a:uFill>
-                <a:latin typeface="Times New Roman"/>
-              </a:rPr>
-              <a:t>&lt;number&gt;</a:t>
+              <a:t>7</a:t>
             </a:fld>
-            <a:endParaRPr b="0" lang="en-GB" sz="1400" spc="-1" strike="noStrike">
-              <a:solidFill>
-                <a:srgbClr val="000000"/>
-              </a:solidFill>
-              <a:uFill>
-                <a:solidFill>
-                  <a:srgbClr val="ffffff"/>
+            <a:endParaRPr lang="en-GB" sz="1400" b="0" strike="noStrike" spc="-1">
+              <a:solidFill>
+                <a:srgbClr val="000000"/>
+              </a:solidFill>
+              <a:uFill>
+                <a:solidFill>
+                  <a:srgbClr val="FFFFFF"/>
                 </a:solidFill>
               </a:uFill>
               <a:latin typeface="Times New Roman"/>
@@ -296,12 +645,14 @@
       </p:sp>
     </p:spTree>
   </p:cSld>
-  <p:clrMap bg1="lt1" bg2="lt2" tx1="dk1" tx2="dk2" accent1="accent1" accent2="accent2" accent3="accent3" accent4="accent4" accent5="accent5" accent6="accent6" hlink="hlink" folHlink="folHlink"/>
-</p:notesMaster>
+  <p:clrMapOvr>
+    <a:masterClrMapping/>
+  </p:clrMapOvr>
+</p:notes>
 </file>
 
-<file path=ppt/notesSlides/notesSlide7.xml><?xml version="1.0" encoding="utf-8"?>
-<p:notes xmlns:a="http://schemas.openxmlformats.org/drawingml/2006/main" xmlns:p="http://schemas.openxmlformats.org/presentationml/2006/main" xmlns:r="http://schemas.openxmlformats.org/officeDocument/2006/relationships" xmlns:p14="http://schemas.microsoft.com/office/powerpoint/2010/main" xmlns:p15="http://schemas.microsoft.com/office/powerpoint/2012/main" xmlns:mc="http://schemas.openxmlformats.org/markup-compatibility/2006">
+<file path=ppt/notesSlides/notesSlide2.xml><?xml version="1.0" encoding="utf-8"?>
+<p:notes xmlns:a="http://schemas.openxmlformats.org/drawingml/2006/main" xmlns:r="http://schemas.openxmlformats.org/officeDocument/2006/relationships" xmlns:p="http://schemas.openxmlformats.org/presentationml/2006/main">
   <p:cSld>
     <p:spTree>
       <p:nvGrpSpPr>
@@ -319,7 +670,7 @@
       </p:grpSpPr>
       <p:sp>
         <p:nvSpPr>
-          <p:cNvPr id="106" name="PlaceHolder 1"/>
+          <p:cNvPr id="108" name="PlaceHolder 1"/>
           <p:cNvSpPr>
             <a:spLocks noGrp="1"/>
           </p:cNvSpPr>
@@ -338,14 +689,15 @@
         </p:spPr>
         <p:txBody>
           <a:bodyPr/>
-          <a:p>
-            <a:endParaRPr b="0" lang="en-GB" sz="2000" spc="-1" strike="noStrike">
-              <a:solidFill>
-                <a:srgbClr val="000000"/>
-              </a:solidFill>
-              <a:uFill>
-                <a:solidFill>
-                  <a:srgbClr val="ffffff"/>
+          <a:lstStyle/>
+          <a:p>
+            <a:endParaRPr lang="en-GB" sz="1800" b="0" strike="noStrike" spc="-1">
+              <a:solidFill>
+                <a:srgbClr val="000000"/>
+              </a:solidFill>
+              <a:uFill>
+                <a:solidFill>
+                  <a:srgbClr val="FFFFFF"/>
                 </a:solidFill>
               </a:uFill>
               <a:latin typeface="Arial"/>
@@ -353,108 +705,80 @@
           </a:p>
           <a:p>
             <a:r>
-              <a:rPr b="0" lang="en-GB" sz="2000" spc="-1" strike="noStrike">
+              <a:rPr lang="en-GB" sz="2000" b="0" strike="noStrike" spc="-1">
                 <a:solidFill>
                   <a:srgbClr val="000000"/>
                 </a:solidFill>
                 <a:uFill>
                   <a:solidFill>
-                    <a:srgbClr val="ffffff"/>
+                    <a:srgbClr val="FFFFFF"/>
                   </a:solidFill>
                 </a:uFill>
                 <a:latin typeface="Arial"/>
               </a:rPr>
-              <a:t>Dataset: Satelite collects data</a:t>
+              <a:t>Dataset: Satelite collects data
+Filter: Filter and refilter</a:t>
             </a:r>
+            <a:endParaRPr lang="en-GB" sz="1800" b="0" strike="noStrike" spc="-1">
+              <a:solidFill>
+                <a:srgbClr val="000000"/>
+              </a:solidFill>
+              <a:uFill>
+                <a:solidFill>
+                  <a:srgbClr val="FFFFFF"/>
+                </a:solidFill>
+              </a:uFill>
+              <a:latin typeface="Arial"/>
+            </a:endParaRPr>
+          </a:p>
+          <a:p>
+            <a:endParaRPr lang="en-GB" sz="1800" b="0" strike="noStrike" spc="-1">
+              <a:solidFill>
+                <a:srgbClr val="000000"/>
+              </a:solidFill>
+              <a:uFill>
+                <a:solidFill>
+                  <a:srgbClr val="FFFFFF"/>
+                </a:solidFill>
+              </a:uFill>
+              <a:latin typeface="Arial"/>
+            </a:endParaRPr>
+          </a:p>
+          <a:p>
             <a:r>
-              <a:rPr b="0" lang="en-GB" sz="2000" spc="-1" strike="noStrike">
+              <a:rPr lang="en-GB" sz="2000" b="0" strike="noStrike" spc="-1">
                 <a:solidFill>
                   <a:srgbClr val="000000"/>
                 </a:solidFill>
                 <a:uFill>
                   <a:solidFill>
-                    <a:srgbClr val="ffffff"/>
-                  </a:solidFill>
-                </a:uFill>
-                <a:latin typeface="Arial"/>
-              </a:rPr>
-              <a:t>
-</a:t>
-            </a:r>
-            <a:r>
-              <a:rPr b="0" lang="en-GB" sz="2000" spc="-1" strike="noStrike">
-                <a:solidFill>
-                  <a:srgbClr val="000000"/>
-                </a:solidFill>
-                <a:uFill>
-                  <a:solidFill>
-                    <a:srgbClr val="ffffff"/>
-                  </a:solidFill>
-                </a:uFill>
-                <a:latin typeface="Arial"/>
-              </a:rPr>
-              <a:t>Filter: Filter and refilter</a:t>
-            </a:r>
-            <a:endParaRPr b="0" lang="en-GB" sz="2000" spc="-1" strike="noStrike">
-              <a:solidFill>
-                <a:srgbClr val="000000"/>
-              </a:solidFill>
-              <a:uFill>
-                <a:solidFill>
-                  <a:srgbClr val="ffffff"/>
-                </a:solidFill>
-              </a:uFill>
-              <a:latin typeface="Arial"/>
-            </a:endParaRPr>
-          </a:p>
-          <a:p>
-            <a:endParaRPr b="0" lang="en-GB" sz="2000" spc="-1" strike="noStrike">
-              <a:solidFill>
-                <a:srgbClr val="000000"/>
-              </a:solidFill>
-              <a:uFill>
-                <a:solidFill>
-                  <a:srgbClr val="ffffff"/>
-                </a:solidFill>
-              </a:uFill>
-              <a:latin typeface="Arial"/>
-            </a:endParaRPr>
-          </a:p>
-          <a:p>
-            <a:r>
-              <a:rPr b="0" lang="en-GB" sz="2000" spc="-1" strike="noStrike">
-                <a:solidFill>
-                  <a:srgbClr val="000000"/>
-                </a:solidFill>
-                <a:uFill>
-                  <a:solidFill>
-                    <a:srgbClr val="ffffff"/>
+                    <a:srgbClr val="FFFFFF"/>
                   </a:solidFill>
                 </a:uFill>
                 <a:latin typeface="Arial"/>
               </a:rPr>
               <a:t>Plots: too many data, hard to visualize to find patterns, outliers, …</a:t>
             </a:r>
-            <a:endParaRPr b="0" lang="en-GB" sz="2000" spc="-1" strike="noStrike">
-              <a:solidFill>
-                <a:srgbClr val="000000"/>
-              </a:solidFill>
-              <a:uFill>
-                <a:solidFill>
-                  <a:srgbClr val="ffffff"/>
+            <a:endParaRPr lang="en-GB" sz="1800" b="0" strike="noStrike" spc="-1">
+              <a:solidFill>
+                <a:srgbClr val="000000"/>
+              </a:solidFill>
+              <a:uFill>
+                <a:solidFill>
+                  <a:srgbClr val="FFFFFF"/>
                 </a:solidFill>
               </a:uFill>
               <a:latin typeface="Arial"/>
             </a:endParaRPr>
           </a:p>
           <a:p>
-            <a:endParaRPr b="0" lang="en-GB" sz="2000" spc="-1" strike="noStrike">
-              <a:solidFill>
-                <a:srgbClr val="000000"/>
-              </a:solidFill>
-              <a:uFill>
-                <a:solidFill>
-                  <a:srgbClr val="ffffff"/>
+            <a:endParaRPr lang="en-GB" sz="1800" b="0" strike="noStrike" spc="-1">
+              <a:solidFill>
+                <a:srgbClr val="000000"/>
+              </a:solidFill>
+              <a:uFill>
+                <a:solidFill>
+                  <a:srgbClr val="FFFFFF"/>
                 </a:solidFill>
               </a:uFill>
               <a:latin typeface="Arial"/>
@@ -462,26 +786,26 @@
           </a:p>
           <a:p>
             <a:r>
-              <a:rPr b="0" lang="en-GB" sz="2000" spc="-1" strike="noStrike">
+              <a:rPr lang="en-GB" sz="2000" b="0" strike="noStrike" spc="-1">
                 <a:solidFill>
                   <a:srgbClr val="000000"/>
                 </a:solidFill>
                 <a:uFill>
                   <a:solidFill>
-                    <a:srgbClr val="ffffff"/>
+                    <a:srgbClr val="FFFFFF"/>
                   </a:solidFill>
                 </a:uFill>
                 <a:latin typeface="Arial"/>
               </a:rPr>
               <a:t>Javascript/D3: offers many ways to present data but limitations, like A3, long loading times for plotting, issuer: gain performance</a:t>
             </a:r>
-            <a:endParaRPr b="0" lang="en-GB" sz="2000" spc="-1" strike="noStrike">
-              <a:solidFill>
-                <a:srgbClr val="000000"/>
-              </a:solidFill>
-              <a:uFill>
-                <a:solidFill>
-                  <a:srgbClr val="ffffff"/>
+            <a:endParaRPr lang="en-GB" sz="1800" b="0" strike="noStrike" spc="-1">
+              <a:solidFill>
+                <a:srgbClr val="000000"/>
+              </a:solidFill>
+              <a:uFill>
+                <a:solidFill>
+                  <a:srgbClr val="FFFFFF"/>
                 </a:solidFill>
               </a:uFill>
               <a:latin typeface="Arial"/>
@@ -491,7 +815,7 @@
       </p:sp>
       <p:sp>
         <p:nvSpPr>
-          <p:cNvPr id="107" name="TextShape 2"/>
+          <p:cNvPr id="109" name="TextShape 2"/>
           <p:cNvSpPr txBox="1"/>
           <p:nvPr/>
         </p:nvSpPr>
@@ -510,34 +834,35 @@
         </p:spPr>
         <p:txBody>
           <a:bodyPr anchor="b"/>
+          <a:lstStyle/>
           <a:p>
             <a:pPr algn="r">
               <a:lnSpc>
                 <a:spcPct val="100000"/>
               </a:lnSpc>
             </a:pPr>
-            <a:fld id="{A54B519A-51F8-41A0-9281-118E8DFD5F3F}" type="slidenum">
-              <a:rPr b="0" lang="en-GB" sz="1200" spc="-1" strike="noStrike">
+            <a:fld id="{682BC549-3A33-46C4-BBA9-6023773DBF74}" type="slidenum">
+              <a:rPr lang="en-GB" sz="1200" b="0" strike="noStrike" spc="-1">
                 <a:solidFill>
                   <a:srgbClr val="000000"/>
                 </a:solidFill>
                 <a:uFill>
                   <a:solidFill>
-                    <a:srgbClr val="ffffff"/>
+                    <a:srgbClr val="FFFFFF"/>
                   </a:solidFill>
                 </a:uFill>
                 <a:latin typeface="+mn-lt"/>
                 <a:ea typeface="+mn-ea"/>
               </a:rPr>
-              <a:t>&lt;number&gt;</a:t>
+              <a:t>8</a:t>
             </a:fld>
-            <a:endParaRPr b="0" lang="en-GB" sz="1400" spc="-1" strike="noStrike">
-              <a:solidFill>
-                <a:srgbClr val="000000"/>
-              </a:solidFill>
-              <a:uFill>
-                <a:solidFill>
-                  <a:srgbClr val="ffffff"/>
+            <a:endParaRPr lang="en-GB" sz="1200" b="0" strike="noStrike" spc="-1">
+              <a:solidFill>
+                <a:srgbClr val="000000"/>
+              </a:solidFill>
+              <a:uFill>
+                <a:solidFill>
+                  <a:srgbClr val="FFFFFF"/>
                 </a:solidFill>
               </a:uFill>
               <a:latin typeface="Times New Roman"/>
@@ -547,11 +872,14 @@
       </p:sp>
     </p:spTree>
   </p:cSld>
+  <p:clrMapOvr>
+    <a:masterClrMapping/>
+  </p:clrMapOvr>
 </p:notes>
 </file>
 
-<file path=ppt/notesSlides/notesSlide8.xml><?xml version="1.0" encoding="utf-8"?>
-<p:notes xmlns:a="http://schemas.openxmlformats.org/drawingml/2006/main" xmlns:p="http://schemas.openxmlformats.org/presentationml/2006/main" xmlns:r="http://schemas.openxmlformats.org/officeDocument/2006/relationships" xmlns:p14="http://schemas.microsoft.com/office/powerpoint/2010/main" xmlns:p15="http://schemas.microsoft.com/office/powerpoint/2012/main" xmlns:mc="http://schemas.openxmlformats.org/markup-compatibility/2006">
+<file path=ppt/notesSlides/notesSlide3.xml><?xml version="1.0" encoding="utf-8"?>
+<p:notes xmlns:a="http://schemas.openxmlformats.org/drawingml/2006/main" xmlns:r="http://schemas.openxmlformats.org/officeDocument/2006/relationships" xmlns:p="http://schemas.openxmlformats.org/presentationml/2006/main">
   <p:cSld>
     <p:spTree>
       <p:nvGrpSpPr>
@@ -569,256 +897,6 @@
       </p:grpSpPr>
       <p:sp>
         <p:nvSpPr>
-          <p:cNvPr id="108" name="PlaceHolder 1"/>
-          <p:cNvSpPr>
-            <a:spLocks noGrp="1"/>
-          </p:cNvSpPr>
-          <p:nvPr>
-            <p:ph type="body"/>
-          </p:nvPr>
-        </p:nvSpPr>
-        <p:spPr>
-          <a:xfrm>
-            <a:off x="685800" y="4400640"/>
-            <a:ext cx="5486040" cy="3600000"/>
-          </a:xfrm>
-          <a:prstGeom prst="rect">
-            <a:avLst/>
-          </a:prstGeom>
-        </p:spPr>
-        <p:txBody>
-          <a:bodyPr/>
-          <a:p>
-            <a:endParaRPr b="0" lang="en-GB" sz="1800" spc="-1" strike="noStrike">
-              <a:solidFill>
-                <a:srgbClr val="000000"/>
-              </a:solidFill>
-              <a:uFill>
-                <a:solidFill>
-                  <a:srgbClr val="ffffff"/>
-                </a:solidFill>
-              </a:uFill>
-              <a:latin typeface="Arial"/>
-            </a:endParaRPr>
-          </a:p>
-          <a:p>
-            <a:r>
-              <a:rPr b="0" lang="en-GB" sz="2000" spc="-1" strike="noStrike">
-                <a:solidFill>
-                  <a:srgbClr val="000000"/>
-                </a:solidFill>
-                <a:uFill>
-                  <a:solidFill>
-                    <a:srgbClr val="ffffff"/>
-                  </a:solidFill>
-                </a:uFill>
-                <a:latin typeface="Arial"/>
-              </a:rPr>
-              <a:t>Dataset: Satelite collects data</a:t>
-            </a:r>
-            <a:r>
-              <a:rPr b="0" lang="en-GB" sz="2000" spc="-1" strike="noStrike">
-                <a:solidFill>
-                  <a:srgbClr val="000000"/>
-                </a:solidFill>
-                <a:uFill>
-                  <a:solidFill>
-                    <a:srgbClr val="ffffff"/>
-                  </a:solidFill>
-                </a:uFill>
-                <a:latin typeface="Arial"/>
-              </a:rPr>
-              <a:t>
-</a:t>
-            </a:r>
-            <a:r>
-              <a:rPr b="0" lang="en-GB" sz="2000" spc="-1" strike="noStrike">
-                <a:solidFill>
-                  <a:srgbClr val="000000"/>
-                </a:solidFill>
-                <a:uFill>
-                  <a:solidFill>
-                    <a:srgbClr val="ffffff"/>
-                  </a:solidFill>
-                </a:uFill>
-                <a:latin typeface="Arial"/>
-              </a:rPr>
-              <a:t>Filter: Filter and refilter</a:t>
-            </a:r>
-            <a:endParaRPr b="0" lang="en-GB" sz="1800" spc="-1" strike="noStrike">
-              <a:solidFill>
-                <a:srgbClr val="000000"/>
-              </a:solidFill>
-              <a:uFill>
-                <a:solidFill>
-                  <a:srgbClr val="ffffff"/>
-                </a:solidFill>
-              </a:uFill>
-              <a:latin typeface="Arial"/>
-            </a:endParaRPr>
-          </a:p>
-          <a:p>
-            <a:endParaRPr b="0" lang="en-GB" sz="1800" spc="-1" strike="noStrike">
-              <a:solidFill>
-                <a:srgbClr val="000000"/>
-              </a:solidFill>
-              <a:uFill>
-                <a:solidFill>
-                  <a:srgbClr val="ffffff"/>
-                </a:solidFill>
-              </a:uFill>
-              <a:latin typeface="Arial"/>
-            </a:endParaRPr>
-          </a:p>
-          <a:p>
-            <a:r>
-              <a:rPr b="0" lang="en-GB" sz="2000" spc="-1" strike="noStrike">
-                <a:solidFill>
-                  <a:srgbClr val="000000"/>
-                </a:solidFill>
-                <a:uFill>
-                  <a:solidFill>
-                    <a:srgbClr val="ffffff"/>
-                  </a:solidFill>
-                </a:uFill>
-                <a:latin typeface="Arial"/>
-              </a:rPr>
-              <a:t>Plots: too many data, hard to visualize to find patterns, outliers, …</a:t>
-            </a:r>
-            <a:endParaRPr b="0" lang="en-GB" sz="1800" spc="-1" strike="noStrike">
-              <a:solidFill>
-                <a:srgbClr val="000000"/>
-              </a:solidFill>
-              <a:uFill>
-                <a:solidFill>
-                  <a:srgbClr val="ffffff"/>
-                </a:solidFill>
-              </a:uFill>
-              <a:latin typeface="Arial"/>
-            </a:endParaRPr>
-          </a:p>
-          <a:p>
-            <a:endParaRPr b="0" lang="en-GB" sz="1800" spc="-1" strike="noStrike">
-              <a:solidFill>
-                <a:srgbClr val="000000"/>
-              </a:solidFill>
-              <a:uFill>
-                <a:solidFill>
-                  <a:srgbClr val="ffffff"/>
-                </a:solidFill>
-              </a:uFill>
-              <a:latin typeface="Arial"/>
-            </a:endParaRPr>
-          </a:p>
-          <a:p>
-            <a:r>
-              <a:rPr b="0" lang="en-GB" sz="2000" spc="-1" strike="noStrike">
-                <a:solidFill>
-                  <a:srgbClr val="000000"/>
-                </a:solidFill>
-                <a:uFill>
-                  <a:solidFill>
-                    <a:srgbClr val="ffffff"/>
-                  </a:solidFill>
-                </a:uFill>
-                <a:latin typeface="Arial"/>
-              </a:rPr>
-              <a:t>Javascript/D3: offers many ways to present data but limitations, like A3, long loading times for plotting, issuer: gain performance</a:t>
-            </a:r>
-            <a:endParaRPr b="0" lang="en-GB" sz="1800" spc="-1" strike="noStrike">
-              <a:solidFill>
-                <a:srgbClr val="000000"/>
-              </a:solidFill>
-              <a:uFill>
-                <a:solidFill>
-                  <a:srgbClr val="ffffff"/>
-                </a:solidFill>
-              </a:uFill>
-              <a:latin typeface="Arial"/>
-            </a:endParaRPr>
-          </a:p>
-        </p:txBody>
-      </p:sp>
-      <p:sp>
-        <p:nvSpPr>
-          <p:cNvPr id="109" name="TextShape 2"/>
-          <p:cNvSpPr txBox="1"/>
-          <p:nvPr/>
-        </p:nvSpPr>
-        <p:spPr>
-          <a:xfrm>
-            <a:off x="3884760" y="8685360"/>
-            <a:ext cx="2971440" cy="458280"/>
-          </a:xfrm>
-          <a:prstGeom prst="rect">
-            <a:avLst/>
-          </a:prstGeom>
-          <a:noFill/>
-          <a:ln>
-            <a:noFill/>
-          </a:ln>
-        </p:spPr>
-        <p:txBody>
-          <a:bodyPr anchor="b"/>
-          <a:p>
-            <a:pPr algn="r">
-              <a:lnSpc>
-                <a:spcPct val="100000"/>
-              </a:lnSpc>
-            </a:pPr>
-            <a:fld id="{682BC549-3A33-46C4-BBA9-6023773DBF74}" type="slidenum">
-              <a:rPr b="0" lang="en-GB" sz="1200" spc="-1" strike="noStrike">
-                <a:solidFill>
-                  <a:srgbClr val="000000"/>
-                </a:solidFill>
-                <a:uFill>
-                  <a:solidFill>
-                    <a:srgbClr val="ffffff"/>
-                  </a:solidFill>
-                </a:uFill>
-                <a:latin typeface="+mn-lt"/>
-                <a:ea typeface="+mn-ea"/>
-              </a:rPr>
-              <a:t>&lt;number&gt;</a:t>
-            </a:fld>
-            <a:endParaRPr b="0" lang="en-GB" sz="1200" spc="-1" strike="noStrike">
-              <a:solidFill>
-                <a:srgbClr val="000000"/>
-              </a:solidFill>
-              <a:uFill>
-                <a:solidFill>
-                  <a:srgbClr val="ffffff"/>
-                </a:solidFill>
-              </a:uFill>
-              <a:latin typeface="Times New Roman"/>
-            </a:endParaRPr>
-          </a:p>
-        </p:txBody>
-      </p:sp>
-    </p:spTree>
-  </p:cSld>
-</p:notes>
-</file>
-
-<file path=ppt/notesSlides/notesSlide9.xml><?xml version="1.0" encoding="utf-8"?>
-<p:notes xmlns:a="http://schemas.openxmlformats.org/drawingml/2006/main" xmlns:p="http://schemas.openxmlformats.org/presentationml/2006/main" xmlns:r="http://schemas.openxmlformats.org/officeDocument/2006/relationships" xmlns:p14="http://schemas.microsoft.com/office/powerpoint/2010/main" xmlns:p15="http://schemas.microsoft.com/office/powerpoint/2012/main" xmlns:mc="http://schemas.openxmlformats.org/markup-compatibility/2006">
-  <p:cSld>
-    <p:spTree>
-      <p:nvGrpSpPr>
-        <p:cNvPr id="1" name=""/>
-        <p:cNvGrpSpPr/>
-        <p:nvPr/>
-      </p:nvGrpSpPr>
-      <p:grpSpPr>
-        <a:xfrm>
-          <a:off x="0" y="0"/>
-          <a:ext cx="0" cy="0"/>
-          <a:chOff x="0" y="0"/>
-          <a:chExt cx="0" cy="0"/>
-        </a:xfrm>
-      </p:grpSpPr>
-      <p:sp>
-        <p:nvSpPr>
           <p:cNvPr id="110" name="PlaceHolder 1"/>
           <p:cNvSpPr>
             <a:spLocks noGrp="1"/>
@@ -838,14 +916,15 @@
         </p:spPr>
         <p:txBody>
           <a:bodyPr/>
-          <a:p>
-            <a:endParaRPr b="0" lang="en-GB" sz="2000" spc="-1" strike="noStrike">
-              <a:solidFill>
-                <a:srgbClr val="000000"/>
-              </a:solidFill>
-              <a:uFill>
-                <a:solidFill>
-                  <a:srgbClr val="ffffff"/>
+          <a:lstStyle/>
+          <a:p>
+            <a:endParaRPr lang="en-GB" sz="2000" b="0" strike="noStrike" spc="-1">
+              <a:solidFill>
+                <a:srgbClr val="000000"/>
+              </a:solidFill>
+              <a:uFill>
+                <a:solidFill>
+                  <a:srgbClr val="FFFFFF"/>
                 </a:solidFill>
               </a:uFill>
               <a:latin typeface="Arial"/>
@@ -853,139 +932,78 @@
           </a:p>
           <a:p>
             <a:r>
-              <a:rPr b="0" lang="en-GB" sz="2000" spc="-1" strike="noStrike">
+              <a:rPr lang="en-GB" sz="2000" b="0" strike="noStrike" spc="-1">
                 <a:solidFill>
                   <a:srgbClr val="000000"/>
                 </a:solidFill>
                 <a:uFill>
                   <a:solidFill>
-                    <a:srgbClr val="ffffff"/>
+                    <a:srgbClr val="FFFFFF"/>
                   </a:solidFill>
                 </a:uFill>
                 <a:latin typeface="Arial"/>
               </a:rPr>
-              <a:t>Dataset: Satelite collects data</a:t>
+              <a:t>Dataset: Satelite collects data
+Filter: Filter and refilter</a:t>
             </a:r>
+          </a:p>
+          <a:p>
+            <a:endParaRPr lang="en-GB" sz="2000" b="0" strike="noStrike" spc="-1">
+              <a:solidFill>
+                <a:srgbClr val="000000"/>
+              </a:solidFill>
+              <a:uFill>
+                <a:solidFill>
+                  <a:srgbClr val="FFFFFF"/>
+                </a:solidFill>
+              </a:uFill>
+              <a:latin typeface="Arial"/>
+            </a:endParaRPr>
+          </a:p>
+          <a:p>
             <a:r>
-              <a:rPr b="0" lang="en-GB" sz="2000" spc="-1" strike="noStrike">
+              <a:rPr lang="en-GB" sz="2000" b="0" strike="noStrike" spc="-1">
                 <a:solidFill>
                   <a:srgbClr val="000000"/>
                 </a:solidFill>
                 <a:uFill>
                   <a:solidFill>
-                    <a:srgbClr val="ffffff"/>
-                  </a:solidFill>
-                </a:uFill>
-                <a:latin typeface="Arial"/>
-              </a:rPr>
-              <a:t>
-</a:t>
-            </a:r>
-            <a:r>
-              <a:rPr b="0" lang="en-GB" sz="2000" spc="-1" strike="noStrike">
-                <a:solidFill>
-                  <a:srgbClr val="000000"/>
-                </a:solidFill>
-                <a:uFill>
-                  <a:solidFill>
-                    <a:srgbClr val="ffffff"/>
-                  </a:solidFill>
-                </a:uFill>
-                <a:latin typeface="Arial"/>
-              </a:rPr>
-              <a:t>Filter: Filter and refilter</a:t>
-            </a:r>
-            <a:endParaRPr b="0" lang="en-GB" sz="2000" spc="-1" strike="noStrike">
-              <a:solidFill>
-                <a:srgbClr val="000000"/>
-              </a:solidFill>
-              <a:uFill>
-                <a:solidFill>
-                  <a:srgbClr val="ffffff"/>
-                </a:solidFill>
-              </a:uFill>
-              <a:latin typeface="Arial"/>
-            </a:endParaRPr>
-          </a:p>
-          <a:p>
-            <a:endParaRPr b="0" lang="en-GB" sz="2000" spc="-1" strike="noStrike">
-              <a:solidFill>
-                <a:srgbClr val="000000"/>
-              </a:solidFill>
-              <a:uFill>
-                <a:solidFill>
-                  <a:srgbClr val="ffffff"/>
-                </a:solidFill>
-              </a:uFill>
-              <a:latin typeface="Arial"/>
-            </a:endParaRPr>
-          </a:p>
-          <a:p>
-            <a:r>
-              <a:rPr b="0" lang="en-GB" sz="2000" spc="-1" strike="noStrike">
-                <a:solidFill>
-                  <a:srgbClr val="000000"/>
-                </a:solidFill>
-                <a:uFill>
-                  <a:solidFill>
-                    <a:srgbClr val="ffffff"/>
+                    <a:srgbClr val="FFFFFF"/>
                   </a:solidFill>
                 </a:uFill>
                 <a:latin typeface="Arial"/>
               </a:rPr>
               <a:t>Plots: too many data, hard to visualize to find patterns, outliers, …</a:t>
             </a:r>
-            <a:endParaRPr b="0" lang="en-GB" sz="2000" spc="-1" strike="noStrike">
-              <a:solidFill>
-                <a:srgbClr val="000000"/>
-              </a:solidFill>
-              <a:uFill>
-                <a:solidFill>
-                  <a:srgbClr val="ffffff"/>
+          </a:p>
+          <a:p>
+            <a:endParaRPr lang="en-GB" sz="2000" b="0" strike="noStrike" spc="-1">
+              <a:solidFill>
+                <a:srgbClr val="000000"/>
+              </a:solidFill>
+              <a:uFill>
+                <a:solidFill>
+                  <a:srgbClr val="FFFFFF"/>
                 </a:solidFill>
               </a:uFill>
               <a:latin typeface="Arial"/>
             </a:endParaRPr>
           </a:p>
           <a:p>
-            <a:endParaRPr b="0" lang="en-GB" sz="2000" spc="-1" strike="noStrike">
-              <a:solidFill>
-                <a:srgbClr val="000000"/>
-              </a:solidFill>
-              <a:uFill>
-                <a:solidFill>
-                  <a:srgbClr val="ffffff"/>
-                </a:solidFill>
-              </a:uFill>
-              <a:latin typeface="Arial"/>
-            </a:endParaRPr>
-          </a:p>
-          <a:p>
             <a:r>
-              <a:rPr b="0" lang="en-GB" sz="2000" spc="-1" strike="noStrike">
+              <a:rPr lang="en-GB" sz="2000" b="0" strike="noStrike" spc="-1">
                 <a:solidFill>
                   <a:srgbClr val="000000"/>
                 </a:solidFill>
                 <a:uFill>
                   <a:solidFill>
-                    <a:srgbClr val="ffffff"/>
+                    <a:srgbClr val="FFFFFF"/>
                   </a:solidFill>
                 </a:uFill>
                 <a:latin typeface="Arial"/>
               </a:rPr>
               <a:t>Javascript/D3: offers many ways to present data but limitations, like A3, long loading times for plotting, issuer: gain performance</a:t>
             </a:r>
-            <a:endParaRPr b="0" lang="en-GB" sz="2000" spc="-1" strike="noStrike">
-              <a:solidFill>
-                <a:srgbClr val="000000"/>
-              </a:solidFill>
-              <a:uFill>
-                <a:solidFill>
-                  <a:srgbClr val="ffffff"/>
-                </a:solidFill>
-              </a:uFill>
-              <a:latin typeface="Arial"/>
-            </a:endParaRPr>
           </a:p>
         </p:txBody>
       </p:sp>
@@ -1010,6 +1028,7 @@
         </p:spPr>
         <p:txBody>
           <a:bodyPr anchor="b"/>
+          <a:lstStyle/>
           <a:p>
             <a:pPr algn="r">
               <a:lnSpc>
@@ -1017,27 +1036,27 @@
               </a:lnSpc>
             </a:pPr>
             <a:fld id="{6C6DA3D0-60FC-41E8-8257-3D671A108C2E}" type="slidenum">
-              <a:rPr b="0" lang="en-GB" sz="1200" spc="-1" strike="noStrike">
+              <a:rPr lang="en-GB" sz="1200" b="0" strike="noStrike" spc="-1">
                 <a:solidFill>
                   <a:srgbClr val="000000"/>
                 </a:solidFill>
                 <a:uFill>
                   <a:solidFill>
-                    <a:srgbClr val="ffffff"/>
+                    <a:srgbClr val="FFFFFF"/>
                   </a:solidFill>
                 </a:uFill>
                 <a:latin typeface="+mn-lt"/>
                 <a:ea typeface="+mn-ea"/>
               </a:rPr>
-              <a:t>&lt;number&gt;</a:t>
+              <a:t>9</a:t>
             </a:fld>
-            <a:endParaRPr b="0" lang="en-GB" sz="1400" spc="-1" strike="noStrike">
-              <a:solidFill>
-                <a:srgbClr val="000000"/>
-              </a:solidFill>
-              <a:uFill>
-                <a:solidFill>
-                  <a:srgbClr val="ffffff"/>
+            <a:endParaRPr lang="en-GB" sz="1400" b="0" strike="noStrike" spc="-1">
+              <a:solidFill>
+                <a:srgbClr val="000000"/>
+              </a:solidFill>
+              <a:uFill>
+                <a:solidFill>
+                  <a:srgbClr val="FFFFFF"/>
                 </a:solidFill>
               </a:uFill>
               <a:latin typeface="Times New Roman"/>
@@ -1047,11 +1066,14 @@
       </p:sp>
     </p:spTree>
   </p:cSld>
+  <p:clrMapOvr>
+    <a:masterClrMapping/>
+  </p:clrMapOvr>
 </p:notes>
 </file>
 
 <file path=ppt/slideLayouts/slideLayout1.xml><?xml version="1.0" encoding="utf-8"?>
-<p:sldLayout xmlns:a="http://schemas.openxmlformats.org/drawingml/2006/main" xmlns:p="http://schemas.openxmlformats.org/presentationml/2006/main" xmlns:r="http://schemas.openxmlformats.org/officeDocument/2006/relationships" xmlns:p14="http://schemas.microsoft.com/office/powerpoint/2010/main" xmlns:p15="http://schemas.microsoft.com/office/powerpoint/2012/main" xmlns:mc="http://schemas.openxmlformats.org/markup-compatibility/2006" type="blank" preserve="1">
+<p:sldLayout xmlns:a="http://schemas.openxmlformats.org/drawingml/2006/main" xmlns:r="http://schemas.openxmlformats.org/officeDocument/2006/relationships" xmlns:p="http://schemas.openxmlformats.org/presentationml/2006/main" type="blank" preserve="1">
   <p:cSld name="Blank Slide">
     <p:spTree>
       <p:nvGrpSpPr>
@@ -1069,11 +1091,14 @@
       </p:grpSpPr>
     </p:spTree>
   </p:cSld>
+  <p:clrMapOvr>
+    <a:masterClrMapping/>
+  </p:clrMapOvr>
 </p:sldLayout>
 </file>
 
 <file path=ppt/slideLayouts/slideLayout10.xml><?xml version="1.0" encoding="utf-8"?>
-<p:sldLayout xmlns:a="http://schemas.openxmlformats.org/drawingml/2006/main" xmlns:p="http://schemas.openxmlformats.org/presentationml/2006/main" xmlns:r="http://schemas.openxmlformats.org/officeDocument/2006/relationships" xmlns:p14="http://schemas.microsoft.com/office/powerpoint/2010/main" xmlns:p15="http://schemas.microsoft.com/office/powerpoint/2012/main" xmlns:mc="http://schemas.openxmlformats.org/markup-compatibility/2006" type="objOverTx" preserve="1">
+<p:sldLayout xmlns:a="http://schemas.openxmlformats.org/drawingml/2006/main" xmlns:r="http://schemas.openxmlformats.org/officeDocument/2006/relationships" xmlns:p="http://schemas.openxmlformats.org/presentationml/2006/main" type="objOverTx" preserve="1">
   <p:cSld name="Title, Content over Content">
     <p:spTree>
       <p:nvGrpSpPr>
@@ -1109,15 +1134,16 @@
           </a:prstGeom>
         </p:spPr>
         <p:txBody>
-          <a:bodyPr lIns="0" rIns="0" tIns="0" bIns="0" anchor="ctr"/>
-          <a:p>
-            <a:endParaRPr b="0" lang="de-DE" sz="1800" spc="-1" strike="noStrike">
-              <a:solidFill>
-                <a:srgbClr val="000000"/>
-              </a:solidFill>
-              <a:uFill>
-                <a:solidFill>
-                  <a:srgbClr val="ffffff"/>
+          <a:bodyPr lIns="0" tIns="0" rIns="0" bIns="0" anchor="ctr"/>
+          <a:lstStyle/>
+          <a:p>
+            <a:endParaRPr lang="de-DE" sz="1800" b="0" strike="noStrike" spc="-1">
+              <a:solidFill>
+                <a:srgbClr val="000000"/>
+              </a:solidFill>
+              <a:uFill>
+                <a:solidFill>
+                  <a:srgbClr val="FFFFFF"/>
                 </a:solidFill>
               </a:uFill>
               <a:latin typeface="Calibri"/>
@@ -1145,15 +1171,16 @@
           </a:prstGeom>
         </p:spPr>
         <p:txBody>
-          <a:bodyPr lIns="0" rIns="0" tIns="0" bIns="0"/>
-          <a:p>
-            <a:endParaRPr b="0" lang="de-DE" sz="2800" spc="-1" strike="noStrike">
-              <a:solidFill>
-                <a:srgbClr val="000000"/>
-              </a:solidFill>
-              <a:uFill>
-                <a:solidFill>
-                  <a:srgbClr val="ffffff"/>
+          <a:bodyPr lIns="0" tIns="0" rIns="0" bIns="0"/>
+          <a:lstStyle/>
+          <a:p>
+            <a:endParaRPr lang="de-DE" sz="2800" b="0" strike="noStrike" spc="-1">
+              <a:solidFill>
+                <a:srgbClr val="000000"/>
+              </a:solidFill>
+              <a:uFill>
+                <a:solidFill>
+                  <a:srgbClr val="FFFFFF"/>
                 </a:solidFill>
               </a:uFill>
               <a:latin typeface="Calibri"/>
@@ -1181,15 +1208,16 @@
           </a:prstGeom>
         </p:spPr>
         <p:txBody>
-          <a:bodyPr lIns="0" rIns="0" tIns="0" bIns="0"/>
-          <a:p>
-            <a:endParaRPr b="0" lang="de-DE" sz="2800" spc="-1" strike="noStrike">
-              <a:solidFill>
-                <a:srgbClr val="000000"/>
-              </a:solidFill>
-              <a:uFill>
-                <a:solidFill>
-                  <a:srgbClr val="ffffff"/>
+          <a:bodyPr lIns="0" tIns="0" rIns="0" bIns="0"/>
+          <a:lstStyle/>
+          <a:p>
+            <a:endParaRPr lang="de-DE" sz="2800" b="0" strike="noStrike" spc="-1">
+              <a:solidFill>
+                <a:srgbClr val="000000"/>
+              </a:solidFill>
+              <a:uFill>
+                <a:solidFill>
+                  <a:srgbClr val="FFFFFF"/>
                 </a:solidFill>
               </a:uFill>
               <a:latin typeface="Calibri"/>
@@ -1199,11 +1227,14 @@
       </p:sp>
     </p:spTree>
   </p:cSld>
+  <p:clrMapOvr>
+    <a:masterClrMapping/>
+  </p:clrMapOvr>
 </p:sldLayout>
 </file>
 
 <file path=ppt/slideLayouts/slideLayout11.xml><?xml version="1.0" encoding="utf-8"?>
-<p:sldLayout xmlns:a="http://schemas.openxmlformats.org/drawingml/2006/main" xmlns:p="http://schemas.openxmlformats.org/presentationml/2006/main" xmlns:r="http://schemas.openxmlformats.org/officeDocument/2006/relationships" xmlns:p14="http://schemas.microsoft.com/office/powerpoint/2010/main" xmlns:p15="http://schemas.microsoft.com/office/powerpoint/2012/main" xmlns:mc="http://schemas.openxmlformats.org/markup-compatibility/2006" type="fourObj" preserve="1">
+<p:sldLayout xmlns:a="http://schemas.openxmlformats.org/drawingml/2006/main" xmlns:r="http://schemas.openxmlformats.org/officeDocument/2006/relationships" xmlns:p="http://schemas.openxmlformats.org/presentationml/2006/main" type="fourObj" preserve="1">
   <p:cSld name="Title, 4 Content">
     <p:spTree>
       <p:nvGrpSpPr>
@@ -1239,15 +1270,16 @@
           </a:prstGeom>
         </p:spPr>
         <p:txBody>
-          <a:bodyPr lIns="0" rIns="0" tIns="0" bIns="0" anchor="ctr"/>
-          <a:p>
-            <a:endParaRPr b="0" lang="de-DE" sz="1800" spc="-1" strike="noStrike">
-              <a:solidFill>
-                <a:srgbClr val="000000"/>
-              </a:solidFill>
-              <a:uFill>
-                <a:solidFill>
-                  <a:srgbClr val="ffffff"/>
+          <a:bodyPr lIns="0" tIns="0" rIns="0" bIns="0" anchor="ctr"/>
+          <a:lstStyle/>
+          <a:p>
+            <a:endParaRPr lang="de-DE" sz="1800" b="0" strike="noStrike" spc="-1">
+              <a:solidFill>
+                <a:srgbClr val="000000"/>
+              </a:solidFill>
+              <a:uFill>
+                <a:solidFill>
+                  <a:srgbClr val="FFFFFF"/>
                 </a:solidFill>
               </a:uFill>
               <a:latin typeface="Calibri"/>
@@ -1275,15 +1307,16 @@
           </a:prstGeom>
         </p:spPr>
         <p:txBody>
-          <a:bodyPr lIns="0" rIns="0" tIns="0" bIns="0"/>
-          <a:p>
-            <a:endParaRPr b="0" lang="de-DE" sz="2800" spc="-1" strike="noStrike">
-              <a:solidFill>
-                <a:srgbClr val="000000"/>
-              </a:solidFill>
-              <a:uFill>
-                <a:solidFill>
-                  <a:srgbClr val="ffffff"/>
+          <a:bodyPr lIns="0" tIns="0" rIns="0" bIns="0"/>
+          <a:lstStyle/>
+          <a:p>
+            <a:endParaRPr lang="de-DE" sz="2800" b="0" strike="noStrike" spc="-1">
+              <a:solidFill>
+                <a:srgbClr val="000000"/>
+              </a:solidFill>
+              <a:uFill>
+                <a:solidFill>
+                  <a:srgbClr val="FFFFFF"/>
                 </a:solidFill>
               </a:uFill>
               <a:latin typeface="Calibri"/>
@@ -1311,15 +1344,16 @@
           </a:prstGeom>
         </p:spPr>
         <p:txBody>
-          <a:bodyPr lIns="0" rIns="0" tIns="0" bIns="0"/>
-          <a:p>
-            <a:endParaRPr b="0" lang="de-DE" sz="2800" spc="-1" strike="noStrike">
-              <a:solidFill>
-                <a:srgbClr val="000000"/>
-              </a:solidFill>
-              <a:uFill>
-                <a:solidFill>
-                  <a:srgbClr val="ffffff"/>
+          <a:bodyPr lIns="0" tIns="0" rIns="0" bIns="0"/>
+          <a:lstStyle/>
+          <a:p>
+            <a:endParaRPr lang="de-DE" sz="2800" b="0" strike="noStrike" spc="-1">
+              <a:solidFill>
+                <a:srgbClr val="000000"/>
+              </a:solidFill>
+              <a:uFill>
+                <a:solidFill>
+                  <a:srgbClr val="FFFFFF"/>
                 </a:solidFill>
               </a:uFill>
               <a:latin typeface="Calibri"/>
@@ -1347,15 +1381,16 @@
           </a:prstGeom>
         </p:spPr>
         <p:txBody>
-          <a:bodyPr lIns="0" rIns="0" tIns="0" bIns="0"/>
-          <a:p>
-            <a:endParaRPr b="0" lang="de-DE" sz="2800" spc="-1" strike="noStrike">
-              <a:solidFill>
-                <a:srgbClr val="000000"/>
-              </a:solidFill>
-              <a:uFill>
-                <a:solidFill>
-                  <a:srgbClr val="ffffff"/>
+          <a:bodyPr lIns="0" tIns="0" rIns="0" bIns="0"/>
+          <a:lstStyle/>
+          <a:p>
+            <a:endParaRPr lang="de-DE" sz="2800" b="0" strike="noStrike" spc="-1">
+              <a:solidFill>
+                <a:srgbClr val="000000"/>
+              </a:solidFill>
+              <a:uFill>
+                <a:solidFill>
+                  <a:srgbClr val="FFFFFF"/>
                 </a:solidFill>
               </a:uFill>
               <a:latin typeface="Calibri"/>
@@ -1383,15 +1418,16 @@
           </a:prstGeom>
         </p:spPr>
         <p:txBody>
-          <a:bodyPr lIns="0" rIns="0" tIns="0" bIns="0"/>
-          <a:p>
-            <a:endParaRPr b="0" lang="de-DE" sz="2800" spc="-1" strike="noStrike">
-              <a:solidFill>
-                <a:srgbClr val="000000"/>
-              </a:solidFill>
-              <a:uFill>
-                <a:solidFill>
-                  <a:srgbClr val="ffffff"/>
+          <a:bodyPr lIns="0" tIns="0" rIns="0" bIns="0"/>
+          <a:lstStyle/>
+          <a:p>
+            <a:endParaRPr lang="de-DE" sz="2800" b="0" strike="noStrike" spc="-1">
+              <a:solidFill>
+                <a:srgbClr val="000000"/>
+              </a:solidFill>
+              <a:uFill>
+                <a:solidFill>
+                  <a:srgbClr val="FFFFFF"/>
                 </a:solidFill>
               </a:uFill>
               <a:latin typeface="Calibri"/>
@@ -1401,11 +1437,14 @@
       </p:sp>
     </p:spTree>
   </p:cSld>
+  <p:clrMapOvr>
+    <a:masterClrMapping/>
+  </p:clrMapOvr>
 </p:sldLayout>
 </file>
 
 <file path=ppt/slideLayouts/slideLayout12.xml><?xml version="1.0" encoding="utf-8"?>
-<p:sldLayout xmlns:a="http://schemas.openxmlformats.org/drawingml/2006/main" xmlns:p="http://schemas.openxmlformats.org/presentationml/2006/main" xmlns:r="http://schemas.openxmlformats.org/officeDocument/2006/relationships" xmlns:p14="http://schemas.microsoft.com/office/powerpoint/2010/main" xmlns:p15="http://schemas.microsoft.com/office/powerpoint/2012/main" xmlns:mc="http://schemas.openxmlformats.org/markup-compatibility/2006" type="blank" preserve="1">
+<p:sldLayout xmlns:a="http://schemas.openxmlformats.org/drawingml/2006/main" xmlns:r="http://schemas.openxmlformats.org/officeDocument/2006/relationships" xmlns:p="http://schemas.openxmlformats.org/presentationml/2006/main" type="blank" preserve="1">
   <p:cSld name="Title, 6 Content">
     <p:spTree>
       <p:nvGrpSpPr>
@@ -1441,15 +1480,16 @@
           </a:prstGeom>
         </p:spPr>
         <p:txBody>
-          <a:bodyPr lIns="0" rIns="0" tIns="0" bIns="0" anchor="ctr"/>
-          <a:p>
-            <a:endParaRPr b="0" lang="de-DE" sz="1800" spc="-1" strike="noStrike">
-              <a:solidFill>
-                <a:srgbClr val="000000"/>
-              </a:solidFill>
-              <a:uFill>
-                <a:solidFill>
-                  <a:srgbClr val="ffffff"/>
+          <a:bodyPr lIns="0" tIns="0" rIns="0" bIns="0" anchor="ctr"/>
+          <a:lstStyle/>
+          <a:p>
+            <a:endParaRPr lang="de-DE" sz="1800" b="0" strike="noStrike" spc="-1">
+              <a:solidFill>
+                <a:srgbClr val="000000"/>
+              </a:solidFill>
+              <a:uFill>
+                <a:solidFill>
+                  <a:srgbClr val="FFFFFF"/>
                 </a:solidFill>
               </a:uFill>
               <a:latin typeface="Calibri"/>
@@ -1477,15 +1517,16 @@
           </a:prstGeom>
         </p:spPr>
         <p:txBody>
-          <a:bodyPr lIns="0" rIns="0" tIns="0" bIns="0"/>
-          <a:p>
-            <a:endParaRPr b="0" lang="de-DE" sz="2800" spc="-1" strike="noStrike">
-              <a:solidFill>
-                <a:srgbClr val="000000"/>
-              </a:solidFill>
-              <a:uFill>
-                <a:solidFill>
-                  <a:srgbClr val="ffffff"/>
+          <a:bodyPr lIns="0" tIns="0" rIns="0" bIns="0"/>
+          <a:lstStyle/>
+          <a:p>
+            <a:endParaRPr lang="de-DE" sz="2800" b="0" strike="noStrike" spc="-1">
+              <a:solidFill>
+                <a:srgbClr val="000000"/>
+              </a:solidFill>
+              <a:uFill>
+                <a:solidFill>
+                  <a:srgbClr val="FFFFFF"/>
                 </a:solidFill>
               </a:uFill>
               <a:latin typeface="Calibri"/>
@@ -1513,15 +1554,16 @@
           </a:prstGeom>
         </p:spPr>
         <p:txBody>
-          <a:bodyPr lIns="0" rIns="0" tIns="0" bIns="0"/>
-          <a:p>
-            <a:endParaRPr b="0" lang="de-DE" sz="2800" spc="-1" strike="noStrike">
-              <a:solidFill>
-                <a:srgbClr val="000000"/>
-              </a:solidFill>
-              <a:uFill>
-                <a:solidFill>
-                  <a:srgbClr val="ffffff"/>
+          <a:bodyPr lIns="0" tIns="0" rIns="0" bIns="0"/>
+          <a:lstStyle/>
+          <a:p>
+            <a:endParaRPr lang="de-DE" sz="2800" b="0" strike="noStrike" spc="-1">
+              <a:solidFill>
+                <a:srgbClr val="000000"/>
+              </a:solidFill>
+              <a:uFill>
+                <a:solidFill>
+                  <a:srgbClr val="FFFFFF"/>
                 </a:solidFill>
               </a:uFill>
               <a:latin typeface="Calibri"/>
@@ -1531,7 +1573,7 @@
       </p:sp>
       <p:pic>
         <p:nvPicPr>
-          <p:cNvPr id="37" name="" descr=""/>
+          <p:cNvPr id="37" name="Grafik 36"/>
           <p:cNvPicPr/>
           <p:nvPr/>
         </p:nvPicPr>
@@ -1554,12 +1596,12 @@
       </p:pic>
       <p:pic>
         <p:nvPicPr>
-          <p:cNvPr id="38" name="" descr=""/>
+          <p:cNvPr id="38" name="Grafik 37"/>
           <p:cNvPicPr/>
           <p:nvPr/>
         </p:nvPicPr>
         <p:blipFill>
-          <a:blip r:embed="rId3"/>
+          <a:blip r:embed="rId2"/>
           <a:stretch/>
         </p:blipFill>
         <p:spPr>
@@ -1577,11 +1619,14 @@
       </p:pic>
     </p:spTree>
   </p:cSld>
+  <p:clrMapOvr>
+    <a:masterClrMapping/>
+  </p:clrMapOvr>
 </p:sldLayout>
 </file>
 
 <file path=ppt/slideLayouts/slideLayout13.xml><?xml version="1.0" encoding="utf-8"?>
-<p:sldLayout xmlns:a="http://schemas.openxmlformats.org/drawingml/2006/main" xmlns:p="http://schemas.openxmlformats.org/presentationml/2006/main" xmlns:r="http://schemas.openxmlformats.org/officeDocument/2006/relationships" xmlns:p14="http://schemas.microsoft.com/office/powerpoint/2010/main" xmlns:p15="http://schemas.microsoft.com/office/powerpoint/2012/main" xmlns:mc="http://schemas.openxmlformats.org/markup-compatibility/2006" type="blank" preserve="1">
+<p:sldLayout xmlns:a="http://schemas.openxmlformats.org/drawingml/2006/main" xmlns:r="http://schemas.openxmlformats.org/officeDocument/2006/relationships" xmlns:p="http://schemas.openxmlformats.org/presentationml/2006/main" type="blank" preserve="1">
   <p:cSld name="Blank Slide">
     <p:spTree>
       <p:nvGrpSpPr>
@@ -1599,11 +1644,14 @@
       </p:grpSpPr>
     </p:spTree>
   </p:cSld>
+  <p:clrMapOvr>
+    <a:masterClrMapping/>
+  </p:clrMapOvr>
 </p:sldLayout>
 </file>
 
 <file path=ppt/slideLayouts/slideLayout14.xml><?xml version="1.0" encoding="utf-8"?>
-<p:sldLayout xmlns:a="http://schemas.openxmlformats.org/drawingml/2006/main" xmlns:p="http://schemas.openxmlformats.org/presentationml/2006/main" xmlns:r="http://schemas.openxmlformats.org/officeDocument/2006/relationships" xmlns:p14="http://schemas.microsoft.com/office/powerpoint/2010/main" xmlns:p15="http://schemas.microsoft.com/office/powerpoint/2012/main" xmlns:mc="http://schemas.openxmlformats.org/markup-compatibility/2006" type="tx" preserve="1">
+<p:sldLayout xmlns:a="http://schemas.openxmlformats.org/drawingml/2006/main" xmlns:r="http://schemas.openxmlformats.org/officeDocument/2006/relationships" xmlns:p="http://schemas.openxmlformats.org/presentationml/2006/main" type="tx" preserve="1">
   <p:cSld name="Title Slide">
     <p:spTree>
       <p:nvGrpSpPr>
@@ -1639,15 +1687,16 @@
           </a:prstGeom>
         </p:spPr>
         <p:txBody>
-          <a:bodyPr lIns="0" rIns="0" tIns="0" bIns="0" anchor="ctr"/>
-          <a:p>
-            <a:endParaRPr b="0" lang="de-DE" sz="1800" spc="-1" strike="noStrike">
-              <a:solidFill>
-                <a:srgbClr val="000000"/>
-              </a:solidFill>
-              <a:uFill>
-                <a:solidFill>
-                  <a:srgbClr val="ffffff"/>
+          <a:bodyPr lIns="0" tIns="0" rIns="0" bIns="0" anchor="ctr"/>
+          <a:lstStyle/>
+          <a:p>
+            <a:endParaRPr lang="de-DE" sz="1800" b="0" strike="noStrike" spc="-1">
+              <a:solidFill>
+                <a:srgbClr val="000000"/>
+              </a:solidFill>
+              <a:uFill>
+                <a:solidFill>
+                  <a:srgbClr val="FFFFFF"/>
                 </a:solidFill>
               </a:uFill>
               <a:latin typeface="Calibri"/>
@@ -1675,16 +1724,17 @@
           </a:prstGeom>
         </p:spPr>
         <p:txBody>
-          <a:bodyPr lIns="0" rIns="0" tIns="0" bIns="0" anchor="ctr"/>
+          <a:bodyPr lIns="0" tIns="0" rIns="0" bIns="0" anchor="ctr"/>
+          <a:lstStyle/>
           <a:p>
             <a:pPr algn="ctr"/>
-            <a:endParaRPr b="0" lang="en-GB" sz="3200" spc="-1" strike="noStrike">
-              <a:solidFill>
-                <a:srgbClr val="000000"/>
-              </a:solidFill>
-              <a:uFill>
-                <a:solidFill>
-                  <a:srgbClr val="ffffff"/>
+            <a:endParaRPr lang="en-GB" sz="3200" b="0" strike="noStrike" spc="-1">
+              <a:solidFill>
+                <a:srgbClr val="000000"/>
+              </a:solidFill>
+              <a:uFill>
+                <a:solidFill>
+                  <a:srgbClr val="FFFFFF"/>
                 </a:solidFill>
               </a:uFill>
               <a:latin typeface="Arial"/>
@@ -1694,11 +1744,14 @@
       </p:sp>
     </p:spTree>
   </p:cSld>
+  <p:clrMapOvr>
+    <a:masterClrMapping/>
+  </p:clrMapOvr>
 </p:sldLayout>
 </file>
 
 <file path=ppt/slideLayouts/slideLayout15.xml><?xml version="1.0" encoding="utf-8"?>
-<p:sldLayout xmlns:a="http://schemas.openxmlformats.org/drawingml/2006/main" xmlns:p="http://schemas.openxmlformats.org/presentationml/2006/main" xmlns:r="http://schemas.openxmlformats.org/officeDocument/2006/relationships" xmlns:p14="http://schemas.microsoft.com/office/powerpoint/2010/main" xmlns:p15="http://schemas.microsoft.com/office/powerpoint/2012/main" xmlns:mc="http://schemas.openxmlformats.org/markup-compatibility/2006" type="obj" preserve="1">
+<p:sldLayout xmlns:a="http://schemas.openxmlformats.org/drawingml/2006/main" xmlns:r="http://schemas.openxmlformats.org/officeDocument/2006/relationships" xmlns:p="http://schemas.openxmlformats.org/presentationml/2006/main" type="obj" preserve="1">
   <p:cSld name="Title, Content">
     <p:spTree>
       <p:nvGrpSpPr>
@@ -1734,15 +1787,16 @@
           </a:prstGeom>
         </p:spPr>
         <p:txBody>
-          <a:bodyPr lIns="0" rIns="0" tIns="0" bIns="0" anchor="ctr"/>
-          <a:p>
-            <a:endParaRPr b="0" lang="de-DE" sz="1800" spc="-1" strike="noStrike">
-              <a:solidFill>
-                <a:srgbClr val="000000"/>
-              </a:solidFill>
-              <a:uFill>
-                <a:solidFill>
-                  <a:srgbClr val="ffffff"/>
+          <a:bodyPr lIns="0" tIns="0" rIns="0" bIns="0" anchor="ctr"/>
+          <a:lstStyle/>
+          <a:p>
+            <a:endParaRPr lang="de-DE" sz="1800" b="0" strike="noStrike" spc="-1">
+              <a:solidFill>
+                <a:srgbClr val="000000"/>
+              </a:solidFill>
+              <a:uFill>
+                <a:solidFill>
+                  <a:srgbClr val="FFFFFF"/>
                 </a:solidFill>
               </a:uFill>
               <a:latin typeface="Calibri"/>
@@ -1770,15 +1824,16 @@
           </a:prstGeom>
         </p:spPr>
         <p:txBody>
-          <a:bodyPr lIns="0" rIns="0" tIns="0" bIns="0"/>
-          <a:p>
-            <a:endParaRPr b="0" lang="de-DE" sz="2800" spc="-1" strike="noStrike">
-              <a:solidFill>
-                <a:srgbClr val="000000"/>
-              </a:solidFill>
-              <a:uFill>
-                <a:solidFill>
-                  <a:srgbClr val="ffffff"/>
+          <a:bodyPr lIns="0" tIns="0" rIns="0" bIns="0"/>
+          <a:lstStyle/>
+          <a:p>
+            <a:endParaRPr lang="de-DE" sz="2800" b="0" strike="noStrike" spc="-1">
+              <a:solidFill>
+                <a:srgbClr val="000000"/>
+              </a:solidFill>
+              <a:uFill>
+                <a:solidFill>
+                  <a:srgbClr val="FFFFFF"/>
                 </a:solidFill>
               </a:uFill>
               <a:latin typeface="Calibri"/>
@@ -1788,11 +1843,14 @@
       </p:sp>
     </p:spTree>
   </p:cSld>
+  <p:clrMapOvr>
+    <a:masterClrMapping/>
+  </p:clrMapOvr>
 </p:sldLayout>
 </file>
 
 <file path=ppt/slideLayouts/slideLayout16.xml><?xml version="1.0" encoding="utf-8"?>
-<p:sldLayout xmlns:a="http://schemas.openxmlformats.org/drawingml/2006/main" xmlns:p="http://schemas.openxmlformats.org/presentationml/2006/main" xmlns:r="http://schemas.openxmlformats.org/officeDocument/2006/relationships" xmlns:p14="http://schemas.microsoft.com/office/powerpoint/2010/main" xmlns:p15="http://schemas.microsoft.com/office/powerpoint/2012/main" xmlns:mc="http://schemas.openxmlformats.org/markup-compatibility/2006" type="twoObj" preserve="1">
+<p:sldLayout xmlns:a="http://schemas.openxmlformats.org/drawingml/2006/main" xmlns:r="http://schemas.openxmlformats.org/officeDocument/2006/relationships" xmlns:p="http://schemas.openxmlformats.org/presentationml/2006/main" type="twoObj" preserve="1">
   <p:cSld name="Title, 2 Content">
     <p:spTree>
       <p:nvGrpSpPr>
@@ -1828,15 +1886,16 @@
           </a:prstGeom>
         </p:spPr>
         <p:txBody>
-          <a:bodyPr lIns="0" rIns="0" tIns="0" bIns="0" anchor="ctr"/>
-          <a:p>
-            <a:endParaRPr b="0" lang="de-DE" sz="1800" spc="-1" strike="noStrike">
-              <a:solidFill>
-                <a:srgbClr val="000000"/>
-              </a:solidFill>
-              <a:uFill>
-                <a:solidFill>
-                  <a:srgbClr val="ffffff"/>
+          <a:bodyPr lIns="0" tIns="0" rIns="0" bIns="0" anchor="ctr"/>
+          <a:lstStyle/>
+          <a:p>
+            <a:endParaRPr lang="de-DE" sz="1800" b="0" strike="noStrike" spc="-1">
+              <a:solidFill>
+                <a:srgbClr val="000000"/>
+              </a:solidFill>
+              <a:uFill>
+                <a:solidFill>
+                  <a:srgbClr val="FFFFFF"/>
                 </a:solidFill>
               </a:uFill>
               <a:latin typeface="Calibri"/>
@@ -1864,15 +1923,16 @@
           </a:prstGeom>
         </p:spPr>
         <p:txBody>
-          <a:bodyPr lIns="0" rIns="0" tIns="0" bIns="0"/>
-          <a:p>
-            <a:endParaRPr b="0" lang="de-DE" sz="2800" spc="-1" strike="noStrike">
-              <a:solidFill>
-                <a:srgbClr val="000000"/>
-              </a:solidFill>
-              <a:uFill>
-                <a:solidFill>
-                  <a:srgbClr val="ffffff"/>
+          <a:bodyPr lIns="0" tIns="0" rIns="0" bIns="0"/>
+          <a:lstStyle/>
+          <a:p>
+            <a:endParaRPr lang="de-DE" sz="2800" b="0" strike="noStrike" spc="-1">
+              <a:solidFill>
+                <a:srgbClr val="000000"/>
+              </a:solidFill>
+              <a:uFill>
+                <a:solidFill>
+                  <a:srgbClr val="FFFFFF"/>
                 </a:solidFill>
               </a:uFill>
               <a:latin typeface="Calibri"/>
@@ -1900,15 +1960,16 @@
           </a:prstGeom>
         </p:spPr>
         <p:txBody>
-          <a:bodyPr lIns="0" rIns="0" tIns="0" bIns="0"/>
-          <a:p>
-            <a:endParaRPr b="0" lang="de-DE" sz="2800" spc="-1" strike="noStrike">
-              <a:solidFill>
-                <a:srgbClr val="000000"/>
-              </a:solidFill>
-              <a:uFill>
-                <a:solidFill>
-                  <a:srgbClr val="ffffff"/>
+          <a:bodyPr lIns="0" tIns="0" rIns="0" bIns="0"/>
+          <a:lstStyle/>
+          <a:p>
+            <a:endParaRPr lang="de-DE" sz="2800" b="0" strike="noStrike" spc="-1">
+              <a:solidFill>
+                <a:srgbClr val="000000"/>
+              </a:solidFill>
+              <a:uFill>
+                <a:solidFill>
+                  <a:srgbClr val="FFFFFF"/>
                 </a:solidFill>
               </a:uFill>
               <a:latin typeface="Calibri"/>
@@ -1918,11 +1979,14 @@
       </p:sp>
     </p:spTree>
   </p:cSld>
+  <p:clrMapOvr>
+    <a:masterClrMapping/>
+  </p:clrMapOvr>
 </p:sldLayout>
 </file>
 
 <file path=ppt/slideLayouts/slideLayout17.xml><?xml version="1.0" encoding="utf-8"?>
-<p:sldLayout xmlns:a="http://schemas.openxmlformats.org/drawingml/2006/main" xmlns:p="http://schemas.openxmlformats.org/presentationml/2006/main" xmlns:r="http://schemas.openxmlformats.org/officeDocument/2006/relationships" xmlns:p14="http://schemas.microsoft.com/office/powerpoint/2010/main" xmlns:p15="http://schemas.microsoft.com/office/powerpoint/2012/main" xmlns:mc="http://schemas.openxmlformats.org/markup-compatibility/2006" type="titleOnly" preserve="1">
+<p:sldLayout xmlns:a="http://schemas.openxmlformats.org/drawingml/2006/main" xmlns:r="http://schemas.openxmlformats.org/officeDocument/2006/relationships" xmlns:p="http://schemas.openxmlformats.org/presentationml/2006/main" type="titleOnly" preserve="1">
   <p:cSld name="Title Only">
     <p:spTree>
       <p:nvGrpSpPr>
@@ -1958,15 +2022,16 @@
           </a:prstGeom>
         </p:spPr>
         <p:txBody>
-          <a:bodyPr lIns="0" rIns="0" tIns="0" bIns="0" anchor="ctr"/>
-          <a:p>
-            <a:endParaRPr b="0" lang="de-DE" sz="1800" spc="-1" strike="noStrike">
-              <a:solidFill>
-                <a:srgbClr val="000000"/>
-              </a:solidFill>
-              <a:uFill>
-                <a:solidFill>
-                  <a:srgbClr val="ffffff"/>
+          <a:bodyPr lIns="0" tIns="0" rIns="0" bIns="0" anchor="ctr"/>
+          <a:lstStyle/>
+          <a:p>
+            <a:endParaRPr lang="de-DE" sz="1800" b="0" strike="noStrike" spc="-1">
+              <a:solidFill>
+                <a:srgbClr val="000000"/>
+              </a:solidFill>
+              <a:uFill>
+                <a:solidFill>
+                  <a:srgbClr val="FFFFFF"/>
                 </a:solidFill>
               </a:uFill>
               <a:latin typeface="Calibri"/>
@@ -1976,11 +2041,14 @@
       </p:sp>
     </p:spTree>
   </p:cSld>
+  <p:clrMapOvr>
+    <a:masterClrMapping/>
+  </p:clrMapOvr>
 </p:sldLayout>
 </file>
 
 <file path=ppt/slideLayouts/slideLayout18.xml><?xml version="1.0" encoding="utf-8"?>
-<p:sldLayout xmlns:a="http://schemas.openxmlformats.org/drawingml/2006/main" xmlns:p="http://schemas.openxmlformats.org/presentationml/2006/main" xmlns:r="http://schemas.openxmlformats.org/officeDocument/2006/relationships" xmlns:p14="http://schemas.microsoft.com/office/powerpoint/2010/main" xmlns:p15="http://schemas.microsoft.com/office/powerpoint/2012/main" xmlns:mc="http://schemas.openxmlformats.org/markup-compatibility/2006" type="objOnly" preserve="1">
+<p:sldLayout xmlns:a="http://schemas.openxmlformats.org/drawingml/2006/main" xmlns:r="http://schemas.openxmlformats.org/officeDocument/2006/relationships" xmlns:p="http://schemas.openxmlformats.org/presentationml/2006/main" type="objOnly" preserve="1">
   <p:cSld name="Centered Text">
     <p:spTree>
       <p:nvGrpSpPr>
@@ -2016,16 +2084,17 @@
           </a:prstGeom>
         </p:spPr>
         <p:txBody>
-          <a:bodyPr lIns="0" rIns="0" tIns="0" bIns="0" anchor="ctr"/>
+          <a:bodyPr lIns="0" tIns="0" rIns="0" bIns="0" anchor="ctr"/>
+          <a:lstStyle/>
           <a:p>
             <a:pPr algn="ctr"/>
-            <a:endParaRPr b="0" lang="en-GB" sz="3200" spc="-1" strike="noStrike">
-              <a:solidFill>
-                <a:srgbClr val="000000"/>
-              </a:solidFill>
-              <a:uFill>
-                <a:solidFill>
-                  <a:srgbClr val="ffffff"/>
+            <a:endParaRPr lang="en-GB" sz="3200" b="0" strike="noStrike" spc="-1">
+              <a:solidFill>
+                <a:srgbClr val="000000"/>
+              </a:solidFill>
+              <a:uFill>
+                <a:solidFill>
+                  <a:srgbClr val="FFFFFF"/>
                 </a:solidFill>
               </a:uFill>
               <a:latin typeface="Arial"/>
@@ -2035,11 +2104,14 @@
       </p:sp>
     </p:spTree>
   </p:cSld>
+  <p:clrMapOvr>
+    <a:masterClrMapping/>
+  </p:clrMapOvr>
 </p:sldLayout>
 </file>
 
 <file path=ppt/slideLayouts/slideLayout19.xml><?xml version="1.0" encoding="utf-8"?>
-<p:sldLayout xmlns:a="http://schemas.openxmlformats.org/drawingml/2006/main" xmlns:p="http://schemas.openxmlformats.org/presentationml/2006/main" xmlns:r="http://schemas.openxmlformats.org/officeDocument/2006/relationships" xmlns:p14="http://schemas.microsoft.com/office/powerpoint/2010/main" xmlns:p15="http://schemas.microsoft.com/office/powerpoint/2012/main" xmlns:mc="http://schemas.openxmlformats.org/markup-compatibility/2006" type="twoObjAndObj" preserve="1">
+<p:sldLayout xmlns:a="http://schemas.openxmlformats.org/drawingml/2006/main" xmlns:r="http://schemas.openxmlformats.org/officeDocument/2006/relationships" xmlns:p="http://schemas.openxmlformats.org/presentationml/2006/main" type="twoObjAndObj" preserve="1">
   <p:cSld name="Title, 2 Content and Content">
     <p:spTree>
       <p:nvGrpSpPr>
@@ -2075,15 +2147,16 @@
           </a:prstGeom>
         </p:spPr>
         <p:txBody>
-          <a:bodyPr lIns="0" rIns="0" tIns="0" bIns="0" anchor="ctr"/>
-          <a:p>
-            <a:endParaRPr b="0" lang="de-DE" sz="1800" spc="-1" strike="noStrike">
-              <a:solidFill>
-                <a:srgbClr val="000000"/>
-              </a:solidFill>
-              <a:uFill>
-                <a:solidFill>
-                  <a:srgbClr val="ffffff"/>
+          <a:bodyPr lIns="0" tIns="0" rIns="0" bIns="0" anchor="ctr"/>
+          <a:lstStyle/>
+          <a:p>
+            <a:endParaRPr lang="de-DE" sz="1800" b="0" strike="noStrike" spc="-1">
+              <a:solidFill>
+                <a:srgbClr val="000000"/>
+              </a:solidFill>
+              <a:uFill>
+                <a:solidFill>
+                  <a:srgbClr val="FFFFFF"/>
                 </a:solidFill>
               </a:uFill>
               <a:latin typeface="Calibri"/>
@@ -2111,15 +2184,16 @@
           </a:prstGeom>
         </p:spPr>
         <p:txBody>
-          <a:bodyPr lIns="0" rIns="0" tIns="0" bIns="0"/>
-          <a:p>
-            <a:endParaRPr b="0" lang="de-DE" sz="2800" spc="-1" strike="noStrike">
-              <a:solidFill>
-                <a:srgbClr val="000000"/>
-              </a:solidFill>
-              <a:uFill>
-                <a:solidFill>
-                  <a:srgbClr val="ffffff"/>
+          <a:bodyPr lIns="0" tIns="0" rIns="0" bIns="0"/>
+          <a:lstStyle/>
+          <a:p>
+            <a:endParaRPr lang="de-DE" sz="2800" b="0" strike="noStrike" spc="-1">
+              <a:solidFill>
+                <a:srgbClr val="000000"/>
+              </a:solidFill>
+              <a:uFill>
+                <a:solidFill>
+                  <a:srgbClr val="FFFFFF"/>
                 </a:solidFill>
               </a:uFill>
               <a:latin typeface="Calibri"/>
@@ -2147,15 +2221,16 @@
           </a:prstGeom>
         </p:spPr>
         <p:txBody>
-          <a:bodyPr lIns="0" rIns="0" tIns="0" bIns="0"/>
-          <a:p>
-            <a:endParaRPr b="0" lang="de-DE" sz="2800" spc="-1" strike="noStrike">
-              <a:solidFill>
-                <a:srgbClr val="000000"/>
-              </a:solidFill>
-              <a:uFill>
-                <a:solidFill>
-                  <a:srgbClr val="ffffff"/>
+          <a:bodyPr lIns="0" tIns="0" rIns="0" bIns="0"/>
+          <a:lstStyle/>
+          <a:p>
+            <a:endParaRPr lang="de-DE" sz="2800" b="0" strike="noStrike" spc="-1">
+              <a:solidFill>
+                <a:srgbClr val="000000"/>
+              </a:solidFill>
+              <a:uFill>
+                <a:solidFill>
+                  <a:srgbClr val="FFFFFF"/>
                 </a:solidFill>
               </a:uFill>
               <a:latin typeface="Calibri"/>
@@ -2183,15 +2258,16 @@
           </a:prstGeom>
         </p:spPr>
         <p:txBody>
-          <a:bodyPr lIns="0" rIns="0" tIns="0" bIns="0"/>
-          <a:p>
-            <a:endParaRPr b="0" lang="de-DE" sz="2800" spc="-1" strike="noStrike">
-              <a:solidFill>
-                <a:srgbClr val="000000"/>
-              </a:solidFill>
-              <a:uFill>
-                <a:solidFill>
-                  <a:srgbClr val="ffffff"/>
+          <a:bodyPr lIns="0" tIns="0" rIns="0" bIns="0"/>
+          <a:lstStyle/>
+          <a:p>
+            <a:endParaRPr lang="de-DE" sz="2800" b="0" strike="noStrike" spc="-1">
+              <a:solidFill>
+                <a:srgbClr val="000000"/>
+              </a:solidFill>
+              <a:uFill>
+                <a:solidFill>
+                  <a:srgbClr val="FFFFFF"/>
                 </a:solidFill>
               </a:uFill>
               <a:latin typeface="Calibri"/>
@@ -2201,11 +2277,14 @@
       </p:sp>
     </p:spTree>
   </p:cSld>
+  <p:clrMapOvr>
+    <a:masterClrMapping/>
+  </p:clrMapOvr>
 </p:sldLayout>
 </file>
 
 <file path=ppt/slideLayouts/slideLayout2.xml><?xml version="1.0" encoding="utf-8"?>
-<p:sldLayout xmlns:a="http://schemas.openxmlformats.org/drawingml/2006/main" xmlns:p="http://schemas.openxmlformats.org/presentationml/2006/main" xmlns:r="http://schemas.openxmlformats.org/officeDocument/2006/relationships" xmlns:p14="http://schemas.microsoft.com/office/powerpoint/2010/main" xmlns:p15="http://schemas.microsoft.com/office/powerpoint/2012/main" xmlns:mc="http://schemas.openxmlformats.org/markup-compatibility/2006" type="tx" preserve="1">
+<p:sldLayout xmlns:a="http://schemas.openxmlformats.org/drawingml/2006/main" xmlns:r="http://schemas.openxmlformats.org/officeDocument/2006/relationships" xmlns:p="http://schemas.openxmlformats.org/presentationml/2006/main" type="tx" preserve="1">
   <p:cSld name="Title Slide">
     <p:spTree>
       <p:nvGrpSpPr>
@@ -2241,15 +2320,16 @@
           </a:prstGeom>
         </p:spPr>
         <p:txBody>
-          <a:bodyPr lIns="0" rIns="0" tIns="0" bIns="0" anchor="ctr"/>
-          <a:p>
-            <a:endParaRPr b="0" lang="de-DE" sz="1800" spc="-1" strike="noStrike">
-              <a:solidFill>
-                <a:srgbClr val="000000"/>
-              </a:solidFill>
-              <a:uFill>
-                <a:solidFill>
-                  <a:srgbClr val="ffffff"/>
+          <a:bodyPr lIns="0" tIns="0" rIns="0" bIns="0" anchor="ctr"/>
+          <a:lstStyle/>
+          <a:p>
+            <a:endParaRPr lang="de-DE" sz="1800" b="0" strike="noStrike" spc="-1">
+              <a:solidFill>
+                <a:srgbClr val="000000"/>
+              </a:solidFill>
+              <a:uFill>
+                <a:solidFill>
+                  <a:srgbClr val="FFFFFF"/>
                 </a:solidFill>
               </a:uFill>
               <a:latin typeface="Calibri"/>
@@ -2277,16 +2357,17 @@
           </a:prstGeom>
         </p:spPr>
         <p:txBody>
-          <a:bodyPr lIns="0" rIns="0" tIns="0" bIns="0" anchor="ctr"/>
+          <a:bodyPr lIns="0" tIns="0" rIns="0" bIns="0" anchor="ctr"/>
+          <a:lstStyle/>
           <a:p>
             <a:pPr algn="ctr"/>
-            <a:endParaRPr b="0" lang="en-GB" sz="3200" spc="-1" strike="noStrike">
-              <a:solidFill>
-                <a:srgbClr val="000000"/>
-              </a:solidFill>
-              <a:uFill>
-                <a:solidFill>
-                  <a:srgbClr val="ffffff"/>
+            <a:endParaRPr lang="en-GB" sz="3200" b="0" strike="noStrike" spc="-1">
+              <a:solidFill>
+                <a:srgbClr val="000000"/>
+              </a:solidFill>
+              <a:uFill>
+                <a:solidFill>
+                  <a:srgbClr val="FFFFFF"/>
                 </a:solidFill>
               </a:uFill>
               <a:latin typeface="Arial"/>
@@ -2296,11 +2377,14 @@
       </p:sp>
     </p:spTree>
   </p:cSld>
+  <p:clrMapOvr>
+    <a:masterClrMapping/>
+  </p:clrMapOvr>
 </p:sldLayout>
 </file>
 
 <file path=ppt/slideLayouts/slideLayout20.xml><?xml version="1.0" encoding="utf-8"?>
-<p:sldLayout xmlns:a="http://schemas.openxmlformats.org/drawingml/2006/main" xmlns:p="http://schemas.openxmlformats.org/presentationml/2006/main" xmlns:r="http://schemas.openxmlformats.org/officeDocument/2006/relationships" xmlns:p14="http://schemas.microsoft.com/office/powerpoint/2010/main" xmlns:p15="http://schemas.microsoft.com/office/powerpoint/2012/main" xmlns:mc="http://schemas.openxmlformats.org/markup-compatibility/2006" type="objAndTwoObj" preserve="1">
+<p:sldLayout xmlns:a="http://schemas.openxmlformats.org/drawingml/2006/main" xmlns:r="http://schemas.openxmlformats.org/officeDocument/2006/relationships" xmlns:p="http://schemas.openxmlformats.org/presentationml/2006/main" type="objAndTwoObj" preserve="1">
   <p:cSld name="Title Content and 2 Content">
     <p:spTree>
       <p:nvGrpSpPr>
@@ -2336,15 +2420,16 @@
           </a:prstGeom>
         </p:spPr>
         <p:txBody>
-          <a:bodyPr lIns="0" rIns="0" tIns="0" bIns="0" anchor="ctr"/>
-          <a:p>
-            <a:endParaRPr b="0" lang="de-DE" sz="1800" spc="-1" strike="noStrike">
-              <a:solidFill>
-                <a:srgbClr val="000000"/>
-              </a:solidFill>
-              <a:uFill>
-                <a:solidFill>
-                  <a:srgbClr val="ffffff"/>
+          <a:bodyPr lIns="0" tIns="0" rIns="0" bIns="0" anchor="ctr"/>
+          <a:lstStyle/>
+          <a:p>
+            <a:endParaRPr lang="de-DE" sz="1800" b="0" strike="noStrike" spc="-1">
+              <a:solidFill>
+                <a:srgbClr val="000000"/>
+              </a:solidFill>
+              <a:uFill>
+                <a:solidFill>
+                  <a:srgbClr val="FFFFFF"/>
                 </a:solidFill>
               </a:uFill>
               <a:latin typeface="Calibri"/>
@@ -2372,15 +2457,16 @@
           </a:prstGeom>
         </p:spPr>
         <p:txBody>
-          <a:bodyPr lIns="0" rIns="0" tIns="0" bIns="0"/>
-          <a:p>
-            <a:endParaRPr b="0" lang="de-DE" sz="2800" spc="-1" strike="noStrike">
-              <a:solidFill>
-                <a:srgbClr val="000000"/>
-              </a:solidFill>
-              <a:uFill>
-                <a:solidFill>
-                  <a:srgbClr val="ffffff"/>
+          <a:bodyPr lIns="0" tIns="0" rIns="0" bIns="0"/>
+          <a:lstStyle/>
+          <a:p>
+            <a:endParaRPr lang="de-DE" sz="2800" b="0" strike="noStrike" spc="-1">
+              <a:solidFill>
+                <a:srgbClr val="000000"/>
+              </a:solidFill>
+              <a:uFill>
+                <a:solidFill>
+                  <a:srgbClr val="FFFFFF"/>
                 </a:solidFill>
               </a:uFill>
               <a:latin typeface="Calibri"/>
@@ -2408,15 +2494,16 @@
           </a:prstGeom>
         </p:spPr>
         <p:txBody>
-          <a:bodyPr lIns="0" rIns="0" tIns="0" bIns="0"/>
-          <a:p>
-            <a:endParaRPr b="0" lang="de-DE" sz="2800" spc="-1" strike="noStrike">
-              <a:solidFill>
-                <a:srgbClr val="000000"/>
-              </a:solidFill>
-              <a:uFill>
-                <a:solidFill>
-                  <a:srgbClr val="ffffff"/>
+          <a:bodyPr lIns="0" tIns="0" rIns="0" bIns="0"/>
+          <a:lstStyle/>
+          <a:p>
+            <a:endParaRPr lang="de-DE" sz="2800" b="0" strike="noStrike" spc="-1">
+              <a:solidFill>
+                <a:srgbClr val="000000"/>
+              </a:solidFill>
+              <a:uFill>
+                <a:solidFill>
+                  <a:srgbClr val="FFFFFF"/>
                 </a:solidFill>
               </a:uFill>
               <a:latin typeface="Calibri"/>
@@ -2444,15 +2531,16 @@
           </a:prstGeom>
         </p:spPr>
         <p:txBody>
-          <a:bodyPr lIns="0" rIns="0" tIns="0" bIns="0"/>
-          <a:p>
-            <a:endParaRPr b="0" lang="de-DE" sz="2800" spc="-1" strike="noStrike">
-              <a:solidFill>
-                <a:srgbClr val="000000"/>
-              </a:solidFill>
-              <a:uFill>
-                <a:solidFill>
-                  <a:srgbClr val="ffffff"/>
+          <a:bodyPr lIns="0" tIns="0" rIns="0" bIns="0"/>
+          <a:lstStyle/>
+          <a:p>
+            <a:endParaRPr lang="de-DE" sz="2800" b="0" strike="noStrike" spc="-1">
+              <a:solidFill>
+                <a:srgbClr val="000000"/>
+              </a:solidFill>
+              <a:uFill>
+                <a:solidFill>
+                  <a:srgbClr val="FFFFFF"/>
                 </a:solidFill>
               </a:uFill>
               <a:latin typeface="Calibri"/>
@@ -2462,11 +2550,14 @@
       </p:sp>
     </p:spTree>
   </p:cSld>
+  <p:clrMapOvr>
+    <a:masterClrMapping/>
+  </p:clrMapOvr>
 </p:sldLayout>
 </file>
 
 <file path=ppt/slideLayouts/slideLayout21.xml><?xml version="1.0" encoding="utf-8"?>
-<p:sldLayout xmlns:a="http://schemas.openxmlformats.org/drawingml/2006/main" xmlns:p="http://schemas.openxmlformats.org/presentationml/2006/main" xmlns:r="http://schemas.openxmlformats.org/officeDocument/2006/relationships" xmlns:p14="http://schemas.microsoft.com/office/powerpoint/2010/main" xmlns:p15="http://schemas.microsoft.com/office/powerpoint/2012/main" xmlns:mc="http://schemas.openxmlformats.org/markup-compatibility/2006" type="twoObjOverTx" preserve="1">
+<p:sldLayout xmlns:a="http://schemas.openxmlformats.org/drawingml/2006/main" xmlns:r="http://schemas.openxmlformats.org/officeDocument/2006/relationships" xmlns:p="http://schemas.openxmlformats.org/presentationml/2006/main" type="twoObjOverTx" preserve="1">
   <p:cSld name="Title, 2 Content over Content">
     <p:spTree>
       <p:nvGrpSpPr>
@@ -2502,15 +2593,16 @@
           </a:prstGeom>
         </p:spPr>
         <p:txBody>
-          <a:bodyPr lIns="0" rIns="0" tIns="0" bIns="0" anchor="ctr"/>
-          <a:p>
-            <a:endParaRPr b="0" lang="de-DE" sz="1800" spc="-1" strike="noStrike">
-              <a:solidFill>
-                <a:srgbClr val="000000"/>
-              </a:solidFill>
-              <a:uFill>
-                <a:solidFill>
-                  <a:srgbClr val="ffffff"/>
+          <a:bodyPr lIns="0" tIns="0" rIns="0" bIns="0" anchor="ctr"/>
+          <a:lstStyle/>
+          <a:p>
+            <a:endParaRPr lang="de-DE" sz="1800" b="0" strike="noStrike" spc="-1">
+              <a:solidFill>
+                <a:srgbClr val="000000"/>
+              </a:solidFill>
+              <a:uFill>
+                <a:solidFill>
+                  <a:srgbClr val="FFFFFF"/>
                 </a:solidFill>
               </a:uFill>
               <a:latin typeface="Calibri"/>
@@ -2538,15 +2630,16 @@
           </a:prstGeom>
         </p:spPr>
         <p:txBody>
-          <a:bodyPr lIns="0" rIns="0" tIns="0" bIns="0"/>
-          <a:p>
-            <a:endParaRPr b="0" lang="de-DE" sz="2800" spc="-1" strike="noStrike">
-              <a:solidFill>
-                <a:srgbClr val="000000"/>
-              </a:solidFill>
-              <a:uFill>
-                <a:solidFill>
-                  <a:srgbClr val="ffffff"/>
+          <a:bodyPr lIns="0" tIns="0" rIns="0" bIns="0"/>
+          <a:lstStyle/>
+          <a:p>
+            <a:endParaRPr lang="de-DE" sz="2800" b="0" strike="noStrike" spc="-1">
+              <a:solidFill>
+                <a:srgbClr val="000000"/>
+              </a:solidFill>
+              <a:uFill>
+                <a:solidFill>
+                  <a:srgbClr val="FFFFFF"/>
                 </a:solidFill>
               </a:uFill>
               <a:latin typeface="Calibri"/>
@@ -2574,15 +2667,16 @@
           </a:prstGeom>
         </p:spPr>
         <p:txBody>
-          <a:bodyPr lIns="0" rIns="0" tIns="0" bIns="0"/>
-          <a:p>
-            <a:endParaRPr b="0" lang="de-DE" sz="2800" spc="-1" strike="noStrike">
-              <a:solidFill>
-                <a:srgbClr val="000000"/>
-              </a:solidFill>
-              <a:uFill>
-                <a:solidFill>
-                  <a:srgbClr val="ffffff"/>
+          <a:bodyPr lIns="0" tIns="0" rIns="0" bIns="0"/>
+          <a:lstStyle/>
+          <a:p>
+            <a:endParaRPr lang="de-DE" sz="2800" b="0" strike="noStrike" spc="-1">
+              <a:solidFill>
+                <a:srgbClr val="000000"/>
+              </a:solidFill>
+              <a:uFill>
+                <a:solidFill>
+                  <a:srgbClr val="FFFFFF"/>
                 </a:solidFill>
               </a:uFill>
               <a:latin typeface="Calibri"/>
@@ -2610,15 +2704,16 @@
           </a:prstGeom>
         </p:spPr>
         <p:txBody>
-          <a:bodyPr lIns="0" rIns="0" tIns="0" bIns="0"/>
-          <a:p>
-            <a:endParaRPr b="0" lang="de-DE" sz="2800" spc="-1" strike="noStrike">
-              <a:solidFill>
-                <a:srgbClr val="000000"/>
-              </a:solidFill>
-              <a:uFill>
-                <a:solidFill>
-                  <a:srgbClr val="ffffff"/>
+          <a:bodyPr lIns="0" tIns="0" rIns="0" bIns="0"/>
+          <a:lstStyle/>
+          <a:p>
+            <a:endParaRPr lang="de-DE" sz="2800" b="0" strike="noStrike" spc="-1">
+              <a:solidFill>
+                <a:srgbClr val="000000"/>
+              </a:solidFill>
+              <a:uFill>
+                <a:solidFill>
+                  <a:srgbClr val="FFFFFF"/>
                 </a:solidFill>
               </a:uFill>
               <a:latin typeface="Calibri"/>
@@ -2628,11 +2723,14 @@
       </p:sp>
     </p:spTree>
   </p:cSld>
+  <p:clrMapOvr>
+    <a:masterClrMapping/>
+  </p:clrMapOvr>
 </p:sldLayout>
 </file>
 
 <file path=ppt/slideLayouts/slideLayout22.xml><?xml version="1.0" encoding="utf-8"?>
-<p:sldLayout xmlns:a="http://schemas.openxmlformats.org/drawingml/2006/main" xmlns:p="http://schemas.openxmlformats.org/presentationml/2006/main" xmlns:r="http://schemas.openxmlformats.org/officeDocument/2006/relationships" xmlns:p14="http://schemas.microsoft.com/office/powerpoint/2010/main" xmlns:p15="http://schemas.microsoft.com/office/powerpoint/2012/main" xmlns:mc="http://schemas.openxmlformats.org/markup-compatibility/2006" type="objOverTx" preserve="1">
+<p:sldLayout xmlns:a="http://schemas.openxmlformats.org/drawingml/2006/main" xmlns:r="http://schemas.openxmlformats.org/officeDocument/2006/relationships" xmlns:p="http://schemas.openxmlformats.org/presentationml/2006/main" type="objOverTx" preserve="1">
   <p:cSld name="Title, Content over Content">
     <p:spTree>
       <p:nvGrpSpPr>
@@ -2668,15 +2766,16 @@
           </a:prstGeom>
         </p:spPr>
         <p:txBody>
-          <a:bodyPr lIns="0" rIns="0" tIns="0" bIns="0" anchor="ctr"/>
-          <a:p>
-            <a:endParaRPr b="0" lang="de-DE" sz="1800" spc="-1" strike="noStrike">
-              <a:solidFill>
-                <a:srgbClr val="000000"/>
-              </a:solidFill>
-              <a:uFill>
-                <a:solidFill>
-                  <a:srgbClr val="ffffff"/>
+          <a:bodyPr lIns="0" tIns="0" rIns="0" bIns="0" anchor="ctr"/>
+          <a:lstStyle/>
+          <a:p>
+            <a:endParaRPr lang="de-DE" sz="1800" b="0" strike="noStrike" spc="-1">
+              <a:solidFill>
+                <a:srgbClr val="000000"/>
+              </a:solidFill>
+              <a:uFill>
+                <a:solidFill>
+                  <a:srgbClr val="FFFFFF"/>
                 </a:solidFill>
               </a:uFill>
               <a:latin typeface="Calibri"/>
@@ -2704,15 +2803,16 @@
           </a:prstGeom>
         </p:spPr>
         <p:txBody>
-          <a:bodyPr lIns="0" rIns="0" tIns="0" bIns="0"/>
-          <a:p>
-            <a:endParaRPr b="0" lang="de-DE" sz="2800" spc="-1" strike="noStrike">
-              <a:solidFill>
-                <a:srgbClr val="000000"/>
-              </a:solidFill>
-              <a:uFill>
-                <a:solidFill>
-                  <a:srgbClr val="ffffff"/>
+          <a:bodyPr lIns="0" tIns="0" rIns="0" bIns="0"/>
+          <a:lstStyle/>
+          <a:p>
+            <a:endParaRPr lang="de-DE" sz="2800" b="0" strike="noStrike" spc="-1">
+              <a:solidFill>
+                <a:srgbClr val="000000"/>
+              </a:solidFill>
+              <a:uFill>
+                <a:solidFill>
+                  <a:srgbClr val="FFFFFF"/>
                 </a:solidFill>
               </a:uFill>
               <a:latin typeface="Calibri"/>
@@ -2740,15 +2840,16 @@
           </a:prstGeom>
         </p:spPr>
         <p:txBody>
-          <a:bodyPr lIns="0" rIns="0" tIns="0" bIns="0"/>
-          <a:p>
-            <a:endParaRPr b="0" lang="de-DE" sz="2800" spc="-1" strike="noStrike">
-              <a:solidFill>
-                <a:srgbClr val="000000"/>
-              </a:solidFill>
-              <a:uFill>
-                <a:solidFill>
-                  <a:srgbClr val="ffffff"/>
+          <a:bodyPr lIns="0" tIns="0" rIns="0" bIns="0"/>
+          <a:lstStyle/>
+          <a:p>
+            <a:endParaRPr lang="de-DE" sz="2800" b="0" strike="noStrike" spc="-1">
+              <a:solidFill>
+                <a:srgbClr val="000000"/>
+              </a:solidFill>
+              <a:uFill>
+                <a:solidFill>
+                  <a:srgbClr val="FFFFFF"/>
                 </a:solidFill>
               </a:uFill>
               <a:latin typeface="Calibri"/>
@@ -2758,11 +2859,14 @@
       </p:sp>
     </p:spTree>
   </p:cSld>
+  <p:clrMapOvr>
+    <a:masterClrMapping/>
+  </p:clrMapOvr>
 </p:sldLayout>
 </file>
 
 <file path=ppt/slideLayouts/slideLayout23.xml><?xml version="1.0" encoding="utf-8"?>
-<p:sldLayout xmlns:a="http://schemas.openxmlformats.org/drawingml/2006/main" xmlns:p="http://schemas.openxmlformats.org/presentationml/2006/main" xmlns:r="http://schemas.openxmlformats.org/officeDocument/2006/relationships" xmlns:p14="http://schemas.microsoft.com/office/powerpoint/2010/main" xmlns:p15="http://schemas.microsoft.com/office/powerpoint/2012/main" xmlns:mc="http://schemas.openxmlformats.org/markup-compatibility/2006" type="fourObj" preserve="1">
+<p:sldLayout xmlns:a="http://schemas.openxmlformats.org/drawingml/2006/main" xmlns:r="http://schemas.openxmlformats.org/officeDocument/2006/relationships" xmlns:p="http://schemas.openxmlformats.org/presentationml/2006/main" type="fourObj" preserve="1">
   <p:cSld name="Title, 4 Content">
     <p:spTree>
       <p:nvGrpSpPr>
@@ -2798,15 +2902,16 @@
           </a:prstGeom>
         </p:spPr>
         <p:txBody>
-          <a:bodyPr lIns="0" rIns="0" tIns="0" bIns="0" anchor="ctr"/>
-          <a:p>
-            <a:endParaRPr b="0" lang="de-DE" sz="1800" spc="-1" strike="noStrike">
-              <a:solidFill>
-                <a:srgbClr val="000000"/>
-              </a:solidFill>
-              <a:uFill>
-                <a:solidFill>
-                  <a:srgbClr val="ffffff"/>
+          <a:bodyPr lIns="0" tIns="0" rIns="0" bIns="0" anchor="ctr"/>
+          <a:lstStyle/>
+          <a:p>
+            <a:endParaRPr lang="de-DE" sz="1800" b="0" strike="noStrike" spc="-1">
+              <a:solidFill>
+                <a:srgbClr val="000000"/>
+              </a:solidFill>
+              <a:uFill>
+                <a:solidFill>
+                  <a:srgbClr val="FFFFFF"/>
                 </a:solidFill>
               </a:uFill>
               <a:latin typeface="Calibri"/>
@@ -2834,15 +2939,16 @@
           </a:prstGeom>
         </p:spPr>
         <p:txBody>
-          <a:bodyPr lIns="0" rIns="0" tIns="0" bIns="0"/>
-          <a:p>
-            <a:endParaRPr b="0" lang="de-DE" sz="2800" spc="-1" strike="noStrike">
-              <a:solidFill>
-                <a:srgbClr val="000000"/>
-              </a:solidFill>
-              <a:uFill>
-                <a:solidFill>
-                  <a:srgbClr val="ffffff"/>
+          <a:bodyPr lIns="0" tIns="0" rIns="0" bIns="0"/>
+          <a:lstStyle/>
+          <a:p>
+            <a:endParaRPr lang="de-DE" sz="2800" b="0" strike="noStrike" spc="-1">
+              <a:solidFill>
+                <a:srgbClr val="000000"/>
+              </a:solidFill>
+              <a:uFill>
+                <a:solidFill>
+                  <a:srgbClr val="FFFFFF"/>
                 </a:solidFill>
               </a:uFill>
               <a:latin typeface="Calibri"/>
@@ -2870,15 +2976,16 @@
           </a:prstGeom>
         </p:spPr>
         <p:txBody>
-          <a:bodyPr lIns="0" rIns="0" tIns="0" bIns="0"/>
-          <a:p>
-            <a:endParaRPr b="0" lang="de-DE" sz="2800" spc="-1" strike="noStrike">
-              <a:solidFill>
-                <a:srgbClr val="000000"/>
-              </a:solidFill>
-              <a:uFill>
-                <a:solidFill>
-                  <a:srgbClr val="ffffff"/>
+          <a:bodyPr lIns="0" tIns="0" rIns="0" bIns="0"/>
+          <a:lstStyle/>
+          <a:p>
+            <a:endParaRPr lang="de-DE" sz="2800" b="0" strike="noStrike" spc="-1">
+              <a:solidFill>
+                <a:srgbClr val="000000"/>
+              </a:solidFill>
+              <a:uFill>
+                <a:solidFill>
+                  <a:srgbClr val="FFFFFF"/>
                 </a:solidFill>
               </a:uFill>
               <a:latin typeface="Calibri"/>
@@ -2906,15 +3013,16 @@
           </a:prstGeom>
         </p:spPr>
         <p:txBody>
-          <a:bodyPr lIns="0" rIns="0" tIns="0" bIns="0"/>
-          <a:p>
-            <a:endParaRPr b="0" lang="de-DE" sz="2800" spc="-1" strike="noStrike">
-              <a:solidFill>
-                <a:srgbClr val="000000"/>
-              </a:solidFill>
-              <a:uFill>
-                <a:solidFill>
-                  <a:srgbClr val="ffffff"/>
+          <a:bodyPr lIns="0" tIns="0" rIns="0" bIns="0"/>
+          <a:lstStyle/>
+          <a:p>
+            <a:endParaRPr lang="de-DE" sz="2800" b="0" strike="noStrike" spc="-1">
+              <a:solidFill>
+                <a:srgbClr val="000000"/>
+              </a:solidFill>
+              <a:uFill>
+                <a:solidFill>
+                  <a:srgbClr val="FFFFFF"/>
                 </a:solidFill>
               </a:uFill>
               <a:latin typeface="Calibri"/>
@@ -2942,15 +3050,16 @@
           </a:prstGeom>
         </p:spPr>
         <p:txBody>
-          <a:bodyPr lIns="0" rIns="0" tIns="0" bIns="0"/>
-          <a:p>
-            <a:endParaRPr b="0" lang="de-DE" sz="2800" spc="-1" strike="noStrike">
-              <a:solidFill>
-                <a:srgbClr val="000000"/>
-              </a:solidFill>
-              <a:uFill>
-                <a:solidFill>
-                  <a:srgbClr val="ffffff"/>
+          <a:bodyPr lIns="0" tIns="0" rIns="0" bIns="0"/>
+          <a:lstStyle/>
+          <a:p>
+            <a:endParaRPr lang="de-DE" sz="2800" b="0" strike="noStrike" spc="-1">
+              <a:solidFill>
+                <a:srgbClr val="000000"/>
+              </a:solidFill>
+              <a:uFill>
+                <a:solidFill>
+                  <a:srgbClr val="FFFFFF"/>
                 </a:solidFill>
               </a:uFill>
               <a:latin typeface="Calibri"/>
@@ -2960,11 +3069,14 @@
       </p:sp>
     </p:spTree>
   </p:cSld>
+  <p:clrMapOvr>
+    <a:masterClrMapping/>
+  </p:clrMapOvr>
 </p:sldLayout>
 </file>
 
 <file path=ppt/slideLayouts/slideLayout24.xml><?xml version="1.0" encoding="utf-8"?>
-<p:sldLayout xmlns:a="http://schemas.openxmlformats.org/drawingml/2006/main" xmlns:p="http://schemas.openxmlformats.org/presentationml/2006/main" xmlns:r="http://schemas.openxmlformats.org/officeDocument/2006/relationships" xmlns:p14="http://schemas.microsoft.com/office/powerpoint/2010/main" xmlns:p15="http://schemas.microsoft.com/office/powerpoint/2012/main" xmlns:mc="http://schemas.openxmlformats.org/markup-compatibility/2006" type="blank" preserve="1">
+<p:sldLayout xmlns:a="http://schemas.openxmlformats.org/drawingml/2006/main" xmlns:r="http://schemas.openxmlformats.org/officeDocument/2006/relationships" xmlns:p="http://schemas.openxmlformats.org/presentationml/2006/main" type="blank" preserve="1">
   <p:cSld name="Title, 6 Content">
     <p:spTree>
       <p:nvGrpSpPr>
@@ -3000,15 +3112,16 @@
           </a:prstGeom>
         </p:spPr>
         <p:txBody>
-          <a:bodyPr lIns="0" rIns="0" tIns="0" bIns="0" anchor="ctr"/>
-          <a:p>
-            <a:endParaRPr b="0" lang="de-DE" sz="1800" spc="-1" strike="noStrike">
-              <a:solidFill>
-                <a:srgbClr val="000000"/>
-              </a:solidFill>
-              <a:uFill>
-                <a:solidFill>
-                  <a:srgbClr val="ffffff"/>
+          <a:bodyPr lIns="0" tIns="0" rIns="0" bIns="0" anchor="ctr"/>
+          <a:lstStyle/>
+          <a:p>
+            <a:endParaRPr lang="de-DE" sz="1800" b="0" strike="noStrike" spc="-1">
+              <a:solidFill>
+                <a:srgbClr val="000000"/>
+              </a:solidFill>
+              <a:uFill>
+                <a:solidFill>
+                  <a:srgbClr val="FFFFFF"/>
                 </a:solidFill>
               </a:uFill>
               <a:latin typeface="Calibri"/>
@@ -3036,15 +3149,16 @@
           </a:prstGeom>
         </p:spPr>
         <p:txBody>
-          <a:bodyPr lIns="0" rIns="0" tIns="0" bIns="0"/>
-          <a:p>
-            <a:endParaRPr b="0" lang="de-DE" sz="2800" spc="-1" strike="noStrike">
-              <a:solidFill>
-                <a:srgbClr val="000000"/>
-              </a:solidFill>
-              <a:uFill>
-                <a:solidFill>
-                  <a:srgbClr val="ffffff"/>
+          <a:bodyPr lIns="0" tIns="0" rIns="0" bIns="0"/>
+          <a:lstStyle/>
+          <a:p>
+            <a:endParaRPr lang="de-DE" sz="2800" b="0" strike="noStrike" spc="-1">
+              <a:solidFill>
+                <a:srgbClr val="000000"/>
+              </a:solidFill>
+              <a:uFill>
+                <a:solidFill>
+                  <a:srgbClr val="FFFFFF"/>
                 </a:solidFill>
               </a:uFill>
               <a:latin typeface="Calibri"/>
@@ -3072,15 +3186,16 @@
           </a:prstGeom>
         </p:spPr>
         <p:txBody>
-          <a:bodyPr lIns="0" rIns="0" tIns="0" bIns="0"/>
-          <a:p>
-            <a:endParaRPr b="0" lang="de-DE" sz="2800" spc="-1" strike="noStrike">
-              <a:solidFill>
-                <a:srgbClr val="000000"/>
-              </a:solidFill>
-              <a:uFill>
-                <a:solidFill>
-                  <a:srgbClr val="ffffff"/>
+          <a:bodyPr lIns="0" tIns="0" rIns="0" bIns="0"/>
+          <a:lstStyle/>
+          <a:p>
+            <a:endParaRPr lang="de-DE" sz="2800" b="0" strike="noStrike" spc="-1">
+              <a:solidFill>
+                <a:srgbClr val="000000"/>
+              </a:solidFill>
+              <a:uFill>
+                <a:solidFill>
+                  <a:srgbClr val="FFFFFF"/>
                 </a:solidFill>
               </a:uFill>
               <a:latin typeface="Calibri"/>
@@ -3090,7 +3205,7 @@
       </p:sp>
       <p:pic>
         <p:nvPicPr>
-          <p:cNvPr id="76" name="" descr=""/>
+          <p:cNvPr id="76" name="Grafik 75"/>
           <p:cNvPicPr/>
           <p:nvPr/>
         </p:nvPicPr>
@@ -3113,12 +3228,12 @@
       </p:pic>
       <p:pic>
         <p:nvPicPr>
-          <p:cNvPr id="77" name="" descr=""/>
+          <p:cNvPr id="77" name="Grafik 76"/>
           <p:cNvPicPr/>
           <p:nvPr/>
         </p:nvPicPr>
         <p:blipFill>
-          <a:blip r:embed="rId3"/>
+          <a:blip r:embed="rId2"/>
           <a:stretch/>
         </p:blipFill>
         <p:spPr>
@@ -3136,11 +3251,14 @@
       </p:pic>
     </p:spTree>
   </p:cSld>
+  <p:clrMapOvr>
+    <a:masterClrMapping/>
+  </p:clrMapOvr>
 </p:sldLayout>
 </file>
 
 <file path=ppt/slideLayouts/slideLayout3.xml><?xml version="1.0" encoding="utf-8"?>
-<p:sldLayout xmlns:a="http://schemas.openxmlformats.org/drawingml/2006/main" xmlns:p="http://schemas.openxmlformats.org/presentationml/2006/main" xmlns:r="http://schemas.openxmlformats.org/officeDocument/2006/relationships" xmlns:p14="http://schemas.microsoft.com/office/powerpoint/2010/main" xmlns:p15="http://schemas.microsoft.com/office/powerpoint/2012/main" xmlns:mc="http://schemas.openxmlformats.org/markup-compatibility/2006" type="obj" preserve="1">
+<p:sldLayout xmlns:a="http://schemas.openxmlformats.org/drawingml/2006/main" xmlns:r="http://schemas.openxmlformats.org/officeDocument/2006/relationships" xmlns:p="http://schemas.openxmlformats.org/presentationml/2006/main" type="obj" preserve="1">
   <p:cSld name="Title, Content">
     <p:spTree>
       <p:nvGrpSpPr>
@@ -3176,15 +3294,16 @@
           </a:prstGeom>
         </p:spPr>
         <p:txBody>
-          <a:bodyPr lIns="0" rIns="0" tIns="0" bIns="0" anchor="ctr"/>
-          <a:p>
-            <a:endParaRPr b="0" lang="de-DE" sz="1800" spc="-1" strike="noStrike">
-              <a:solidFill>
-                <a:srgbClr val="000000"/>
-              </a:solidFill>
-              <a:uFill>
-                <a:solidFill>
-                  <a:srgbClr val="ffffff"/>
+          <a:bodyPr lIns="0" tIns="0" rIns="0" bIns="0" anchor="ctr"/>
+          <a:lstStyle/>
+          <a:p>
+            <a:endParaRPr lang="de-DE" sz="1800" b="0" strike="noStrike" spc="-1">
+              <a:solidFill>
+                <a:srgbClr val="000000"/>
+              </a:solidFill>
+              <a:uFill>
+                <a:solidFill>
+                  <a:srgbClr val="FFFFFF"/>
                 </a:solidFill>
               </a:uFill>
               <a:latin typeface="Calibri"/>
@@ -3212,15 +3331,16 @@
           </a:prstGeom>
         </p:spPr>
         <p:txBody>
-          <a:bodyPr lIns="0" rIns="0" tIns="0" bIns="0"/>
-          <a:p>
-            <a:endParaRPr b="0" lang="de-DE" sz="2800" spc="-1" strike="noStrike">
-              <a:solidFill>
-                <a:srgbClr val="000000"/>
-              </a:solidFill>
-              <a:uFill>
-                <a:solidFill>
-                  <a:srgbClr val="ffffff"/>
+          <a:bodyPr lIns="0" tIns="0" rIns="0" bIns="0"/>
+          <a:lstStyle/>
+          <a:p>
+            <a:endParaRPr lang="de-DE" sz="2800" b="0" strike="noStrike" spc="-1">
+              <a:solidFill>
+                <a:srgbClr val="000000"/>
+              </a:solidFill>
+              <a:uFill>
+                <a:solidFill>
+                  <a:srgbClr val="FFFFFF"/>
                 </a:solidFill>
               </a:uFill>
               <a:latin typeface="Calibri"/>
@@ -3230,11 +3350,14 @@
       </p:sp>
     </p:spTree>
   </p:cSld>
+  <p:clrMapOvr>
+    <a:masterClrMapping/>
+  </p:clrMapOvr>
 </p:sldLayout>
 </file>
 
 <file path=ppt/slideLayouts/slideLayout4.xml><?xml version="1.0" encoding="utf-8"?>
-<p:sldLayout xmlns:a="http://schemas.openxmlformats.org/drawingml/2006/main" xmlns:p="http://schemas.openxmlformats.org/presentationml/2006/main" xmlns:r="http://schemas.openxmlformats.org/officeDocument/2006/relationships" xmlns:p14="http://schemas.microsoft.com/office/powerpoint/2010/main" xmlns:p15="http://schemas.microsoft.com/office/powerpoint/2012/main" xmlns:mc="http://schemas.openxmlformats.org/markup-compatibility/2006" type="twoObj" preserve="1">
+<p:sldLayout xmlns:a="http://schemas.openxmlformats.org/drawingml/2006/main" xmlns:r="http://schemas.openxmlformats.org/officeDocument/2006/relationships" xmlns:p="http://schemas.openxmlformats.org/presentationml/2006/main" type="twoObj" preserve="1">
   <p:cSld name="Title, 2 Content">
     <p:spTree>
       <p:nvGrpSpPr>
@@ -3270,15 +3393,16 @@
           </a:prstGeom>
         </p:spPr>
         <p:txBody>
-          <a:bodyPr lIns="0" rIns="0" tIns="0" bIns="0" anchor="ctr"/>
-          <a:p>
-            <a:endParaRPr b="0" lang="de-DE" sz="1800" spc="-1" strike="noStrike">
-              <a:solidFill>
-                <a:srgbClr val="000000"/>
-              </a:solidFill>
-              <a:uFill>
-                <a:solidFill>
-                  <a:srgbClr val="ffffff"/>
+          <a:bodyPr lIns="0" tIns="0" rIns="0" bIns="0" anchor="ctr"/>
+          <a:lstStyle/>
+          <a:p>
+            <a:endParaRPr lang="de-DE" sz="1800" b="0" strike="noStrike" spc="-1">
+              <a:solidFill>
+                <a:srgbClr val="000000"/>
+              </a:solidFill>
+              <a:uFill>
+                <a:solidFill>
+                  <a:srgbClr val="FFFFFF"/>
                 </a:solidFill>
               </a:uFill>
               <a:latin typeface="Calibri"/>
@@ -3306,15 +3430,16 @@
           </a:prstGeom>
         </p:spPr>
         <p:txBody>
-          <a:bodyPr lIns="0" rIns="0" tIns="0" bIns="0"/>
-          <a:p>
-            <a:endParaRPr b="0" lang="de-DE" sz="2800" spc="-1" strike="noStrike">
-              <a:solidFill>
-                <a:srgbClr val="000000"/>
-              </a:solidFill>
-              <a:uFill>
-                <a:solidFill>
-                  <a:srgbClr val="ffffff"/>
+          <a:bodyPr lIns="0" tIns="0" rIns="0" bIns="0"/>
+          <a:lstStyle/>
+          <a:p>
+            <a:endParaRPr lang="de-DE" sz="2800" b="0" strike="noStrike" spc="-1">
+              <a:solidFill>
+                <a:srgbClr val="000000"/>
+              </a:solidFill>
+              <a:uFill>
+                <a:solidFill>
+                  <a:srgbClr val="FFFFFF"/>
                 </a:solidFill>
               </a:uFill>
               <a:latin typeface="Calibri"/>
@@ -3342,15 +3467,16 @@
           </a:prstGeom>
         </p:spPr>
         <p:txBody>
-          <a:bodyPr lIns="0" rIns="0" tIns="0" bIns="0"/>
-          <a:p>
-            <a:endParaRPr b="0" lang="de-DE" sz="2800" spc="-1" strike="noStrike">
-              <a:solidFill>
-                <a:srgbClr val="000000"/>
-              </a:solidFill>
-              <a:uFill>
-                <a:solidFill>
-                  <a:srgbClr val="ffffff"/>
+          <a:bodyPr lIns="0" tIns="0" rIns="0" bIns="0"/>
+          <a:lstStyle/>
+          <a:p>
+            <a:endParaRPr lang="de-DE" sz="2800" b="0" strike="noStrike" spc="-1">
+              <a:solidFill>
+                <a:srgbClr val="000000"/>
+              </a:solidFill>
+              <a:uFill>
+                <a:solidFill>
+                  <a:srgbClr val="FFFFFF"/>
                 </a:solidFill>
               </a:uFill>
               <a:latin typeface="Calibri"/>
@@ -3360,11 +3486,14 @@
       </p:sp>
     </p:spTree>
   </p:cSld>
+  <p:clrMapOvr>
+    <a:masterClrMapping/>
+  </p:clrMapOvr>
 </p:sldLayout>
 </file>
 
 <file path=ppt/slideLayouts/slideLayout5.xml><?xml version="1.0" encoding="utf-8"?>
-<p:sldLayout xmlns:a="http://schemas.openxmlformats.org/drawingml/2006/main" xmlns:p="http://schemas.openxmlformats.org/presentationml/2006/main" xmlns:r="http://schemas.openxmlformats.org/officeDocument/2006/relationships" xmlns:p14="http://schemas.microsoft.com/office/powerpoint/2010/main" xmlns:p15="http://schemas.microsoft.com/office/powerpoint/2012/main" xmlns:mc="http://schemas.openxmlformats.org/markup-compatibility/2006" type="titleOnly" preserve="1">
+<p:sldLayout xmlns:a="http://schemas.openxmlformats.org/drawingml/2006/main" xmlns:r="http://schemas.openxmlformats.org/officeDocument/2006/relationships" xmlns:p="http://schemas.openxmlformats.org/presentationml/2006/main" type="titleOnly" preserve="1">
   <p:cSld name="Title Only">
     <p:spTree>
       <p:nvGrpSpPr>
@@ -3400,15 +3529,16 @@
           </a:prstGeom>
         </p:spPr>
         <p:txBody>
-          <a:bodyPr lIns="0" rIns="0" tIns="0" bIns="0" anchor="ctr"/>
-          <a:p>
-            <a:endParaRPr b="0" lang="de-DE" sz="1800" spc="-1" strike="noStrike">
-              <a:solidFill>
-                <a:srgbClr val="000000"/>
-              </a:solidFill>
-              <a:uFill>
-                <a:solidFill>
-                  <a:srgbClr val="ffffff"/>
+          <a:bodyPr lIns="0" tIns="0" rIns="0" bIns="0" anchor="ctr"/>
+          <a:lstStyle/>
+          <a:p>
+            <a:endParaRPr lang="de-DE" sz="1800" b="0" strike="noStrike" spc="-1">
+              <a:solidFill>
+                <a:srgbClr val="000000"/>
+              </a:solidFill>
+              <a:uFill>
+                <a:solidFill>
+                  <a:srgbClr val="FFFFFF"/>
                 </a:solidFill>
               </a:uFill>
               <a:latin typeface="Calibri"/>
@@ -3418,11 +3548,14 @@
       </p:sp>
     </p:spTree>
   </p:cSld>
+  <p:clrMapOvr>
+    <a:masterClrMapping/>
+  </p:clrMapOvr>
 </p:sldLayout>
 </file>
 
 <file path=ppt/slideLayouts/slideLayout6.xml><?xml version="1.0" encoding="utf-8"?>
-<p:sldLayout xmlns:a="http://schemas.openxmlformats.org/drawingml/2006/main" xmlns:p="http://schemas.openxmlformats.org/presentationml/2006/main" xmlns:r="http://schemas.openxmlformats.org/officeDocument/2006/relationships" xmlns:p14="http://schemas.microsoft.com/office/powerpoint/2010/main" xmlns:p15="http://schemas.microsoft.com/office/powerpoint/2012/main" xmlns:mc="http://schemas.openxmlformats.org/markup-compatibility/2006" type="objOnly" preserve="1">
+<p:sldLayout xmlns:a="http://schemas.openxmlformats.org/drawingml/2006/main" xmlns:r="http://schemas.openxmlformats.org/officeDocument/2006/relationships" xmlns:p="http://schemas.openxmlformats.org/presentationml/2006/main" type="objOnly" preserve="1">
   <p:cSld name="Centered Text">
     <p:spTree>
       <p:nvGrpSpPr>
@@ -3458,16 +3591,17 @@
           </a:prstGeom>
         </p:spPr>
         <p:txBody>
-          <a:bodyPr lIns="0" rIns="0" tIns="0" bIns="0" anchor="ctr"/>
+          <a:bodyPr lIns="0" tIns="0" rIns="0" bIns="0" anchor="ctr"/>
+          <a:lstStyle/>
           <a:p>
             <a:pPr algn="ctr"/>
-            <a:endParaRPr b="0" lang="en-GB" sz="3200" spc="-1" strike="noStrike">
-              <a:solidFill>
-                <a:srgbClr val="000000"/>
-              </a:solidFill>
-              <a:uFill>
-                <a:solidFill>
-                  <a:srgbClr val="ffffff"/>
+            <a:endParaRPr lang="en-GB" sz="3200" b="0" strike="noStrike" spc="-1">
+              <a:solidFill>
+                <a:srgbClr val="000000"/>
+              </a:solidFill>
+              <a:uFill>
+                <a:solidFill>
+                  <a:srgbClr val="FFFFFF"/>
                 </a:solidFill>
               </a:uFill>
               <a:latin typeface="Arial"/>
@@ -3477,11 +3611,14 @@
       </p:sp>
     </p:spTree>
   </p:cSld>
+  <p:clrMapOvr>
+    <a:masterClrMapping/>
+  </p:clrMapOvr>
 </p:sldLayout>
 </file>
 
 <file path=ppt/slideLayouts/slideLayout7.xml><?xml version="1.0" encoding="utf-8"?>
-<p:sldLayout xmlns:a="http://schemas.openxmlformats.org/drawingml/2006/main" xmlns:p="http://schemas.openxmlformats.org/presentationml/2006/main" xmlns:r="http://schemas.openxmlformats.org/officeDocument/2006/relationships" xmlns:p14="http://schemas.microsoft.com/office/powerpoint/2010/main" xmlns:p15="http://schemas.microsoft.com/office/powerpoint/2012/main" xmlns:mc="http://schemas.openxmlformats.org/markup-compatibility/2006" type="twoObjAndObj" preserve="1">
+<p:sldLayout xmlns:a="http://schemas.openxmlformats.org/drawingml/2006/main" xmlns:r="http://schemas.openxmlformats.org/officeDocument/2006/relationships" xmlns:p="http://schemas.openxmlformats.org/presentationml/2006/main" type="twoObjAndObj" preserve="1">
   <p:cSld name="Title, 2 Content and Content">
     <p:spTree>
       <p:nvGrpSpPr>
@@ -3517,15 +3654,16 @@
           </a:prstGeom>
         </p:spPr>
         <p:txBody>
-          <a:bodyPr lIns="0" rIns="0" tIns="0" bIns="0" anchor="ctr"/>
-          <a:p>
-            <a:endParaRPr b="0" lang="de-DE" sz="1800" spc="-1" strike="noStrike">
-              <a:solidFill>
-                <a:srgbClr val="000000"/>
-              </a:solidFill>
-              <a:uFill>
-                <a:solidFill>
-                  <a:srgbClr val="ffffff"/>
+          <a:bodyPr lIns="0" tIns="0" rIns="0" bIns="0" anchor="ctr"/>
+          <a:lstStyle/>
+          <a:p>
+            <a:endParaRPr lang="de-DE" sz="1800" b="0" strike="noStrike" spc="-1">
+              <a:solidFill>
+                <a:srgbClr val="000000"/>
+              </a:solidFill>
+              <a:uFill>
+                <a:solidFill>
+                  <a:srgbClr val="FFFFFF"/>
                 </a:solidFill>
               </a:uFill>
               <a:latin typeface="Calibri"/>
@@ -3553,15 +3691,16 @@
           </a:prstGeom>
         </p:spPr>
         <p:txBody>
-          <a:bodyPr lIns="0" rIns="0" tIns="0" bIns="0"/>
-          <a:p>
-            <a:endParaRPr b="0" lang="de-DE" sz="2800" spc="-1" strike="noStrike">
-              <a:solidFill>
-                <a:srgbClr val="000000"/>
-              </a:solidFill>
-              <a:uFill>
-                <a:solidFill>
-                  <a:srgbClr val="ffffff"/>
+          <a:bodyPr lIns="0" tIns="0" rIns="0" bIns="0"/>
+          <a:lstStyle/>
+          <a:p>
+            <a:endParaRPr lang="de-DE" sz="2800" b="0" strike="noStrike" spc="-1">
+              <a:solidFill>
+                <a:srgbClr val="000000"/>
+              </a:solidFill>
+              <a:uFill>
+                <a:solidFill>
+                  <a:srgbClr val="FFFFFF"/>
                 </a:solidFill>
               </a:uFill>
               <a:latin typeface="Calibri"/>
@@ -3589,15 +3728,16 @@
           </a:prstGeom>
         </p:spPr>
         <p:txBody>
-          <a:bodyPr lIns="0" rIns="0" tIns="0" bIns="0"/>
-          <a:p>
-            <a:endParaRPr b="0" lang="de-DE" sz="2800" spc="-1" strike="noStrike">
-              <a:solidFill>
-                <a:srgbClr val="000000"/>
-              </a:solidFill>
-              <a:uFill>
-                <a:solidFill>
-                  <a:srgbClr val="ffffff"/>
+          <a:bodyPr lIns="0" tIns="0" rIns="0" bIns="0"/>
+          <a:lstStyle/>
+          <a:p>
+            <a:endParaRPr lang="de-DE" sz="2800" b="0" strike="noStrike" spc="-1">
+              <a:solidFill>
+                <a:srgbClr val="000000"/>
+              </a:solidFill>
+              <a:uFill>
+                <a:solidFill>
+                  <a:srgbClr val="FFFFFF"/>
                 </a:solidFill>
               </a:uFill>
               <a:latin typeface="Calibri"/>
@@ -3625,15 +3765,16 @@
           </a:prstGeom>
         </p:spPr>
         <p:txBody>
-          <a:bodyPr lIns="0" rIns="0" tIns="0" bIns="0"/>
-          <a:p>
-            <a:endParaRPr b="0" lang="de-DE" sz="2800" spc="-1" strike="noStrike">
-              <a:solidFill>
-                <a:srgbClr val="000000"/>
-              </a:solidFill>
-              <a:uFill>
-                <a:solidFill>
-                  <a:srgbClr val="ffffff"/>
+          <a:bodyPr lIns="0" tIns="0" rIns="0" bIns="0"/>
+          <a:lstStyle/>
+          <a:p>
+            <a:endParaRPr lang="de-DE" sz="2800" b="0" strike="noStrike" spc="-1">
+              <a:solidFill>
+                <a:srgbClr val="000000"/>
+              </a:solidFill>
+              <a:uFill>
+                <a:solidFill>
+                  <a:srgbClr val="FFFFFF"/>
                 </a:solidFill>
               </a:uFill>
               <a:latin typeface="Calibri"/>
@@ -3643,11 +3784,14 @@
       </p:sp>
     </p:spTree>
   </p:cSld>
+  <p:clrMapOvr>
+    <a:masterClrMapping/>
+  </p:clrMapOvr>
 </p:sldLayout>
 </file>
 
 <file path=ppt/slideLayouts/slideLayout8.xml><?xml version="1.0" encoding="utf-8"?>
-<p:sldLayout xmlns:a="http://schemas.openxmlformats.org/drawingml/2006/main" xmlns:p="http://schemas.openxmlformats.org/presentationml/2006/main" xmlns:r="http://schemas.openxmlformats.org/officeDocument/2006/relationships" xmlns:p14="http://schemas.microsoft.com/office/powerpoint/2010/main" xmlns:p15="http://schemas.microsoft.com/office/powerpoint/2012/main" xmlns:mc="http://schemas.openxmlformats.org/markup-compatibility/2006" type="objAndTwoObj" preserve="1">
+<p:sldLayout xmlns:a="http://schemas.openxmlformats.org/drawingml/2006/main" xmlns:r="http://schemas.openxmlformats.org/officeDocument/2006/relationships" xmlns:p="http://schemas.openxmlformats.org/presentationml/2006/main" type="objAndTwoObj" preserve="1">
   <p:cSld name="Title Content and 2 Content">
     <p:spTree>
       <p:nvGrpSpPr>
@@ -3683,15 +3827,16 @@
           </a:prstGeom>
         </p:spPr>
         <p:txBody>
-          <a:bodyPr lIns="0" rIns="0" tIns="0" bIns="0" anchor="ctr"/>
-          <a:p>
-            <a:endParaRPr b="0" lang="de-DE" sz="1800" spc="-1" strike="noStrike">
-              <a:solidFill>
-                <a:srgbClr val="000000"/>
-              </a:solidFill>
-              <a:uFill>
-                <a:solidFill>
-                  <a:srgbClr val="ffffff"/>
+          <a:bodyPr lIns="0" tIns="0" rIns="0" bIns="0" anchor="ctr"/>
+          <a:lstStyle/>
+          <a:p>
+            <a:endParaRPr lang="de-DE" sz="1800" b="0" strike="noStrike" spc="-1">
+              <a:solidFill>
+                <a:srgbClr val="000000"/>
+              </a:solidFill>
+              <a:uFill>
+                <a:solidFill>
+                  <a:srgbClr val="FFFFFF"/>
                 </a:solidFill>
               </a:uFill>
               <a:latin typeface="Calibri"/>
@@ -3719,15 +3864,16 @@
           </a:prstGeom>
         </p:spPr>
         <p:txBody>
-          <a:bodyPr lIns="0" rIns="0" tIns="0" bIns="0"/>
-          <a:p>
-            <a:endParaRPr b="0" lang="de-DE" sz="2800" spc="-1" strike="noStrike">
-              <a:solidFill>
-                <a:srgbClr val="000000"/>
-              </a:solidFill>
-              <a:uFill>
-                <a:solidFill>
-                  <a:srgbClr val="ffffff"/>
+          <a:bodyPr lIns="0" tIns="0" rIns="0" bIns="0"/>
+          <a:lstStyle/>
+          <a:p>
+            <a:endParaRPr lang="de-DE" sz="2800" b="0" strike="noStrike" spc="-1">
+              <a:solidFill>
+                <a:srgbClr val="000000"/>
+              </a:solidFill>
+              <a:uFill>
+                <a:solidFill>
+                  <a:srgbClr val="FFFFFF"/>
                 </a:solidFill>
               </a:uFill>
               <a:latin typeface="Calibri"/>
@@ -3755,15 +3901,16 @@
           </a:prstGeom>
         </p:spPr>
         <p:txBody>
-          <a:bodyPr lIns="0" rIns="0" tIns="0" bIns="0"/>
-          <a:p>
-            <a:endParaRPr b="0" lang="de-DE" sz="2800" spc="-1" strike="noStrike">
-              <a:solidFill>
-                <a:srgbClr val="000000"/>
-              </a:solidFill>
-              <a:uFill>
-                <a:solidFill>
-                  <a:srgbClr val="ffffff"/>
+          <a:bodyPr lIns="0" tIns="0" rIns="0" bIns="0"/>
+          <a:lstStyle/>
+          <a:p>
+            <a:endParaRPr lang="de-DE" sz="2800" b="0" strike="noStrike" spc="-1">
+              <a:solidFill>
+                <a:srgbClr val="000000"/>
+              </a:solidFill>
+              <a:uFill>
+                <a:solidFill>
+                  <a:srgbClr val="FFFFFF"/>
                 </a:solidFill>
               </a:uFill>
               <a:latin typeface="Calibri"/>
@@ -3791,15 +3938,16 @@
           </a:prstGeom>
         </p:spPr>
         <p:txBody>
-          <a:bodyPr lIns="0" rIns="0" tIns="0" bIns="0"/>
-          <a:p>
-            <a:endParaRPr b="0" lang="de-DE" sz="2800" spc="-1" strike="noStrike">
-              <a:solidFill>
-                <a:srgbClr val="000000"/>
-              </a:solidFill>
-              <a:uFill>
-                <a:solidFill>
-                  <a:srgbClr val="ffffff"/>
+          <a:bodyPr lIns="0" tIns="0" rIns="0" bIns="0"/>
+          <a:lstStyle/>
+          <a:p>
+            <a:endParaRPr lang="de-DE" sz="2800" b="0" strike="noStrike" spc="-1">
+              <a:solidFill>
+                <a:srgbClr val="000000"/>
+              </a:solidFill>
+              <a:uFill>
+                <a:solidFill>
+                  <a:srgbClr val="FFFFFF"/>
                 </a:solidFill>
               </a:uFill>
               <a:latin typeface="Calibri"/>
@@ -3809,11 +3957,14 @@
       </p:sp>
     </p:spTree>
   </p:cSld>
+  <p:clrMapOvr>
+    <a:masterClrMapping/>
+  </p:clrMapOvr>
 </p:sldLayout>
 </file>
 
 <file path=ppt/slideLayouts/slideLayout9.xml><?xml version="1.0" encoding="utf-8"?>
-<p:sldLayout xmlns:a="http://schemas.openxmlformats.org/drawingml/2006/main" xmlns:p="http://schemas.openxmlformats.org/presentationml/2006/main" xmlns:r="http://schemas.openxmlformats.org/officeDocument/2006/relationships" xmlns:p14="http://schemas.microsoft.com/office/powerpoint/2010/main" xmlns:p15="http://schemas.microsoft.com/office/powerpoint/2012/main" xmlns:mc="http://schemas.openxmlformats.org/markup-compatibility/2006" type="twoObjOverTx" preserve="1">
+<p:sldLayout xmlns:a="http://schemas.openxmlformats.org/drawingml/2006/main" xmlns:r="http://schemas.openxmlformats.org/officeDocument/2006/relationships" xmlns:p="http://schemas.openxmlformats.org/presentationml/2006/main" type="twoObjOverTx" preserve="1">
   <p:cSld name="Title, 2 Content over Content">
     <p:spTree>
       <p:nvGrpSpPr>
@@ -3849,15 +4000,16 @@
           </a:prstGeom>
         </p:spPr>
         <p:txBody>
-          <a:bodyPr lIns="0" rIns="0" tIns="0" bIns="0" anchor="ctr"/>
-          <a:p>
-            <a:endParaRPr b="0" lang="de-DE" sz="1800" spc="-1" strike="noStrike">
-              <a:solidFill>
-                <a:srgbClr val="000000"/>
-              </a:solidFill>
-              <a:uFill>
-                <a:solidFill>
-                  <a:srgbClr val="ffffff"/>
+          <a:bodyPr lIns="0" tIns="0" rIns="0" bIns="0" anchor="ctr"/>
+          <a:lstStyle/>
+          <a:p>
+            <a:endParaRPr lang="de-DE" sz="1800" b="0" strike="noStrike" spc="-1">
+              <a:solidFill>
+                <a:srgbClr val="000000"/>
+              </a:solidFill>
+              <a:uFill>
+                <a:solidFill>
+                  <a:srgbClr val="FFFFFF"/>
                 </a:solidFill>
               </a:uFill>
               <a:latin typeface="Calibri"/>
@@ -3885,15 +4037,16 @@
           </a:prstGeom>
         </p:spPr>
         <p:txBody>
-          <a:bodyPr lIns="0" rIns="0" tIns="0" bIns="0"/>
-          <a:p>
-            <a:endParaRPr b="0" lang="de-DE" sz="2800" spc="-1" strike="noStrike">
-              <a:solidFill>
-                <a:srgbClr val="000000"/>
-              </a:solidFill>
-              <a:uFill>
-                <a:solidFill>
-                  <a:srgbClr val="ffffff"/>
+          <a:bodyPr lIns="0" tIns="0" rIns="0" bIns="0"/>
+          <a:lstStyle/>
+          <a:p>
+            <a:endParaRPr lang="de-DE" sz="2800" b="0" strike="noStrike" spc="-1">
+              <a:solidFill>
+                <a:srgbClr val="000000"/>
+              </a:solidFill>
+              <a:uFill>
+                <a:solidFill>
+                  <a:srgbClr val="FFFFFF"/>
                 </a:solidFill>
               </a:uFill>
               <a:latin typeface="Calibri"/>
@@ -3921,15 +4074,16 @@
           </a:prstGeom>
         </p:spPr>
         <p:txBody>
-          <a:bodyPr lIns="0" rIns="0" tIns="0" bIns="0"/>
-          <a:p>
-            <a:endParaRPr b="0" lang="de-DE" sz="2800" spc="-1" strike="noStrike">
-              <a:solidFill>
-                <a:srgbClr val="000000"/>
-              </a:solidFill>
-              <a:uFill>
-                <a:solidFill>
-                  <a:srgbClr val="ffffff"/>
+          <a:bodyPr lIns="0" tIns="0" rIns="0" bIns="0"/>
+          <a:lstStyle/>
+          <a:p>
+            <a:endParaRPr lang="de-DE" sz="2800" b="0" strike="noStrike" spc="-1">
+              <a:solidFill>
+                <a:srgbClr val="000000"/>
+              </a:solidFill>
+              <a:uFill>
+                <a:solidFill>
+                  <a:srgbClr val="FFFFFF"/>
                 </a:solidFill>
               </a:uFill>
               <a:latin typeface="Calibri"/>
@@ -3957,15 +4111,16 @@
           </a:prstGeom>
         </p:spPr>
         <p:txBody>
-          <a:bodyPr lIns="0" rIns="0" tIns="0" bIns="0"/>
-          <a:p>
-            <a:endParaRPr b="0" lang="de-DE" sz="2800" spc="-1" strike="noStrike">
-              <a:solidFill>
-                <a:srgbClr val="000000"/>
-              </a:solidFill>
-              <a:uFill>
-                <a:solidFill>
-                  <a:srgbClr val="ffffff"/>
+          <a:bodyPr lIns="0" tIns="0" rIns="0" bIns="0"/>
+          <a:lstStyle/>
+          <a:p>
+            <a:endParaRPr lang="de-DE" sz="2800" b="0" strike="noStrike" spc="-1">
+              <a:solidFill>
+                <a:srgbClr val="000000"/>
+              </a:solidFill>
+              <a:uFill>
+                <a:solidFill>
+                  <a:srgbClr val="FFFFFF"/>
                 </a:solidFill>
               </a:uFill>
               <a:latin typeface="Calibri"/>
@@ -3975,17 +4130,21 @@
       </p:sp>
     </p:spTree>
   </p:cSld>
+  <p:clrMapOvr>
+    <a:masterClrMapping/>
+  </p:clrMapOvr>
 </p:sldLayout>
 </file>
 
 <file path=ppt/slideMasters/slideMaster1.xml><?xml version="1.0" encoding="utf-8"?>
-<p:sldMaster xmlns:a="http://schemas.openxmlformats.org/drawingml/2006/main" xmlns:p="http://schemas.openxmlformats.org/presentationml/2006/main" xmlns:r="http://schemas.openxmlformats.org/officeDocument/2006/relationships" xmlns:p14="http://schemas.microsoft.com/office/powerpoint/2010/main" xmlns:p15="http://schemas.microsoft.com/office/powerpoint/2012/main" xmlns:mc="http://schemas.openxmlformats.org/markup-compatibility/2006">
+<p:sldMaster xmlns:a="http://schemas.openxmlformats.org/drawingml/2006/main" xmlns:r="http://schemas.openxmlformats.org/officeDocument/2006/relationships" xmlns:p="http://schemas.openxmlformats.org/presentationml/2006/main">
   <p:cSld>
     <p:bg>
       <p:bgPr>
         <a:solidFill>
-          <a:srgbClr val="ffffff"/>
+          <a:srgbClr val="FFFFFF"/>
         </a:solidFill>
+        <a:effectLst/>
       </p:bgPr>
     </p:bg>
     <p:spTree>
@@ -4004,7 +4163,7 @@
       </p:grpSpPr>
       <p:sp>
         <p:nvSpPr>
-          <p:cNvPr id="0" name="PlaceHolder 1"/>
+          <p:cNvPr id="5" name="PlaceHolder 1"/>
           <p:cNvSpPr>
             <a:spLocks noGrp="1"/>
           </p:cNvSpPr>
@@ -4023,6 +4182,7 @@
         </p:spPr>
         <p:txBody>
           <a:bodyPr anchor="b"/>
+          <a:lstStyle/>
           <a:p>
             <a:pPr algn="ctr">
               <a:lnSpc>
@@ -4030,36 +4190,36 @@
               </a:lnSpc>
             </a:pPr>
             <a:r>
-              <a:rPr b="0" lang="de-DE" sz="6000" spc="-1" strike="noStrike">
+              <a:rPr lang="de-DE" sz="6000" b="0" strike="noStrike" spc="-1">
                 <a:solidFill>
                   <a:srgbClr val="000000"/>
                 </a:solidFill>
                 <a:uFill>
                   <a:solidFill>
-                    <a:srgbClr val="ffffff"/>
+                    <a:srgbClr val="FFFFFF"/>
                   </a:solidFill>
                 </a:uFill>
                 <a:latin typeface="Calibri Light"/>
               </a:rPr>
               <a:t>Образец заголовка</a:t>
             </a:r>
-            <a:endParaRPr b="0" lang="de-DE" sz="1800" spc="-1" strike="noStrike">
-              <a:solidFill>
-                <a:srgbClr val="000000"/>
-              </a:solidFill>
-              <a:uFill>
-                <a:solidFill>
-                  <a:srgbClr val="ffffff"/>
-                </a:solidFill>
-              </a:uFill>
-              <a:latin typeface="Calibri"/>
-            </a:endParaRPr>
-          </a:p>
-        </p:txBody>
-      </p:sp>
-      <p:sp>
-        <p:nvSpPr>
-          <p:cNvPr id="1" name="PlaceHolder 2"/>
+            <a:endParaRPr lang="de-DE" sz="1800" b="0" strike="noStrike" spc="-1">
+              <a:solidFill>
+                <a:srgbClr val="000000"/>
+              </a:solidFill>
+              <a:uFill>
+                <a:solidFill>
+                  <a:srgbClr val="FFFFFF"/>
+                </a:solidFill>
+              </a:uFill>
+              <a:latin typeface="Calibri"/>
+            </a:endParaRPr>
+          </a:p>
+        </p:txBody>
+      </p:sp>
+      <p:sp>
+        <p:nvSpPr>
+          <p:cNvPr id="6" name="PlaceHolder 2"/>
           <p:cNvSpPr>
             <a:spLocks noGrp="1"/>
           </p:cNvSpPr>
@@ -4078,6 +4238,7 @@
         </p:spPr>
         <p:txBody>
           <a:bodyPr anchor="ctr"/>
+          <a:lstStyle/>
           <a:p>
             <a:pPr>
               <a:lnSpc>
@@ -4085,26 +4246,26 @@
               </a:lnSpc>
             </a:pPr>
             <a:r>
-              <a:rPr b="0" lang="en-GB" sz="1200" spc="-1" strike="noStrike">
-                <a:solidFill>
-                  <a:srgbClr val="8b8b8b"/>
+              <a:rPr lang="en-GB" sz="1200" b="0" strike="noStrike" spc="-1">
+                <a:solidFill>
+                  <a:srgbClr val="8B8B8B"/>
                 </a:solidFill>
                 <a:uFill>
                   <a:solidFill>
-                    <a:srgbClr val="ffffff"/>
+                    <a:srgbClr val="FFFFFF"/>
                   </a:solidFill>
                 </a:uFill>
                 <a:latin typeface="Calibri"/>
               </a:rPr>
               <a:t>25/01/18</a:t>
             </a:r>
-            <a:endParaRPr b="0" lang="en-GB" sz="1400" spc="-1" strike="noStrike">
-              <a:solidFill>
-                <a:srgbClr val="000000"/>
-              </a:solidFill>
-              <a:uFill>
-                <a:solidFill>
-                  <a:srgbClr val="ffffff"/>
+            <a:endParaRPr lang="en-GB" sz="1400" b="0" strike="noStrike" spc="-1">
+              <a:solidFill>
+                <a:srgbClr val="000000"/>
+              </a:solidFill>
+              <a:uFill>
+                <a:solidFill>
+                  <a:srgbClr val="FFFFFF"/>
                 </a:solidFill>
               </a:uFill>
               <a:latin typeface="Times New Roman"/>
@@ -4133,14 +4294,15 @@
         </p:spPr>
         <p:txBody>
           <a:bodyPr anchor="ctr"/>
-          <a:p>
-            <a:endParaRPr b="0" lang="en-GB" sz="2400" spc="-1" strike="noStrike">
-              <a:solidFill>
-                <a:srgbClr val="000000"/>
-              </a:solidFill>
-              <a:uFill>
-                <a:solidFill>
-                  <a:srgbClr val="ffffff"/>
+          <a:lstStyle/>
+          <a:p>
+            <a:endParaRPr lang="en-GB" sz="2400" b="0" strike="noStrike" spc="-1">
+              <a:solidFill>
+                <a:srgbClr val="000000"/>
+              </a:solidFill>
+              <a:uFill>
+                <a:solidFill>
+                  <a:srgbClr val="FFFFFF"/>
                 </a:solidFill>
               </a:uFill>
               <a:latin typeface="Times New Roman"/>
@@ -4169,6 +4331,7 @@
         </p:spPr>
         <p:txBody>
           <a:bodyPr anchor="ctr"/>
+          <a:lstStyle/>
           <a:p>
             <a:pPr algn="r">
               <a:lnSpc>
@@ -4176,26 +4339,26 @@
               </a:lnSpc>
             </a:pPr>
             <a:fld id="{3AE038AE-2B90-4629-8A4B-532179BB9B6D}" type="slidenum">
-              <a:rPr b="0" lang="en-GB" sz="1200" spc="-1" strike="noStrike">
-                <a:solidFill>
-                  <a:srgbClr val="8b8b8b"/>
+              <a:rPr lang="en-GB" sz="1200" b="0" strike="noStrike" spc="-1">
+                <a:solidFill>
+                  <a:srgbClr val="8B8B8B"/>
                 </a:solidFill>
                 <a:uFill>
                   <a:solidFill>
-                    <a:srgbClr val="ffffff"/>
+                    <a:srgbClr val="FFFFFF"/>
                   </a:solidFill>
                 </a:uFill>
                 <a:latin typeface="Calibri"/>
               </a:rPr>
-              <a:t>2</a:t>
+              <a:t>‹Nr.›</a:t>
             </a:fld>
-            <a:endParaRPr b="0" lang="en-GB" sz="1400" spc="-1" strike="noStrike">
-              <a:solidFill>
-                <a:srgbClr val="000000"/>
-              </a:solidFill>
-              <a:uFill>
-                <a:solidFill>
-                  <a:srgbClr val="ffffff"/>
+            <a:endParaRPr lang="en-GB" sz="1400" b="0" strike="noStrike" spc="-1">
+              <a:solidFill>
+                <a:srgbClr val="000000"/>
+              </a:solidFill>
+              <a:uFill>
+                <a:solidFill>
+                  <a:srgbClr val="FFFFFF"/>
                 </a:solidFill>
               </a:uFill>
               <a:latin typeface="Times New Roman"/>
@@ -4223,7 +4386,8 @@
           </a:prstGeom>
         </p:spPr>
         <p:txBody>
-          <a:bodyPr lIns="0" rIns="0" tIns="0" bIns="0"/>
+          <a:bodyPr lIns="0" tIns="0" rIns="0" bIns="0"/>
+          <a:lstStyle/>
           <a:p>
             <a:pPr marL="432000" indent="-324000">
               <a:buClr>
@@ -4234,33 +4398,22 @@
               <a:buChar char=""/>
             </a:pPr>
             <a:r>
-              <a:rPr b="0" lang="de-DE" sz="2800" spc="-1" strike="noStrike">
+              <a:rPr lang="de-DE" sz="2800" b="0" strike="noStrike" spc="-1">
                 <a:solidFill>
                   <a:srgbClr val="000000"/>
                 </a:solidFill>
                 <a:uFill>
                   <a:solidFill>
-                    <a:srgbClr val="ffffff"/>
+                    <a:srgbClr val="FFFFFF"/>
                   </a:solidFill>
                 </a:uFill>
                 <a:latin typeface="Calibri"/>
               </a:rPr>
               <a:t>Click to edit the outline text format</a:t>
             </a:r>
-            <a:endParaRPr b="0" lang="de-DE" sz="2800" spc="-1" strike="noStrike">
-              <a:solidFill>
-                <a:srgbClr val="000000"/>
-              </a:solidFill>
-              <a:uFill>
-                <a:solidFill>
-                  <a:srgbClr val="ffffff"/>
-                </a:solidFill>
-              </a:uFill>
-              <a:latin typeface="Calibri"/>
-            </a:endParaRPr>
-          </a:p>
-          <a:p>
-            <a:pPr lvl="1" marL="864000" indent="-324000">
+          </a:p>
+          <a:p>
+            <a:pPr marL="864000" lvl="1" indent="-324000">
               <a:buClr>
                 <a:srgbClr val="000000"/>
               </a:buClr>
@@ -4269,33 +4422,22 @@
               <a:buChar char=""/>
             </a:pPr>
             <a:r>
-              <a:rPr b="0" lang="de-DE" sz="2000" spc="-1" strike="noStrike">
+              <a:rPr lang="de-DE" sz="2000" b="0" strike="noStrike" spc="-1">
                 <a:solidFill>
                   <a:srgbClr val="000000"/>
                 </a:solidFill>
                 <a:uFill>
                   <a:solidFill>
-                    <a:srgbClr val="ffffff"/>
+                    <a:srgbClr val="FFFFFF"/>
                   </a:solidFill>
                 </a:uFill>
                 <a:latin typeface="Calibri"/>
               </a:rPr>
               <a:t>Second Outline Level</a:t>
             </a:r>
-            <a:endParaRPr b="0" lang="de-DE" sz="2000" spc="-1" strike="noStrike">
-              <a:solidFill>
-                <a:srgbClr val="000000"/>
-              </a:solidFill>
-              <a:uFill>
-                <a:solidFill>
-                  <a:srgbClr val="ffffff"/>
-                </a:solidFill>
-              </a:uFill>
-              <a:latin typeface="Calibri"/>
-            </a:endParaRPr>
-          </a:p>
-          <a:p>
-            <a:pPr lvl="2" marL="1296000" indent="-288000">
+          </a:p>
+          <a:p>
+            <a:pPr marL="1296000" lvl="2" indent="-288000">
               <a:buClr>
                 <a:srgbClr val="000000"/>
               </a:buClr>
@@ -4304,33 +4446,22 @@
               <a:buChar char=""/>
             </a:pPr>
             <a:r>
-              <a:rPr b="0" lang="de-DE" sz="1800" spc="-1" strike="noStrike">
+              <a:rPr lang="de-DE" sz="1800" b="0" strike="noStrike" spc="-1">
                 <a:solidFill>
                   <a:srgbClr val="000000"/>
                 </a:solidFill>
                 <a:uFill>
                   <a:solidFill>
-                    <a:srgbClr val="ffffff"/>
+                    <a:srgbClr val="FFFFFF"/>
                   </a:solidFill>
                 </a:uFill>
                 <a:latin typeface="Calibri"/>
               </a:rPr>
               <a:t>Third Outline Level</a:t>
             </a:r>
-            <a:endParaRPr b="0" lang="de-DE" sz="1800" spc="-1" strike="noStrike">
-              <a:solidFill>
-                <a:srgbClr val="000000"/>
-              </a:solidFill>
-              <a:uFill>
-                <a:solidFill>
-                  <a:srgbClr val="ffffff"/>
-                </a:solidFill>
-              </a:uFill>
-              <a:latin typeface="Calibri"/>
-            </a:endParaRPr>
-          </a:p>
-          <a:p>
-            <a:pPr lvl="3" marL="1728000" indent="-216000">
+          </a:p>
+          <a:p>
+            <a:pPr marL="1728000" lvl="3" indent="-216000">
               <a:buClr>
                 <a:srgbClr val="000000"/>
               </a:buClr>
@@ -4339,33 +4470,22 @@
               <a:buChar char=""/>
             </a:pPr>
             <a:r>
-              <a:rPr b="0" lang="de-DE" sz="1800" spc="-1" strike="noStrike">
+              <a:rPr lang="de-DE" sz="1800" b="0" strike="noStrike" spc="-1">
                 <a:solidFill>
                   <a:srgbClr val="000000"/>
                 </a:solidFill>
                 <a:uFill>
                   <a:solidFill>
-                    <a:srgbClr val="ffffff"/>
+                    <a:srgbClr val="FFFFFF"/>
                   </a:solidFill>
                 </a:uFill>
                 <a:latin typeface="Calibri"/>
               </a:rPr>
               <a:t>Fourth Outline Level</a:t>
             </a:r>
-            <a:endParaRPr b="0" lang="de-DE" sz="1800" spc="-1" strike="noStrike">
-              <a:solidFill>
-                <a:srgbClr val="000000"/>
-              </a:solidFill>
-              <a:uFill>
-                <a:solidFill>
-                  <a:srgbClr val="ffffff"/>
-                </a:solidFill>
-              </a:uFill>
-              <a:latin typeface="Calibri"/>
-            </a:endParaRPr>
-          </a:p>
-          <a:p>
-            <a:pPr lvl="4" marL="2160000" indent="-216000">
+          </a:p>
+          <a:p>
+            <a:pPr marL="2160000" lvl="4" indent="-216000">
               <a:buClr>
                 <a:srgbClr val="000000"/>
               </a:buClr>
@@ -4374,33 +4494,22 @@
               <a:buChar char=""/>
             </a:pPr>
             <a:r>
-              <a:rPr b="0" lang="de-DE" sz="2000" spc="-1" strike="noStrike">
+              <a:rPr lang="de-DE" sz="2000" b="0" strike="noStrike" spc="-1">
                 <a:solidFill>
                   <a:srgbClr val="000000"/>
                 </a:solidFill>
                 <a:uFill>
                   <a:solidFill>
-                    <a:srgbClr val="ffffff"/>
+                    <a:srgbClr val="FFFFFF"/>
                   </a:solidFill>
                 </a:uFill>
                 <a:latin typeface="Calibri"/>
               </a:rPr>
               <a:t>Fifth Outline Level</a:t>
             </a:r>
-            <a:endParaRPr b="0" lang="de-DE" sz="2000" spc="-1" strike="noStrike">
-              <a:solidFill>
-                <a:srgbClr val="000000"/>
-              </a:solidFill>
-              <a:uFill>
-                <a:solidFill>
-                  <a:srgbClr val="ffffff"/>
-                </a:solidFill>
-              </a:uFill>
-              <a:latin typeface="Calibri"/>
-            </a:endParaRPr>
-          </a:p>
-          <a:p>
-            <a:pPr lvl="5" marL="2592000" indent="-216000">
+          </a:p>
+          <a:p>
+            <a:pPr marL="2592000" lvl="5" indent="-216000">
               <a:buClr>
                 <a:srgbClr val="000000"/>
               </a:buClr>
@@ -4409,33 +4518,22 @@
               <a:buChar char=""/>
             </a:pPr>
             <a:r>
-              <a:rPr b="0" lang="de-DE" sz="2000" spc="-1" strike="noStrike">
+              <a:rPr lang="de-DE" sz="2000" b="0" strike="noStrike" spc="-1">
                 <a:solidFill>
                   <a:srgbClr val="000000"/>
                 </a:solidFill>
                 <a:uFill>
                   <a:solidFill>
-                    <a:srgbClr val="ffffff"/>
+                    <a:srgbClr val="FFFFFF"/>
                   </a:solidFill>
                 </a:uFill>
                 <a:latin typeface="Calibri"/>
               </a:rPr>
               <a:t>Sixth Outline Level</a:t>
             </a:r>
-            <a:endParaRPr b="0" lang="de-DE" sz="2000" spc="-1" strike="noStrike">
-              <a:solidFill>
-                <a:srgbClr val="000000"/>
-              </a:solidFill>
-              <a:uFill>
-                <a:solidFill>
-                  <a:srgbClr val="ffffff"/>
-                </a:solidFill>
-              </a:uFill>
-              <a:latin typeface="Calibri"/>
-            </a:endParaRPr>
-          </a:p>
-          <a:p>
-            <a:pPr lvl="6" marL="3024000" indent="-216000">
+          </a:p>
+          <a:p>
+            <a:pPr marL="3024000" lvl="6" indent="-216000">
               <a:buClr>
                 <a:srgbClr val="000000"/>
               </a:buClr>
@@ -4444,61 +4542,331 @@
               <a:buChar char=""/>
             </a:pPr>
             <a:r>
-              <a:rPr b="0" lang="de-DE" sz="2000" spc="-1" strike="noStrike">
+              <a:rPr lang="de-DE" sz="2000" b="0" strike="noStrike" spc="-1">
                 <a:solidFill>
                   <a:srgbClr val="000000"/>
                 </a:solidFill>
                 <a:uFill>
                   <a:solidFill>
-                    <a:srgbClr val="ffffff"/>
+                    <a:srgbClr val="FFFFFF"/>
                   </a:solidFill>
                 </a:uFill>
                 <a:latin typeface="Calibri"/>
               </a:rPr>
               <a:t>Seventh Outline Level</a:t>
             </a:r>
-            <a:endParaRPr b="0" lang="de-DE" sz="2000" spc="-1" strike="noStrike">
-              <a:solidFill>
-                <a:srgbClr val="000000"/>
-              </a:solidFill>
-              <a:uFill>
-                <a:solidFill>
-                  <a:srgbClr val="ffffff"/>
-                </a:solidFill>
-              </a:uFill>
-              <a:latin typeface="Calibri"/>
-            </a:endParaRPr>
           </a:p>
         </p:txBody>
       </p:sp>
     </p:spTree>
   </p:cSld>
-  <p:clrMap bg1="lt1" bg2="lt2" tx1="dk1" tx2="dk2" accent1="accent1" accent2="accent2" accent3="accent3" accent4="accent4" accent5="accent5" accent6="accent6" hlink="hlink" folHlink="folHlink"/>
+  <p:clrMap bg1="lt1" tx1="dk1" bg2="lt2" tx2="dk2" accent1="accent1" accent2="accent2" accent3="accent3" accent4="accent4" accent5="accent5" accent6="accent6" hlink="hlink" folHlink="folHlink"/>
   <p:sldLayoutIdLst>
-    <p:sldLayoutId id="2147483649" r:id="rId2"/>
-    <p:sldLayoutId id="2147483650" r:id="rId3"/>
-    <p:sldLayoutId id="2147483651" r:id="rId4"/>
-    <p:sldLayoutId id="2147483652" r:id="rId5"/>
-    <p:sldLayoutId id="2147483653" r:id="rId6"/>
-    <p:sldLayoutId id="2147483654" r:id="rId7"/>
-    <p:sldLayoutId id="2147483655" r:id="rId8"/>
-    <p:sldLayoutId id="2147483656" r:id="rId9"/>
-    <p:sldLayoutId id="2147483657" r:id="rId10"/>
-    <p:sldLayoutId id="2147483658" r:id="rId11"/>
-    <p:sldLayoutId id="2147483659" r:id="rId12"/>
-    <p:sldLayoutId id="2147483660" r:id="rId13"/>
+    <p:sldLayoutId id="2147483649" r:id="rId1"/>
+    <p:sldLayoutId id="2147483650" r:id="rId2"/>
+    <p:sldLayoutId id="2147483651" r:id="rId3"/>
+    <p:sldLayoutId id="2147483652" r:id="rId4"/>
+    <p:sldLayoutId id="2147483653" r:id="rId5"/>
+    <p:sldLayoutId id="2147483654" r:id="rId6"/>
+    <p:sldLayoutId id="2147483655" r:id="rId7"/>
+    <p:sldLayoutId id="2147483656" r:id="rId8"/>
+    <p:sldLayoutId id="2147483657" r:id="rId9"/>
+    <p:sldLayoutId id="2147483658" r:id="rId10"/>
+    <p:sldLayoutId id="2147483659" r:id="rId11"/>
+    <p:sldLayoutId id="2147483660" r:id="rId12"/>
   </p:sldLayoutIdLst>
+  <p:txStyles>
+    <p:titleStyle>
+      <a:lvl1pPr algn="l" defTabSz="914400" rtl="0" eaLnBrk="1" latinLnBrk="0" hangingPunct="1">
+        <a:lnSpc>
+          <a:spcPct val="90000"/>
+        </a:lnSpc>
+        <a:spcBef>
+          <a:spcPct val="0"/>
+        </a:spcBef>
+        <a:buNone/>
+        <a:defRPr sz="4400" kern="1200">
+          <a:solidFill>
+            <a:schemeClr val="tx1"/>
+          </a:solidFill>
+          <a:latin typeface="+mj-lt"/>
+          <a:ea typeface="+mj-ea"/>
+          <a:cs typeface="+mj-cs"/>
+        </a:defRPr>
+      </a:lvl1pPr>
+    </p:titleStyle>
+    <p:bodyStyle>
+      <a:lvl1pPr marL="228600" indent="-228600" algn="l" defTabSz="914400" rtl="0" eaLnBrk="1" latinLnBrk="0" hangingPunct="1">
+        <a:lnSpc>
+          <a:spcPct val="90000"/>
+        </a:lnSpc>
+        <a:spcBef>
+          <a:spcPts val="1000"/>
+        </a:spcBef>
+        <a:buFont typeface="Arial" panose="020B0604020202020204" pitchFamily="34" charset="0"/>
+        <a:buChar char="•"/>
+        <a:defRPr sz="2800" kern="1200">
+          <a:solidFill>
+            <a:schemeClr val="tx1"/>
+          </a:solidFill>
+          <a:latin typeface="+mn-lt"/>
+          <a:ea typeface="+mn-ea"/>
+          <a:cs typeface="+mn-cs"/>
+        </a:defRPr>
+      </a:lvl1pPr>
+      <a:lvl2pPr marL="685800" indent="-228600" algn="l" defTabSz="914400" rtl="0" eaLnBrk="1" latinLnBrk="0" hangingPunct="1">
+        <a:lnSpc>
+          <a:spcPct val="90000"/>
+        </a:lnSpc>
+        <a:spcBef>
+          <a:spcPts val="500"/>
+        </a:spcBef>
+        <a:buFont typeface="Arial" panose="020B0604020202020204" pitchFamily="34" charset="0"/>
+        <a:buChar char="•"/>
+        <a:defRPr sz="2400" kern="1200">
+          <a:solidFill>
+            <a:schemeClr val="tx1"/>
+          </a:solidFill>
+          <a:latin typeface="+mn-lt"/>
+          <a:ea typeface="+mn-ea"/>
+          <a:cs typeface="+mn-cs"/>
+        </a:defRPr>
+      </a:lvl2pPr>
+      <a:lvl3pPr marL="1143000" indent="-228600" algn="l" defTabSz="914400" rtl="0" eaLnBrk="1" latinLnBrk="0" hangingPunct="1">
+        <a:lnSpc>
+          <a:spcPct val="90000"/>
+        </a:lnSpc>
+        <a:spcBef>
+          <a:spcPts val="500"/>
+        </a:spcBef>
+        <a:buFont typeface="Arial" panose="020B0604020202020204" pitchFamily="34" charset="0"/>
+        <a:buChar char="•"/>
+        <a:defRPr sz="2000" kern="1200">
+          <a:solidFill>
+            <a:schemeClr val="tx1"/>
+          </a:solidFill>
+          <a:latin typeface="+mn-lt"/>
+          <a:ea typeface="+mn-ea"/>
+          <a:cs typeface="+mn-cs"/>
+        </a:defRPr>
+      </a:lvl3pPr>
+      <a:lvl4pPr marL="1600200" indent="-228600" algn="l" defTabSz="914400" rtl="0" eaLnBrk="1" latinLnBrk="0" hangingPunct="1">
+        <a:lnSpc>
+          <a:spcPct val="90000"/>
+        </a:lnSpc>
+        <a:spcBef>
+          <a:spcPts val="500"/>
+        </a:spcBef>
+        <a:buFont typeface="Arial" panose="020B0604020202020204" pitchFamily="34" charset="0"/>
+        <a:buChar char="•"/>
+        <a:defRPr sz="1800" kern="1200">
+          <a:solidFill>
+            <a:schemeClr val="tx1"/>
+          </a:solidFill>
+          <a:latin typeface="+mn-lt"/>
+          <a:ea typeface="+mn-ea"/>
+          <a:cs typeface="+mn-cs"/>
+        </a:defRPr>
+      </a:lvl4pPr>
+      <a:lvl5pPr marL="2057400" indent="-228600" algn="l" defTabSz="914400" rtl="0" eaLnBrk="1" latinLnBrk="0" hangingPunct="1">
+        <a:lnSpc>
+          <a:spcPct val="90000"/>
+        </a:lnSpc>
+        <a:spcBef>
+          <a:spcPts val="500"/>
+        </a:spcBef>
+        <a:buFont typeface="Arial" panose="020B0604020202020204" pitchFamily="34" charset="0"/>
+        <a:buChar char="•"/>
+        <a:defRPr sz="1800" kern="1200">
+          <a:solidFill>
+            <a:schemeClr val="tx1"/>
+          </a:solidFill>
+          <a:latin typeface="+mn-lt"/>
+          <a:ea typeface="+mn-ea"/>
+          <a:cs typeface="+mn-cs"/>
+        </a:defRPr>
+      </a:lvl5pPr>
+      <a:lvl6pPr marL="2514600" indent="-228600" algn="l" defTabSz="914400" rtl="0" eaLnBrk="1" latinLnBrk="0" hangingPunct="1">
+        <a:lnSpc>
+          <a:spcPct val="90000"/>
+        </a:lnSpc>
+        <a:spcBef>
+          <a:spcPts val="500"/>
+        </a:spcBef>
+        <a:buFont typeface="Arial" panose="020B0604020202020204" pitchFamily="34" charset="0"/>
+        <a:buChar char="•"/>
+        <a:defRPr sz="1800" kern="1200">
+          <a:solidFill>
+            <a:schemeClr val="tx1"/>
+          </a:solidFill>
+          <a:latin typeface="+mn-lt"/>
+          <a:ea typeface="+mn-ea"/>
+          <a:cs typeface="+mn-cs"/>
+        </a:defRPr>
+      </a:lvl6pPr>
+      <a:lvl7pPr marL="2971800" indent="-228600" algn="l" defTabSz="914400" rtl="0" eaLnBrk="1" latinLnBrk="0" hangingPunct="1">
+        <a:lnSpc>
+          <a:spcPct val="90000"/>
+        </a:lnSpc>
+        <a:spcBef>
+          <a:spcPts val="500"/>
+        </a:spcBef>
+        <a:buFont typeface="Arial" panose="020B0604020202020204" pitchFamily="34" charset="0"/>
+        <a:buChar char="•"/>
+        <a:defRPr sz="1800" kern="1200">
+          <a:solidFill>
+            <a:schemeClr val="tx1"/>
+          </a:solidFill>
+          <a:latin typeface="+mn-lt"/>
+          <a:ea typeface="+mn-ea"/>
+          <a:cs typeface="+mn-cs"/>
+        </a:defRPr>
+      </a:lvl7pPr>
+      <a:lvl8pPr marL="3429000" indent="-228600" algn="l" defTabSz="914400" rtl="0" eaLnBrk="1" latinLnBrk="0" hangingPunct="1">
+        <a:lnSpc>
+          <a:spcPct val="90000"/>
+        </a:lnSpc>
+        <a:spcBef>
+          <a:spcPts val="500"/>
+        </a:spcBef>
+        <a:buFont typeface="Arial" panose="020B0604020202020204" pitchFamily="34" charset="0"/>
+        <a:buChar char="•"/>
+        <a:defRPr sz="1800" kern="1200">
+          <a:solidFill>
+            <a:schemeClr val="tx1"/>
+          </a:solidFill>
+          <a:latin typeface="+mn-lt"/>
+          <a:ea typeface="+mn-ea"/>
+          <a:cs typeface="+mn-cs"/>
+        </a:defRPr>
+      </a:lvl8pPr>
+      <a:lvl9pPr marL="3886200" indent="-228600" algn="l" defTabSz="914400" rtl="0" eaLnBrk="1" latinLnBrk="0" hangingPunct="1">
+        <a:lnSpc>
+          <a:spcPct val="90000"/>
+        </a:lnSpc>
+        <a:spcBef>
+          <a:spcPts val="500"/>
+        </a:spcBef>
+        <a:buFont typeface="Arial" panose="020B0604020202020204" pitchFamily="34" charset="0"/>
+        <a:buChar char="•"/>
+        <a:defRPr sz="1800" kern="1200">
+          <a:solidFill>
+            <a:schemeClr val="tx1"/>
+          </a:solidFill>
+          <a:latin typeface="+mn-lt"/>
+          <a:ea typeface="+mn-ea"/>
+          <a:cs typeface="+mn-cs"/>
+        </a:defRPr>
+      </a:lvl9pPr>
+    </p:bodyStyle>
+    <p:otherStyle>
+      <a:defPPr>
+        <a:defRPr lang="de-DE"/>
+      </a:defPPr>
+      <a:lvl1pPr marL="0" algn="l" defTabSz="914400" rtl="0" eaLnBrk="1" latinLnBrk="0" hangingPunct="1">
+        <a:defRPr sz="1800" kern="1200">
+          <a:solidFill>
+            <a:schemeClr val="tx1"/>
+          </a:solidFill>
+          <a:latin typeface="+mn-lt"/>
+          <a:ea typeface="+mn-ea"/>
+          <a:cs typeface="+mn-cs"/>
+        </a:defRPr>
+      </a:lvl1pPr>
+      <a:lvl2pPr marL="457200" algn="l" defTabSz="914400" rtl="0" eaLnBrk="1" latinLnBrk="0" hangingPunct="1">
+        <a:defRPr sz="1800" kern="1200">
+          <a:solidFill>
+            <a:schemeClr val="tx1"/>
+          </a:solidFill>
+          <a:latin typeface="+mn-lt"/>
+          <a:ea typeface="+mn-ea"/>
+          <a:cs typeface="+mn-cs"/>
+        </a:defRPr>
+      </a:lvl2pPr>
+      <a:lvl3pPr marL="914400" algn="l" defTabSz="914400" rtl="0" eaLnBrk="1" latinLnBrk="0" hangingPunct="1">
+        <a:defRPr sz="1800" kern="1200">
+          <a:solidFill>
+            <a:schemeClr val="tx1"/>
+          </a:solidFill>
+          <a:latin typeface="+mn-lt"/>
+          <a:ea typeface="+mn-ea"/>
+          <a:cs typeface="+mn-cs"/>
+        </a:defRPr>
+      </a:lvl3pPr>
+      <a:lvl4pPr marL="1371600" algn="l" defTabSz="914400" rtl="0" eaLnBrk="1" latinLnBrk="0" hangingPunct="1">
+        <a:defRPr sz="1800" kern="1200">
+          <a:solidFill>
+            <a:schemeClr val="tx1"/>
+          </a:solidFill>
+          <a:latin typeface="+mn-lt"/>
+          <a:ea typeface="+mn-ea"/>
+          <a:cs typeface="+mn-cs"/>
+        </a:defRPr>
+      </a:lvl4pPr>
+      <a:lvl5pPr marL="1828800" algn="l" defTabSz="914400" rtl="0" eaLnBrk="1" latinLnBrk="0" hangingPunct="1">
+        <a:defRPr sz="1800" kern="1200">
+          <a:solidFill>
+            <a:schemeClr val="tx1"/>
+          </a:solidFill>
+          <a:latin typeface="+mn-lt"/>
+          <a:ea typeface="+mn-ea"/>
+          <a:cs typeface="+mn-cs"/>
+        </a:defRPr>
+      </a:lvl5pPr>
+      <a:lvl6pPr marL="2286000" algn="l" defTabSz="914400" rtl="0" eaLnBrk="1" latinLnBrk="0" hangingPunct="1">
+        <a:defRPr sz="1800" kern="1200">
+          <a:solidFill>
+            <a:schemeClr val="tx1"/>
+          </a:solidFill>
+          <a:latin typeface="+mn-lt"/>
+          <a:ea typeface="+mn-ea"/>
+          <a:cs typeface="+mn-cs"/>
+        </a:defRPr>
+      </a:lvl6pPr>
+      <a:lvl7pPr marL="2743200" algn="l" defTabSz="914400" rtl="0" eaLnBrk="1" latinLnBrk="0" hangingPunct="1">
+        <a:defRPr sz="1800" kern="1200">
+          <a:solidFill>
+            <a:schemeClr val="tx1"/>
+          </a:solidFill>
+          <a:latin typeface="+mn-lt"/>
+          <a:ea typeface="+mn-ea"/>
+          <a:cs typeface="+mn-cs"/>
+        </a:defRPr>
+      </a:lvl7pPr>
+      <a:lvl8pPr marL="3200400" algn="l" defTabSz="914400" rtl="0" eaLnBrk="1" latinLnBrk="0" hangingPunct="1">
+        <a:defRPr sz="1800" kern="1200">
+          <a:solidFill>
+            <a:schemeClr val="tx1"/>
+          </a:solidFill>
+          <a:latin typeface="+mn-lt"/>
+          <a:ea typeface="+mn-ea"/>
+          <a:cs typeface="+mn-cs"/>
+        </a:defRPr>
+      </a:lvl8pPr>
+      <a:lvl9pPr marL="3657600" algn="l" defTabSz="914400" rtl="0" eaLnBrk="1" latinLnBrk="0" hangingPunct="1">
+        <a:defRPr sz="1800" kern="1200">
+          <a:solidFill>
+            <a:schemeClr val="tx1"/>
+          </a:solidFill>
+          <a:latin typeface="+mn-lt"/>
+          <a:ea typeface="+mn-ea"/>
+          <a:cs typeface="+mn-cs"/>
+        </a:defRPr>
+      </a:lvl9pPr>
+    </p:otherStyle>
+  </p:txStyles>
 </p:sldMaster>
 </file>
 
 <file path=ppt/slideMasters/slideMaster2.xml><?xml version="1.0" encoding="utf-8"?>
-<p:sldMaster xmlns:a="http://schemas.openxmlformats.org/drawingml/2006/main" xmlns:p="http://schemas.openxmlformats.org/presentationml/2006/main" xmlns:r="http://schemas.openxmlformats.org/officeDocument/2006/relationships" xmlns:p14="http://schemas.microsoft.com/office/powerpoint/2010/main" xmlns:p15="http://schemas.microsoft.com/office/powerpoint/2012/main" xmlns:mc="http://schemas.openxmlformats.org/markup-compatibility/2006">
+<p:sldMaster xmlns:a="http://schemas.openxmlformats.org/drawingml/2006/main" xmlns:r="http://schemas.openxmlformats.org/officeDocument/2006/relationships" xmlns:p="http://schemas.openxmlformats.org/presentationml/2006/main">
   <p:cSld>
     <p:bg>
       <p:bgPr>
         <a:solidFill>
-          <a:srgbClr val="ffffff"/>
+          <a:srgbClr val="FFFFFF"/>
         </a:solidFill>
+        <a:effectLst/>
       </p:bgPr>
     </p:bg>
     <p:spTree>
@@ -4536,6 +4904,7 @@
         </p:spPr>
         <p:txBody>
           <a:bodyPr anchor="ctr"/>
+          <a:lstStyle/>
           <a:p>
             <a:pPr>
               <a:lnSpc>
@@ -4543,26 +4912,26 @@
               </a:lnSpc>
             </a:pPr>
             <a:r>
-              <a:rPr b="0" lang="de-DE" sz="4400" spc="-1" strike="noStrike">
+              <a:rPr lang="de-DE" sz="4400" b="0" strike="noStrike" spc="-1">
                 <a:solidFill>
                   <a:srgbClr val="000000"/>
                 </a:solidFill>
                 <a:uFill>
                   <a:solidFill>
-                    <a:srgbClr val="ffffff"/>
+                    <a:srgbClr val="FFFFFF"/>
                   </a:solidFill>
                 </a:uFill>
                 <a:latin typeface="Calibri Light"/>
               </a:rPr>
               <a:t>Образец заголовка</a:t>
             </a:r>
-            <a:endParaRPr b="0" lang="de-DE" sz="1800" spc="-1" strike="noStrike">
-              <a:solidFill>
-                <a:srgbClr val="000000"/>
-              </a:solidFill>
-              <a:uFill>
-                <a:solidFill>
-                  <a:srgbClr val="ffffff"/>
+            <a:endParaRPr lang="de-DE" sz="1800" b="0" strike="noStrike" spc="-1">
+              <a:solidFill>
+                <a:srgbClr val="000000"/>
+              </a:solidFill>
+              <a:uFill>
+                <a:solidFill>
+                  <a:srgbClr val="FFFFFF"/>
                 </a:solidFill>
               </a:uFill>
               <a:latin typeface="Calibri"/>
@@ -4591,6 +4960,7 @@
         </p:spPr>
         <p:txBody>
           <a:bodyPr/>
+          <a:lstStyle/>
           <a:p>
             <a:pPr marL="432000" indent="-324000">
               <a:buClr>
@@ -4601,33 +4971,22 @@
               <a:buChar char=""/>
             </a:pPr>
             <a:r>
-              <a:rPr b="0" lang="de-DE" sz="2800" spc="-1" strike="noStrike">
+              <a:rPr lang="de-DE" sz="2800" b="0" strike="noStrike" spc="-1">
                 <a:solidFill>
                   <a:srgbClr val="000000"/>
                 </a:solidFill>
                 <a:uFill>
                   <a:solidFill>
-                    <a:srgbClr val="ffffff"/>
+                    <a:srgbClr val="FFFFFF"/>
                   </a:solidFill>
                 </a:uFill>
                 <a:latin typeface="Calibri"/>
               </a:rPr>
               <a:t>Click to edit the outline text format</a:t>
             </a:r>
-            <a:endParaRPr b="0" lang="de-DE" sz="2800" spc="-1" strike="noStrike">
-              <a:solidFill>
-                <a:srgbClr val="000000"/>
-              </a:solidFill>
-              <a:uFill>
-                <a:solidFill>
-                  <a:srgbClr val="ffffff"/>
-                </a:solidFill>
-              </a:uFill>
-              <a:latin typeface="Calibri"/>
-            </a:endParaRPr>
-          </a:p>
-          <a:p>
-            <a:pPr lvl="1" marL="864000" indent="-324000">
+          </a:p>
+          <a:p>
+            <a:pPr marL="864000" lvl="1" indent="-324000">
               <a:buClr>
                 <a:srgbClr val="000000"/>
               </a:buClr>
@@ -4636,33 +4995,22 @@
               <a:buChar char=""/>
             </a:pPr>
             <a:r>
-              <a:rPr b="0" lang="de-DE" sz="2800" spc="-1" strike="noStrike">
+              <a:rPr lang="de-DE" sz="2800" b="0" strike="noStrike" spc="-1">
                 <a:solidFill>
                   <a:srgbClr val="000000"/>
                 </a:solidFill>
                 <a:uFill>
                   <a:solidFill>
-                    <a:srgbClr val="ffffff"/>
+                    <a:srgbClr val="FFFFFF"/>
                   </a:solidFill>
                 </a:uFill>
                 <a:latin typeface="Calibri"/>
               </a:rPr>
               <a:t>Second Outline Level</a:t>
             </a:r>
-            <a:endParaRPr b="0" lang="de-DE" sz="2800" spc="-1" strike="noStrike">
-              <a:solidFill>
-                <a:srgbClr val="000000"/>
-              </a:solidFill>
-              <a:uFill>
-                <a:solidFill>
-                  <a:srgbClr val="ffffff"/>
-                </a:solidFill>
-              </a:uFill>
-              <a:latin typeface="Calibri"/>
-            </a:endParaRPr>
-          </a:p>
-          <a:p>
-            <a:pPr lvl="2" marL="1296000" indent="-288000">
+          </a:p>
+          <a:p>
+            <a:pPr marL="1296000" lvl="2" indent="-288000">
               <a:buClr>
                 <a:srgbClr val="000000"/>
               </a:buClr>
@@ -4671,33 +5019,22 @@
               <a:buChar char=""/>
             </a:pPr>
             <a:r>
-              <a:rPr b="0" lang="de-DE" sz="2800" spc="-1" strike="noStrike">
+              <a:rPr lang="de-DE" sz="2800" b="0" strike="noStrike" spc="-1">
                 <a:solidFill>
                   <a:srgbClr val="000000"/>
                 </a:solidFill>
                 <a:uFill>
                   <a:solidFill>
-                    <a:srgbClr val="ffffff"/>
+                    <a:srgbClr val="FFFFFF"/>
                   </a:solidFill>
                 </a:uFill>
                 <a:latin typeface="Calibri"/>
               </a:rPr>
               <a:t>Third Outline Level</a:t>
             </a:r>
-            <a:endParaRPr b="0" lang="de-DE" sz="2800" spc="-1" strike="noStrike">
-              <a:solidFill>
-                <a:srgbClr val="000000"/>
-              </a:solidFill>
-              <a:uFill>
-                <a:solidFill>
-                  <a:srgbClr val="ffffff"/>
-                </a:solidFill>
-              </a:uFill>
-              <a:latin typeface="Calibri"/>
-            </a:endParaRPr>
-          </a:p>
-          <a:p>
-            <a:pPr lvl="3" marL="1728000" indent="-216000">
+          </a:p>
+          <a:p>
+            <a:pPr marL="1728000" lvl="3" indent="-216000">
               <a:buClr>
                 <a:srgbClr val="000000"/>
               </a:buClr>
@@ -4706,33 +5043,22 @@
               <a:buChar char=""/>
             </a:pPr>
             <a:r>
-              <a:rPr b="0" lang="de-DE" sz="2800" spc="-1" strike="noStrike">
+              <a:rPr lang="de-DE" sz="2800" b="0" strike="noStrike" spc="-1">
                 <a:solidFill>
                   <a:srgbClr val="000000"/>
                 </a:solidFill>
                 <a:uFill>
                   <a:solidFill>
-                    <a:srgbClr val="ffffff"/>
+                    <a:srgbClr val="FFFFFF"/>
                   </a:solidFill>
                 </a:uFill>
                 <a:latin typeface="Calibri"/>
               </a:rPr>
               <a:t>Fourth Outline Level</a:t>
             </a:r>
-            <a:endParaRPr b="0" lang="de-DE" sz="2800" spc="-1" strike="noStrike">
-              <a:solidFill>
-                <a:srgbClr val="000000"/>
-              </a:solidFill>
-              <a:uFill>
-                <a:solidFill>
-                  <a:srgbClr val="ffffff"/>
-                </a:solidFill>
-              </a:uFill>
-              <a:latin typeface="Calibri"/>
-            </a:endParaRPr>
-          </a:p>
-          <a:p>
-            <a:pPr lvl="4" marL="2160000" indent="-216000">
+          </a:p>
+          <a:p>
+            <a:pPr marL="2160000" lvl="4" indent="-216000">
               <a:buClr>
                 <a:srgbClr val="000000"/>
               </a:buClr>
@@ -4741,33 +5067,22 @@
               <a:buChar char=""/>
             </a:pPr>
             <a:r>
-              <a:rPr b="0" lang="de-DE" sz="2800" spc="-1" strike="noStrike">
+              <a:rPr lang="de-DE" sz="2800" b="0" strike="noStrike" spc="-1">
                 <a:solidFill>
                   <a:srgbClr val="000000"/>
                 </a:solidFill>
                 <a:uFill>
                   <a:solidFill>
-                    <a:srgbClr val="ffffff"/>
+                    <a:srgbClr val="FFFFFF"/>
                   </a:solidFill>
                 </a:uFill>
                 <a:latin typeface="Calibri"/>
               </a:rPr>
               <a:t>Fifth Outline Level</a:t>
             </a:r>
-            <a:endParaRPr b="0" lang="de-DE" sz="2800" spc="-1" strike="noStrike">
-              <a:solidFill>
-                <a:srgbClr val="000000"/>
-              </a:solidFill>
-              <a:uFill>
-                <a:solidFill>
-                  <a:srgbClr val="ffffff"/>
-                </a:solidFill>
-              </a:uFill>
-              <a:latin typeface="Calibri"/>
-            </a:endParaRPr>
-          </a:p>
-          <a:p>
-            <a:pPr lvl="5" marL="2592000" indent="-216000">
+          </a:p>
+          <a:p>
+            <a:pPr marL="2592000" lvl="5" indent="-216000">
               <a:buClr>
                 <a:srgbClr val="000000"/>
               </a:buClr>
@@ -4776,30 +5091,19 @@
               <a:buChar char=""/>
             </a:pPr>
             <a:r>
-              <a:rPr b="0" lang="de-DE" sz="2800" spc="-1" strike="noStrike">
+              <a:rPr lang="de-DE" sz="2800" b="0" strike="noStrike" spc="-1">
                 <a:solidFill>
                   <a:srgbClr val="000000"/>
                 </a:solidFill>
                 <a:uFill>
                   <a:solidFill>
-                    <a:srgbClr val="ffffff"/>
+                    <a:srgbClr val="FFFFFF"/>
                   </a:solidFill>
                 </a:uFill>
                 <a:latin typeface="Calibri"/>
               </a:rPr>
               <a:t>Sixth Outline Level</a:t>
             </a:r>
-            <a:endParaRPr b="0" lang="de-DE" sz="2800" spc="-1" strike="noStrike">
-              <a:solidFill>
-                <a:srgbClr val="000000"/>
-              </a:solidFill>
-              <a:uFill>
-                <a:solidFill>
-                  <a:srgbClr val="ffffff"/>
-                </a:solidFill>
-              </a:uFill>
-              <a:latin typeface="Calibri"/>
-            </a:endParaRPr>
           </a:p>
           <a:p>
             <a:pPr marL="228600" indent="-228240">
@@ -4813,33 +5117,22 @@
               <a:buChar char="•"/>
             </a:pPr>
             <a:r>
-              <a:rPr b="0" lang="de-DE" sz="2800" spc="-1" strike="noStrike">
+              <a:rPr lang="de-DE" sz="2800" b="0" strike="noStrike" spc="-1">
                 <a:solidFill>
                   <a:srgbClr val="000000"/>
                 </a:solidFill>
                 <a:uFill>
                   <a:solidFill>
-                    <a:srgbClr val="ffffff"/>
+                    <a:srgbClr val="FFFFFF"/>
                   </a:solidFill>
                 </a:uFill>
                 <a:latin typeface="Calibri"/>
               </a:rPr>
               <a:t>Seventh Outline LevelОбразец текста</a:t>
             </a:r>
-            <a:endParaRPr b="0" lang="de-DE" sz="2800" spc="-1" strike="noStrike">
-              <a:solidFill>
-                <a:srgbClr val="000000"/>
-              </a:solidFill>
-              <a:uFill>
-                <a:solidFill>
-                  <a:srgbClr val="ffffff"/>
-                </a:solidFill>
-              </a:uFill>
-              <a:latin typeface="Calibri"/>
-            </a:endParaRPr>
-          </a:p>
-          <a:p>
-            <a:pPr lvl="1" marL="685800" indent="-228240">
+          </a:p>
+          <a:p>
+            <a:pPr marL="685800" lvl="1" indent="-228240">
               <a:lnSpc>
                 <a:spcPct val="100000"/>
               </a:lnSpc>
@@ -4850,33 +5143,33 @@
               <a:buChar char="•"/>
             </a:pPr>
             <a:r>
-              <a:rPr b="0" lang="de-DE" sz="2400" spc="-1" strike="noStrike">
+              <a:rPr lang="de-DE" sz="2400" b="0" strike="noStrike" spc="-1">
                 <a:solidFill>
                   <a:srgbClr val="000000"/>
                 </a:solidFill>
                 <a:uFill>
                   <a:solidFill>
-                    <a:srgbClr val="ffffff"/>
+                    <a:srgbClr val="FFFFFF"/>
                   </a:solidFill>
                 </a:uFill>
                 <a:latin typeface="Calibri"/>
               </a:rPr>
               <a:t>Второй уровень</a:t>
             </a:r>
-            <a:endParaRPr b="0" lang="de-DE" sz="2800" spc="-1" strike="noStrike">
-              <a:solidFill>
-                <a:srgbClr val="000000"/>
-              </a:solidFill>
-              <a:uFill>
-                <a:solidFill>
-                  <a:srgbClr val="ffffff"/>
-                </a:solidFill>
-              </a:uFill>
-              <a:latin typeface="Calibri"/>
-            </a:endParaRPr>
-          </a:p>
-          <a:p>
-            <a:pPr lvl="2" marL="1143000" indent="-228240">
+            <a:endParaRPr lang="de-DE" sz="2800" b="0" strike="noStrike" spc="-1">
+              <a:solidFill>
+                <a:srgbClr val="000000"/>
+              </a:solidFill>
+              <a:uFill>
+                <a:solidFill>
+                  <a:srgbClr val="FFFFFF"/>
+                </a:solidFill>
+              </a:uFill>
+              <a:latin typeface="Calibri"/>
+            </a:endParaRPr>
+          </a:p>
+          <a:p>
+            <a:pPr marL="1143000" lvl="2" indent="-228240">
               <a:lnSpc>
                 <a:spcPct val="100000"/>
               </a:lnSpc>
@@ -4887,33 +5180,33 @@
               <a:buChar char="•"/>
             </a:pPr>
             <a:r>
-              <a:rPr b="0" lang="de-DE" sz="2000" spc="-1" strike="noStrike">
+              <a:rPr lang="de-DE" sz="2000" b="0" strike="noStrike" spc="-1">
                 <a:solidFill>
                   <a:srgbClr val="000000"/>
                 </a:solidFill>
                 <a:uFill>
                   <a:solidFill>
-                    <a:srgbClr val="ffffff"/>
+                    <a:srgbClr val="FFFFFF"/>
                   </a:solidFill>
                 </a:uFill>
                 <a:latin typeface="Calibri"/>
               </a:rPr>
               <a:t>Третий уровень</a:t>
             </a:r>
-            <a:endParaRPr b="0" lang="de-DE" sz="2800" spc="-1" strike="noStrike">
-              <a:solidFill>
-                <a:srgbClr val="000000"/>
-              </a:solidFill>
-              <a:uFill>
-                <a:solidFill>
-                  <a:srgbClr val="ffffff"/>
-                </a:solidFill>
-              </a:uFill>
-              <a:latin typeface="Calibri"/>
-            </a:endParaRPr>
-          </a:p>
-          <a:p>
-            <a:pPr lvl="3" marL="1600200" indent="-228240">
+            <a:endParaRPr lang="de-DE" sz="2800" b="0" strike="noStrike" spc="-1">
+              <a:solidFill>
+                <a:srgbClr val="000000"/>
+              </a:solidFill>
+              <a:uFill>
+                <a:solidFill>
+                  <a:srgbClr val="FFFFFF"/>
+                </a:solidFill>
+              </a:uFill>
+              <a:latin typeface="Calibri"/>
+            </a:endParaRPr>
+          </a:p>
+          <a:p>
+            <a:pPr marL="1600200" lvl="3" indent="-228240">
               <a:lnSpc>
                 <a:spcPct val="100000"/>
               </a:lnSpc>
@@ -4924,33 +5217,33 @@
               <a:buChar char="•"/>
             </a:pPr>
             <a:r>
-              <a:rPr b="0" lang="de-DE" sz="1800" spc="-1" strike="noStrike">
+              <a:rPr lang="de-DE" sz="1800" b="0" strike="noStrike" spc="-1">
                 <a:solidFill>
                   <a:srgbClr val="000000"/>
                 </a:solidFill>
                 <a:uFill>
                   <a:solidFill>
-                    <a:srgbClr val="ffffff"/>
+                    <a:srgbClr val="FFFFFF"/>
                   </a:solidFill>
                 </a:uFill>
                 <a:latin typeface="Calibri"/>
               </a:rPr>
               <a:t>Четвертый уровень</a:t>
             </a:r>
-            <a:endParaRPr b="0" lang="de-DE" sz="2800" spc="-1" strike="noStrike">
-              <a:solidFill>
-                <a:srgbClr val="000000"/>
-              </a:solidFill>
-              <a:uFill>
-                <a:solidFill>
-                  <a:srgbClr val="ffffff"/>
-                </a:solidFill>
-              </a:uFill>
-              <a:latin typeface="Calibri"/>
-            </a:endParaRPr>
-          </a:p>
-          <a:p>
-            <a:pPr lvl="4" marL="2057400" indent="-228240">
+            <a:endParaRPr lang="de-DE" sz="2800" b="0" strike="noStrike" spc="-1">
+              <a:solidFill>
+                <a:srgbClr val="000000"/>
+              </a:solidFill>
+              <a:uFill>
+                <a:solidFill>
+                  <a:srgbClr val="FFFFFF"/>
+                </a:solidFill>
+              </a:uFill>
+              <a:latin typeface="Calibri"/>
+            </a:endParaRPr>
+          </a:p>
+          <a:p>
+            <a:pPr marL="2057400" lvl="4" indent="-228240">
               <a:lnSpc>
                 <a:spcPct val="100000"/>
               </a:lnSpc>
@@ -4961,26 +5254,26 @@
               <a:buChar char="•"/>
             </a:pPr>
             <a:r>
-              <a:rPr b="0" lang="de-DE" sz="1800" spc="-1" strike="noStrike">
+              <a:rPr lang="de-DE" sz="1800" b="0" strike="noStrike" spc="-1">
                 <a:solidFill>
                   <a:srgbClr val="000000"/>
                 </a:solidFill>
                 <a:uFill>
                   <a:solidFill>
-                    <a:srgbClr val="ffffff"/>
+                    <a:srgbClr val="FFFFFF"/>
                   </a:solidFill>
                 </a:uFill>
                 <a:latin typeface="Calibri"/>
               </a:rPr>
               <a:t>Пятый уровень</a:t>
             </a:r>
-            <a:endParaRPr b="0" lang="de-DE" sz="2800" spc="-1" strike="noStrike">
-              <a:solidFill>
-                <a:srgbClr val="000000"/>
-              </a:solidFill>
-              <a:uFill>
-                <a:solidFill>
-                  <a:srgbClr val="ffffff"/>
+            <a:endParaRPr lang="de-DE" sz="2800" b="0" strike="noStrike" spc="-1">
+              <a:solidFill>
+                <a:srgbClr val="000000"/>
+              </a:solidFill>
+              <a:uFill>
+                <a:solidFill>
+                  <a:srgbClr val="FFFFFF"/>
                 </a:solidFill>
               </a:uFill>
               <a:latin typeface="Calibri"/>
@@ -5009,6 +5302,7 @@
         </p:spPr>
         <p:txBody>
           <a:bodyPr anchor="ctr"/>
+          <a:lstStyle/>
           <a:p>
             <a:pPr>
               <a:lnSpc>
@@ -5016,26 +5310,26 @@
               </a:lnSpc>
             </a:pPr>
             <a:r>
-              <a:rPr b="0" lang="en-GB" sz="1200" spc="-1" strike="noStrike">
-                <a:solidFill>
-                  <a:srgbClr val="8b8b8b"/>
+              <a:rPr lang="en-GB" sz="1200" b="0" strike="noStrike" spc="-1">
+                <a:solidFill>
+                  <a:srgbClr val="8B8B8B"/>
                 </a:solidFill>
                 <a:uFill>
                   <a:solidFill>
-                    <a:srgbClr val="ffffff"/>
+                    <a:srgbClr val="FFFFFF"/>
                   </a:solidFill>
                 </a:uFill>
                 <a:latin typeface="Calibri"/>
               </a:rPr>
               <a:t>25/01/18</a:t>
             </a:r>
-            <a:endParaRPr b="0" lang="en-GB" sz="1400" spc="-1" strike="noStrike">
-              <a:solidFill>
-                <a:srgbClr val="000000"/>
-              </a:solidFill>
-              <a:uFill>
-                <a:solidFill>
-                  <a:srgbClr val="ffffff"/>
+            <a:endParaRPr lang="en-GB" sz="1400" b="0" strike="noStrike" spc="-1">
+              <a:solidFill>
+                <a:srgbClr val="000000"/>
+              </a:solidFill>
+              <a:uFill>
+                <a:solidFill>
+                  <a:srgbClr val="FFFFFF"/>
                 </a:solidFill>
               </a:uFill>
               <a:latin typeface="Times New Roman"/>
@@ -5064,14 +5358,15 @@
         </p:spPr>
         <p:txBody>
           <a:bodyPr anchor="ctr"/>
-          <a:p>
-            <a:endParaRPr b="0" lang="en-GB" sz="2400" spc="-1" strike="noStrike">
-              <a:solidFill>
-                <a:srgbClr val="000000"/>
-              </a:solidFill>
-              <a:uFill>
-                <a:solidFill>
-                  <a:srgbClr val="ffffff"/>
+          <a:lstStyle/>
+          <a:p>
+            <a:endParaRPr lang="en-GB" sz="2400" b="0" strike="noStrike" spc="-1">
+              <a:solidFill>
+                <a:srgbClr val="000000"/>
+              </a:solidFill>
+              <a:uFill>
+                <a:solidFill>
+                  <a:srgbClr val="FFFFFF"/>
                 </a:solidFill>
               </a:uFill>
               <a:latin typeface="Times New Roman"/>
@@ -5100,6 +5395,7 @@
         </p:spPr>
         <p:txBody>
           <a:bodyPr anchor="ctr"/>
+          <a:lstStyle/>
           <a:p>
             <a:pPr algn="r">
               <a:lnSpc>
@@ -5107,26 +5403,26 @@
               </a:lnSpc>
             </a:pPr>
             <a:fld id="{F6A9E28F-05BB-4342-BEC5-5C0B3AE518A2}" type="slidenum">
-              <a:rPr b="0" lang="en-GB" sz="1200" spc="-1" strike="noStrike">
-                <a:solidFill>
-                  <a:srgbClr val="8b8b8b"/>
+              <a:rPr lang="en-GB" sz="1200" b="0" strike="noStrike" spc="-1">
+                <a:solidFill>
+                  <a:srgbClr val="8B8B8B"/>
                 </a:solidFill>
                 <a:uFill>
                   <a:solidFill>
-                    <a:srgbClr val="ffffff"/>
+                    <a:srgbClr val="FFFFFF"/>
                   </a:solidFill>
                 </a:uFill>
                 <a:latin typeface="Calibri"/>
               </a:rPr>
-              <a:t>&lt;number&gt;</a:t>
+              <a:t>‹Nr.›</a:t>
             </a:fld>
-            <a:endParaRPr b="0" lang="en-GB" sz="1400" spc="-1" strike="noStrike">
-              <a:solidFill>
-                <a:srgbClr val="000000"/>
-              </a:solidFill>
-              <a:uFill>
-                <a:solidFill>
-                  <a:srgbClr val="ffffff"/>
+            <a:endParaRPr lang="en-GB" sz="1400" b="0" strike="noStrike" spc="-1">
+              <a:solidFill>
+                <a:srgbClr val="000000"/>
+              </a:solidFill>
+              <a:uFill>
+                <a:solidFill>
+                  <a:srgbClr val="FFFFFF"/>
                 </a:solidFill>
               </a:uFill>
               <a:latin typeface="Times New Roman"/>
@@ -5136,35 +5432,316 @@
       </p:sp>
     </p:spTree>
   </p:cSld>
-  <p:clrMap bg1="lt1" bg2="lt2" tx1="dk1" tx2="dk2" accent1="accent1" accent2="accent2" accent3="accent3" accent4="accent4" accent5="accent5" accent6="accent6" hlink="hlink" folHlink="folHlink"/>
+  <p:clrMap bg1="lt1" tx1="dk1" bg2="lt2" tx2="dk2" accent1="accent1" accent2="accent2" accent3="accent3" accent4="accent4" accent5="accent5" accent6="accent6" hlink="hlink" folHlink="folHlink"/>
   <p:sldLayoutIdLst>
-    <p:sldLayoutId id="2147483662" r:id="rId2"/>
-    <p:sldLayoutId id="2147483663" r:id="rId3"/>
-    <p:sldLayoutId id="2147483664" r:id="rId4"/>
-    <p:sldLayoutId id="2147483665" r:id="rId5"/>
-    <p:sldLayoutId id="2147483666" r:id="rId6"/>
-    <p:sldLayoutId id="2147483667" r:id="rId7"/>
-    <p:sldLayoutId id="2147483668" r:id="rId8"/>
-    <p:sldLayoutId id="2147483669" r:id="rId9"/>
-    <p:sldLayoutId id="2147483670" r:id="rId10"/>
-    <p:sldLayoutId id="2147483671" r:id="rId11"/>
-    <p:sldLayoutId id="2147483672" r:id="rId12"/>
-    <p:sldLayoutId id="2147483673" r:id="rId13"/>
+    <p:sldLayoutId id="2147483662" r:id="rId1"/>
+    <p:sldLayoutId id="2147483663" r:id="rId2"/>
+    <p:sldLayoutId id="2147483664" r:id="rId3"/>
+    <p:sldLayoutId id="2147483665" r:id="rId4"/>
+    <p:sldLayoutId id="2147483666" r:id="rId5"/>
+    <p:sldLayoutId id="2147483667" r:id="rId6"/>
+    <p:sldLayoutId id="2147483668" r:id="rId7"/>
+    <p:sldLayoutId id="2147483669" r:id="rId8"/>
+    <p:sldLayoutId id="2147483670" r:id="rId9"/>
+    <p:sldLayoutId id="2147483671" r:id="rId10"/>
+    <p:sldLayoutId id="2147483672" r:id="rId11"/>
+    <p:sldLayoutId id="2147483673" r:id="rId12"/>
   </p:sldLayoutIdLst>
+  <p:txStyles>
+    <p:titleStyle>
+      <a:lvl1pPr algn="l" defTabSz="914400" rtl="0" eaLnBrk="1" latinLnBrk="0" hangingPunct="1">
+        <a:lnSpc>
+          <a:spcPct val="90000"/>
+        </a:lnSpc>
+        <a:spcBef>
+          <a:spcPct val="0"/>
+        </a:spcBef>
+        <a:buNone/>
+        <a:defRPr sz="4400" kern="1200">
+          <a:solidFill>
+            <a:schemeClr val="tx1"/>
+          </a:solidFill>
+          <a:latin typeface="+mj-lt"/>
+          <a:ea typeface="+mj-ea"/>
+          <a:cs typeface="+mj-cs"/>
+        </a:defRPr>
+      </a:lvl1pPr>
+    </p:titleStyle>
+    <p:bodyStyle>
+      <a:lvl1pPr marL="228600" indent="-228600" algn="l" defTabSz="914400" rtl="0" eaLnBrk="1" latinLnBrk="0" hangingPunct="1">
+        <a:lnSpc>
+          <a:spcPct val="90000"/>
+        </a:lnSpc>
+        <a:spcBef>
+          <a:spcPts val="1000"/>
+        </a:spcBef>
+        <a:buFont typeface="Arial" panose="020B0604020202020204" pitchFamily="34" charset="0"/>
+        <a:buChar char="•"/>
+        <a:defRPr sz="2800" kern="1200">
+          <a:solidFill>
+            <a:schemeClr val="tx1"/>
+          </a:solidFill>
+          <a:latin typeface="+mn-lt"/>
+          <a:ea typeface="+mn-ea"/>
+          <a:cs typeface="+mn-cs"/>
+        </a:defRPr>
+      </a:lvl1pPr>
+      <a:lvl2pPr marL="685800" indent="-228600" algn="l" defTabSz="914400" rtl="0" eaLnBrk="1" latinLnBrk="0" hangingPunct="1">
+        <a:lnSpc>
+          <a:spcPct val="90000"/>
+        </a:lnSpc>
+        <a:spcBef>
+          <a:spcPts val="500"/>
+        </a:spcBef>
+        <a:buFont typeface="Arial" panose="020B0604020202020204" pitchFamily="34" charset="0"/>
+        <a:buChar char="•"/>
+        <a:defRPr sz="2400" kern="1200">
+          <a:solidFill>
+            <a:schemeClr val="tx1"/>
+          </a:solidFill>
+          <a:latin typeface="+mn-lt"/>
+          <a:ea typeface="+mn-ea"/>
+          <a:cs typeface="+mn-cs"/>
+        </a:defRPr>
+      </a:lvl2pPr>
+      <a:lvl3pPr marL="1143000" indent="-228600" algn="l" defTabSz="914400" rtl="0" eaLnBrk="1" latinLnBrk="0" hangingPunct="1">
+        <a:lnSpc>
+          <a:spcPct val="90000"/>
+        </a:lnSpc>
+        <a:spcBef>
+          <a:spcPts val="500"/>
+        </a:spcBef>
+        <a:buFont typeface="Arial" panose="020B0604020202020204" pitchFamily="34" charset="0"/>
+        <a:buChar char="•"/>
+        <a:defRPr sz="2000" kern="1200">
+          <a:solidFill>
+            <a:schemeClr val="tx1"/>
+          </a:solidFill>
+          <a:latin typeface="+mn-lt"/>
+          <a:ea typeface="+mn-ea"/>
+          <a:cs typeface="+mn-cs"/>
+        </a:defRPr>
+      </a:lvl3pPr>
+      <a:lvl4pPr marL="1600200" indent="-228600" algn="l" defTabSz="914400" rtl="0" eaLnBrk="1" latinLnBrk="0" hangingPunct="1">
+        <a:lnSpc>
+          <a:spcPct val="90000"/>
+        </a:lnSpc>
+        <a:spcBef>
+          <a:spcPts val="500"/>
+        </a:spcBef>
+        <a:buFont typeface="Arial" panose="020B0604020202020204" pitchFamily="34" charset="0"/>
+        <a:buChar char="•"/>
+        <a:defRPr sz="1800" kern="1200">
+          <a:solidFill>
+            <a:schemeClr val="tx1"/>
+          </a:solidFill>
+          <a:latin typeface="+mn-lt"/>
+          <a:ea typeface="+mn-ea"/>
+          <a:cs typeface="+mn-cs"/>
+        </a:defRPr>
+      </a:lvl4pPr>
+      <a:lvl5pPr marL="2057400" indent="-228600" algn="l" defTabSz="914400" rtl="0" eaLnBrk="1" latinLnBrk="0" hangingPunct="1">
+        <a:lnSpc>
+          <a:spcPct val="90000"/>
+        </a:lnSpc>
+        <a:spcBef>
+          <a:spcPts val="500"/>
+        </a:spcBef>
+        <a:buFont typeface="Arial" panose="020B0604020202020204" pitchFamily="34" charset="0"/>
+        <a:buChar char="•"/>
+        <a:defRPr sz="1800" kern="1200">
+          <a:solidFill>
+            <a:schemeClr val="tx1"/>
+          </a:solidFill>
+          <a:latin typeface="+mn-lt"/>
+          <a:ea typeface="+mn-ea"/>
+          <a:cs typeface="+mn-cs"/>
+        </a:defRPr>
+      </a:lvl5pPr>
+      <a:lvl6pPr marL="2514600" indent="-228600" algn="l" defTabSz="914400" rtl="0" eaLnBrk="1" latinLnBrk="0" hangingPunct="1">
+        <a:lnSpc>
+          <a:spcPct val="90000"/>
+        </a:lnSpc>
+        <a:spcBef>
+          <a:spcPts val="500"/>
+        </a:spcBef>
+        <a:buFont typeface="Arial" panose="020B0604020202020204" pitchFamily="34" charset="0"/>
+        <a:buChar char="•"/>
+        <a:defRPr sz="1800" kern="1200">
+          <a:solidFill>
+            <a:schemeClr val="tx1"/>
+          </a:solidFill>
+          <a:latin typeface="+mn-lt"/>
+          <a:ea typeface="+mn-ea"/>
+          <a:cs typeface="+mn-cs"/>
+        </a:defRPr>
+      </a:lvl6pPr>
+      <a:lvl7pPr marL="2971800" indent="-228600" algn="l" defTabSz="914400" rtl="0" eaLnBrk="1" latinLnBrk="0" hangingPunct="1">
+        <a:lnSpc>
+          <a:spcPct val="90000"/>
+        </a:lnSpc>
+        <a:spcBef>
+          <a:spcPts val="500"/>
+        </a:spcBef>
+        <a:buFont typeface="Arial" panose="020B0604020202020204" pitchFamily="34" charset="0"/>
+        <a:buChar char="•"/>
+        <a:defRPr sz="1800" kern="1200">
+          <a:solidFill>
+            <a:schemeClr val="tx1"/>
+          </a:solidFill>
+          <a:latin typeface="+mn-lt"/>
+          <a:ea typeface="+mn-ea"/>
+          <a:cs typeface="+mn-cs"/>
+        </a:defRPr>
+      </a:lvl7pPr>
+      <a:lvl8pPr marL="3429000" indent="-228600" algn="l" defTabSz="914400" rtl="0" eaLnBrk="1" latinLnBrk="0" hangingPunct="1">
+        <a:lnSpc>
+          <a:spcPct val="90000"/>
+        </a:lnSpc>
+        <a:spcBef>
+          <a:spcPts val="500"/>
+        </a:spcBef>
+        <a:buFont typeface="Arial" panose="020B0604020202020204" pitchFamily="34" charset="0"/>
+        <a:buChar char="•"/>
+        <a:defRPr sz="1800" kern="1200">
+          <a:solidFill>
+            <a:schemeClr val="tx1"/>
+          </a:solidFill>
+          <a:latin typeface="+mn-lt"/>
+          <a:ea typeface="+mn-ea"/>
+          <a:cs typeface="+mn-cs"/>
+        </a:defRPr>
+      </a:lvl8pPr>
+      <a:lvl9pPr marL="3886200" indent="-228600" algn="l" defTabSz="914400" rtl="0" eaLnBrk="1" latinLnBrk="0" hangingPunct="1">
+        <a:lnSpc>
+          <a:spcPct val="90000"/>
+        </a:lnSpc>
+        <a:spcBef>
+          <a:spcPts val="500"/>
+        </a:spcBef>
+        <a:buFont typeface="Arial" panose="020B0604020202020204" pitchFamily="34" charset="0"/>
+        <a:buChar char="•"/>
+        <a:defRPr sz="1800" kern="1200">
+          <a:solidFill>
+            <a:schemeClr val="tx1"/>
+          </a:solidFill>
+          <a:latin typeface="+mn-lt"/>
+          <a:ea typeface="+mn-ea"/>
+          <a:cs typeface="+mn-cs"/>
+        </a:defRPr>
+      </a:lvl9pPr>
+    </p:bodyStyle>
+    <p:otherStyle>
+      <a:defPPr>
+        <a:defRPr lang="de-DE"/>
+      </a:defPPr>
+      <a:lvl1pPr marL="0" algn="l" defTabSz="914400" rtl="0" eaLnBrk="1" latinLnBrk="0" hangingPunct="1">
+        <a:defRPr sz="1800" kern="1200">
+          <a:solidFill>
+            <a:schemeClr val="tx1"/>
+          </a:solidFill>
+          <a:latin typeface="+mn-lt"/>
+          <a:ea typeface="+mn-ea"/>
+          <a:cs typeface="+mn-cs"/>
+        </a:defRPr>
+      </a:lvl1pPr>
+      <a:lvl2pPr marL="457200" algn="l" defTabSz="914400" rtl="0" eaLnBrk="1" latinLnBrk="0" hangingPunct="1">
+        <a:defRPr sz="1800" kern="1200">
+          <a:solidFill>
+            <a:schemeClr val="tx1"/>
+          </a:solidFill>
+          <a:latin typeface="+mn-lt"/>
+          <a:ea typeface="+mn-ea"/>
+          <a:cs typeface="+mn-cs"/>
+        </a:defRPr>
+      </a:lvl2pPr>
+      <a:lvl3pPr marL="914400" algn="l" defTabSz="914400" rtl="0" eaLnBrk="1" latinLnBrk="0" hangingPunct="1">
+        <a:defRPr sz="1800" kern="1200">
+          <a:solidFill>
+            <a:schemeClr val="tx1"/>
+          </a:solidFill>
+          <a:latin typeface="+mn-lt"/>
+          <a:ea typeface="+mn-ea"/>
+          <a:cs typeface="+mn-cs"/>
+        </a:defRPr>
+      </a:lvl3pPr>
+      <a:lvl4pPr marL="1371600" algn="l" defTabSz="914400" rtl="0" eaLnBrk="1" latinLnBrk="0" hangingPunct="1">
+        <a:defRPr sz="1800" kern="1200">
+          <a:solidFill>
+            <a:schemeClr val="tx1"/>
+          </a:solidFill>
+          <a:latin typeface="+mn-lt"/>
+          <a:ea typeface="+mn-ea"/>
+          <a:cs typeface="+mn-cs"/>
+        </a:defRPr>
+      </a:lvl4pPr>
+      <a:lvl5pPr marL="1828800" algn="l" defTabSz="914400" rtl="0" eaLnBrk="1" latinLnBrk="0" hangingPunct="1">
+        <a:defRPr sz="1800" kern="1200">
+          <a:solidFill>
+            <a:schemeClr val="tx1"/>
+          </a:solidFill>
+          <a:latin typeface="+mn-lt"/>
+          <a:ea typeface="+mn-ea"/>
+          <a:cs typeface="+mn-cs"/>
+        </a:defRPr>
+      </a:lvl5pPr>
+      <a:lvl6pPr marL="2286000" algn="l" defTabSz="914400" rtl="0" eaLnBrk="1" latinLnBrk="0" hangingPunct="1">
+        <a:defRPr sz="1800" kern="1200">
+          <a:solidFill>
+            <a:schemeClr val="tx1"/>
+          </a:solidFill>
+          <a:latin typeface="+mn-lt"/>
+          <a:ea typeface="+mn-ea"/>
+          <a:cs typeface="+mn-cs"/>
+        </a:defRPr>
+      </a:lvl6pPr>
+      <a:lvl7pPr marL="2743200" algn="l" defTabSz="914400" rtl="0" eaLnBrk="1" latinLnBrk="0" hangingPunct="1">
+        <a:defRPr sz="1800" kern="1200">
+          <a:solidFill>
+            <a:schemeClr val="tx1"/>
+          </a:solidFill>
+          <a:latin typeface="+mn-lt"/>
+          <a:ea typeface="+mn-ea"/>
+          <a:cs typeface="+mn-cs"/>
+        </a:defRPr>
+      </a:lvl7pPr>
+      <a:lvl8pPr marL="3200400" algn="l" defTabSz="914400" rtl="0" eaLnBrk="1" latinLnBrk="0" hangingPunct="1">
+        <a:defRPr sz="1800" kern="1200">
+          <a:solidFill>
+            <a:schemeClr val="tx1"/>
+          </a:solidFill>
+          <a:latin typeface="+mn-lt"/>
+          <a:ea typeface="+mn-ea"/>
+          <a:cs typeface="+mn-cs"/>
+        </a:defRPr>
+      </a:lvl8pPr>
+      <a:lvl9pPr marL="3657600" algn="l" defTabSz="914400" rtl="0" eaLnBrk="1" latinLnBrk="0" hangingPunct="1">
+        <a:defRPr sz="1800" kern="1200">
+          <a:solidFill>
+            <a:schemeClr val="tx1"/>
+          </a:solidFill>
+          <a:latin typeface="+mn-lt"/>
+          <a:ea typeface="+mn-ea"/>
+          <a:cs typeface="+mn-cs"/>
+        </a:defRPr>
+      </a:lvl9pPr>
+    </p:otherStyle>
+  </p:txStyles>
 </p:sldMaster>
 </file>
 
 <file path=ppt/slides/slide1.xml><?xml version="1.0" encoding="utf-8"?>
-<p:sld xmlns:a="http://schemas.openxmlformats.org/drawingml/2006/main" xmlns:p="http://schemas.openxmlformats.org/presentationml/2006/main" xmlns:r="http://schemas.openxmlformats.org/officeDocument/2006/relationships" xmlns:p14="http://schemas.microsoft.com/office/powerpoint/2010/main" xmlns:p15="http://schemas.microsoft.com/office/powerpoint/2012/main" xmlns:mc="http://schemas.openxmlformats.org/markup-compatibility/2006">
+<p:sld xmlns:a="http://schemas.openxmlformats.org/drawingml/2006/main" xmlns:r="http://schemas.openxmlformats.org/officeDocument/2006/relationships" xmlns:p="http://schemas.openxmlformats.org/presentationml/2006/main">
   <p:cSld>
     <p:bg>
       <p:bgPr>
         <a:blipFill>
-          <a:blip r:embed="rId1"/>
+          <a:blip r:embed="rId2"/>
           <a:stretch>
             <a:fillRect/>
           </a:stretch>
         </a:blipFill>
+        <a:effectLst/>
       </p:bgPr>
     </p:bg>
     <p:spTree>
@@ -5202,6 +5779,7 @@
         </p:spPr>
         <p:txBody>
           <a:bodyPr anchor="b"/>
+          <a:lstStyle/>
           <a:p>
             <a:pPr algn="ctr">
               <a:lnSpc>
@@ -5209,26 +5787,26 @@
               </a:lnSpc>
             </a:pPr>
             <a:r>
-              <a:rPr b="1" lang="de-DE" sz="5600" spc="-1" strike="noStrike">
-                <a:solidFill>
-                  <a:srgbClr val="ffffff"/>
+              <a:rPr lang="de-DE" sz="5600" b="1" strike="noStrike" spc="-1">
+                <a:solidFill>
+                  <a:srgbClr val="FFFFFF"/>
                 </a:solidFill>
                 <a:uFill>
                   <a:solidFill>
-                    <a:srgbClr val="ffffff"/>
+                    <a:srgbClr val="FFFFFF"/>
                   </a:solidFill>
                 </a:uFill>
                 <a:latin typeface="BankGothic Lt BT"/>
               </a:rPr>
               <a:t>Visualizing 1 billion stars </a:t>
             </a:r>
-            <a:endParaRPr b="0" lang="de-DE" sz="1800" spc="-1" strike="noStrike">
-              <a:solidFill>
-                <a:srgbClr val="000000"/>
-              </a:solidFill>
-              <a:uFill>
-                <a:solidFill>
-                  <a:srgbClr val="ffffff"/>
+            <a:endParaRPr lang="de-DE" sz="1800" b="0" strike="noStrike" spc="-1">
+              <a:solidFill>
+                <a:srgbClr val="000000"/>
+              </a:solidFill>
+              <a:uFill>
+                <a:solidFill>
+                  <a:srgbClr val="FFFFFF"/>
                 </a:solidFill>
               </a:uFill>
               <a:latin typeface="Calibri"/>
@@ -5238,6 +5816,9 @@
       </p:sp>
     </p:spTree>
   </p:cSld>
+  <p:clrMapOvr>
+    <a:masterClrMapping/>
+  </p:clrMapOvr>
   <p:timing>
     <p:tnLst>
       <p:par>
@@ -5246,14 +5827,14 @@
             <p:seq>
               <p:cTn id="2" nodeType="mainSeq"/>
               <p:prevCondLst>
-                <p:cond delay="0" evt="onPrev">
+                <p:cond evt="onPrev" delay="0">
                   <p:tgtEl>
                     <p:sldTgt/>
                   </p:tgtEl>
                 </p:cond>
               </p:prevCondLst>
               <p:nextCondLst>
-                <p:cond delay="0" evt="onNext">
+                <p:cond evt="onNext" delay="0">
                   <p:tgtEl>
                     <p:sldTgt/>
                   </p:tgtEl>
@@ -5269,13 +5850,14 @@
 </file>
 
 <file path=ppt/slides/slide10.xml><?xml version="1.0" encoding="utf-8"?>
-<p:sld xmlns:a="http://schemas.openxmlformats.org/drawingml/2006/main" xmlns:p="http://schemas.openxmlformats.org/presentationml/2006/main" xmlns:r="http://schemas.openxmlformats.org/officeDocument/2006/relationships" xmlns:p14="http://schemas.microsoft.com/office/powerpoint/2010/main" xmlns:p15="http://schemas.microsoft.com/office/powerpoint/2012/main" xmlns:mc="http://schemas.openxmlformats.org/markup-compatibility/2006">
+<p:sld xmlns:a="http://schemas.openxmlformats.org/drawingml/2006/main" xmlns:r="http://schemas.openxmlformats.org/officeDocument/2006/relationships" xmlns:p="http://schemas.openxmlformats.org/presentationml/2006/main">
   <p:cSld>
     <p:bg>
       <p:bgPr>
         <a:solidFill>
-          <a:srgbClr val="ffffff"/>
+          <a:srgbClr val="FFFFFF"/>
         </a:solidFill>
+        <a:effectLst/>
       </p:bgPr>
     </p:bg>
     <p:spTree>
@@ -5313,6 +5895,7 @@
         </p:spPr>
         <p:txBody>
           <a:bodyPr anchor="b"/>
+          <a:lstStyle/>
           <a:p>
             <a:pPr algn="ctr">
               <a:lnSpc>
@@ -5320,26 +5903,26 @@
               </a:lnSpc>
             </a:pPr>
             <a:r>
-              <a:rPr b="1" lang="de-DE" sz="4800" spc="-1" strike="noStrike">
+              <a:rPr lang="de-DE" sz="4800" b="1" strike="noStrike" spc="-1">
                 <a:solidFill>
                   <a:srgbClr val="000000"/>
                 </a:solidFill>
                 <a:uFill>
                   <a:solidFill>
-                    <a:srgbClr val="ffffff"/>
+                    <a:srgbClr val="FFFFFF"/>
                   </a:solidFill>
                 </a:uFill>
                 <a:latin typeface="BankGothic Lt BT"/>
               </a:rPr>
               <a:t>Thank you for your attention</a:t>
             </a:r>
-            <a:endParaRPr b="0" lang="de-DE" sz="1800" spc="-1" strike="noStrike">
-              <a:solidFill>
-                <a:srgbClr val="000000"/>
-              </a:solidFill>
-              <a:uFill>
-                <a:solidFill>
-                  <a:srgbClr val="ffffff"/>
+            <a:endParaRPr lang="de-DE" sz="1800" b="0" strike="noStrike" spc="-1">
+              <a:solidFill>
+                <a:srgbClr val="000000"/>
+              </a:solidFill>
+              <a:uFill>
+                <a:solidFill>
+                  <a:srgbClr val="FFFFFF"/>
                 </a:solidFill>
               </a:uFill>
               <a:latin typeface="Calibri"/>
@@ -5349,22 +5932,25 @@
       </p:sp>
     </p:spTree>
   </p:cSld>
+  <p:clrMapOvr>
+    <a:masterClrMapping/>
+  </p:clrMapOvr>
   <p:timing>
     <p:tnLst>
       <p:par>
-        <p:cTn id="19" dur="indefinite" restart="never" nodeType="tmRoot">
+        <p:cTn id="1" dur="indefinite" restart="never" nodeType="tmRoot">
           <p:childTnLst>
             <p:seq>
-              <p:cTn id="20" nodeType="mainSeq"/>
+              <p:cTn id="2" nodeType="mainSeq"/>
               <p:prevCondLst>
-                <p:cond delay="0" evt="onPrev">
+                <p:cond evt="onPrev" delay="0">
                   <p:tgtEl>
                     <p:sldTgt/>
                   </p:tgtEl>
                 </p:cond>
               </p:prevCondLst>
               <p:nextCondLst>
-                <p:cond delay="0" evt="onNext">
+                <p:cond evt="onNext" delay="0">
                   <p:tgtEl>
                     <p:sldTgt/>
                   </p:tgtEl>
@@ -5380,7 +5966,7 @@
 </file>
 
 <file path=ppt/slides/slide2.xml><?xml version="1.0" encoding="utf-8"?>
-<p:sld xmlns:a="http://schemas.openxmlformats.org/drawingml/2006/main" xmlns:p="http://schemas.openxmlformats.org/presentationml/2006/main" xmlns:r="http://schemas.openxmlformats.org/officeDocument/2006/relationships" xmlns:p14="http://schemas.microsoft.com/office/powerpoint/2010/main" xmlns:p15="http://schemas.microsoft.com/office/powerpoint/2012/main" xmlns:mc="http://schemas.openxmlformats.org/markup-compatibility/2006">
+<p:sld xmlns:a="http://schemas.openxmlformats.org/drawingml/2006/main" xmlns:r="http://schemas.openxmlformats.org/officeDocument/2006/relationships" xmlns:p="http://schemas.openxmlformats.org/presentationml/2006/main">
   <p:cSld>
     <p:spTree>
       <p:nvGrpSpPr>
@@ -5417,6 +6003,7 @@
         </p:spPr>
         <p:txBody>
           <a:bodyPr anchor="ctr"/>
+          <a:lstStyle/>
           <a:p>
             <a:pPr>
               <a:lnSpc>
@@ -5424,26 +6011,26 @@
               </a:lnSpc>
             </a:pPr>
             <a:r>
-              <a:rPr b="1" lang="de-DE" sz="5400" spc="-1" strike="noStrike">
+              <a:rPr lang="de-DE" sz="5400" b="1" strike="noStrike" spc="-1">
                 <a:solidFill>
                   <a:srgbClr val="000000"/>
                 </a:solidFill>
                 <a:uFill>
                   <a:solidFill>
-                    <a:srgbClr val="ffffff"/>
+                    <a:srgbClr val="FFFFFF"/>
                   </a:solidFill>
                 </a:uFill>
                 <a:latin typeface="BankGothic Lt BT"/>
               </a:rPr>
               <a:t>Approach</a:t>
             </a:r>
-            <a:endParaRPr b="0" lang="de-DE" sz="1800" spc="-1" strike="noStrike">
-              <a:solidFill>
-                <a:srgbClr val="000000"/>
-              </a:solidFill>
-              <a:uFill>
-                <a:solidFill>
-                  <a:srgbClr val="ffffff"/>
+            <a:endParaRPr lang="de-DE" sz="1800" b="0" strike="noStrike" spc="-1">
+              <a:solidFill>
+                <a:srgbClr val="000000"/>
+              </a:solidFill>
+              <a:uFill>
+                <a:solidFill>
+                  <a:srgbClr val="FFFFFF"/>
                 </a:solidFill>
               </a:uFill>
               <a:latin typeface="Calibri"/>
@@ -5472,6 +6059,7 @@
         </p:spPr>
         <p:txBody>
           <a:bodyPr/>
+          <a:lstStyle/>
           <a:p>
             <a:pPr marL="228600" indent="-228240">
               <a:lnSpc>
@@ -5484,40 +6072,26 @@
               <a:buChar char="•"/>
             </a:pPr>
             <a:r>
-              <a:rPr b="0" lang="de-DE" sz="4800" spc="-1" strike="noStrike">
+              <a:rPr lang="de-DE" sz="4800" b="0" strike="noStrike" spc="-1">
                 <a:solidFill>
                   <a:srgbClr val="000000"/>
                 </a:solidFill>
                 <a:uFill>
                   <a:solidFill>
-                    <a:srgbClr val="ffffff"/>
+                    <a:srgbClr val="FFFFFF"/>
                   </a:solidFill>
                 </a:uFill>
                 <a:latin typeface="BankGothic Lt BT"/>
               </a:rPr>
-              <a:t> </a:t>
+              <a:t> Analyze Big Picture</a:t>
             </a:r>
-            <a:r>
-              <a:rPr b="0" lang="de-DE" sz="4800" spc="-1" strike="noStrike">
-                <a:solidFill>
-                  <a:srgbClr val="000000"/>
-                </a:solidFill>
-                <a:uFill>
-                  <a:solidFill>
-                    <a:srgbClr val="ffffff"/>
-                  </a:solidFill>
-                </a:uFill>
-                <a:latin typeface="BankGothic Lt BT"/>
-              </a:rPr>
-              <a:t>Analyze Big Picture</a:t>
-            </a:r>
-            <a:endParaRPr b="0" lang="de-DE" sz="2800" spc="-1" strike="noStrike">
-              <a:solidFill>
-                <a:srgbClr val="000000"/>
-              </a:solidFill>
-              <a:uFill>
-                <a:solidFill>
-                  <a:srgbClr val="ffffff"/>
+            <a:endParaRPr lang="de-DE" sz="2800" b="0" strike="noStrike" spc="-1">
+              <a:solidFill>
+                <a:srgbClr val="000000"/>
+              </a:solidFill>
+              <a:uFill>
+                <a:solidFill>
+                  <a:srgbClr val="FFFFFF"/>
                 </a:solidFill>
               </a:uFill>
               <a:latin typeface="Calibri"/>
@@ -5535,40 +6109,26 @@
               <a:buChar char="•"/>
             </a:pPr>
             <a:r>
-              <a:rPr b="0" lang="de-DE" sz="4800" spc="-1" strike="noStrike">
+              <a:rPr lang="de-DE" sz="4800" b="0" strike="noStrike" spc="-1">
                 <a:solidFill>
                   <a:srgbClr val="000000"/>
                 </a:solidFill>
                 <a:uFill>
                   <a:solidFill>
-                    <a:srgbClr val="ffffff"/>
+                    <a:srgbClr val="FFFFFF"/>
                   </a:solidFill>
                 </a:uFill>
                 <a:latin typeface="BankGothic Lt BT"/>
               </a:rPr>
-              <a:t> </a:t>
+              <a:t> Scatterplotmatrix</a:t>
             </a:r>
-            <a:r>
-              <a:rPr b="0" lang="de-DE" sz="4800" spc="-1" strike="noStrike">
-                <a:solidFill>
-                  <a:srgbClr val="000000"/>
-                </a:solidFill>
-                <a:uFill>
-                  <a:solidFill>
-                    <a:srgbClr val="ffffff"/>
-                  </a:solidFill>
-                </a:uFill>
-                <a:latin typeface="BankGothic Lt BT"/>
-              </a:rPr>
-              <a:t>Scatterplotmatrix</a:t>
-            </a:r>
-            <a:endParaRPr b="0" lang="de-DE" sz="2800" spc="-1" strike="noStrike">
-              <a:solidFill>
-                <a:srgbClr val="000000"/>
-              </a:solidFill>
-              <a:uFill>
-                <a:solidFill>
-                  <a:srgbClr val="ffffff"/>
+            <a:endParaRPr lang="de-DE" sz="2800" b="0" strike="noStrike" spc="-1">
+              <a:solidFill>
+                <a:srgbClr val="000000"/>
+              </a:solidFill>
+              <a:uFill>
+                <a:solidFill>
+                  <a:srgbClr val="FFFFFF"/>
                 </a:solidFill>
               </a:uFill>
               <a:latin typeface="Calibri"/>
@@ -5586,40 +6146,26 @@
               <a:buChar char="•"/>
             </a:pPr>
             <a:r>
-              <a:rPr b="0" lang="de-DE" sz="4800" spc="-1" strike="noStrike">
+              <a:rPr lang="de-DE" sz="4800" b="0" strike="noStrike" spc="-1">
                 <a:solidFill>
                   <a:srgbClr val="000000"/>
                 </a:solidFill>
                 <a:uFill>
                   <a:solidFill>
-                    <a:srgbClr val="ffffff"/>
+                    <a:srgbClr val="FFFFFF"/>
                   </a:solidFill>
                 </a:uFill>
                 <a:latin typeface="BankGothic Lt BT"/>
               </a:rPr>
-              <a:t> </a:t>
+              <a:t> Correlations</a:t>
             </a:r>
-            <a:r>
-              <a:rPr b="0" lang="de-DE" sz="4800" spc="-1" strike="noStrike">
-                <a:solidFill>
-                  <a:srgbClr val="000000"/>
-                </a:solidFill>
-                <a:uFill>
-                  <a:solidFill>
-                    <a:srgbClr val="ffffff"/>
-                  </a:solidFill>
-                </a:uFill>
-                <a:latin typeface="BankGothic Lt BT"/>
-              </a:rPr>
-              <a:t>Correlations</a:t>
-            </a:r>
-            <a:endParaRPr b="0" lang="de-DE" sz="2800" spc="-1" strike="noStrike">
-              <a:solidFill>
-                <a:srgbClr val="000000"/>
-              </a:solidFill>
-              <a:uFill>
-                <a:solidFill>
-                  <a:srgbClr val="ffffff"/>
+            <a:endParaRPr lang="de-DE" sz="2800" b="0" strike="noStrike" spc="-1">
+              <a:solidFill>
+                <a:srgbClr val="000000"/>
+              </a:solidFill>
+              <a:uFill>
+                <a:solidFill>
+                  <a:srgbClr val="FFFFFF"/>
                 </a:solidFill>
               </a:uFill>
               <a:latin typeface="Calibri"/>
@@ -5637,40 +6183,26 @@
               <a:buChar char="•"/>
             </a:pPr>
             <a:r>
-              <a:rPr b="0" lang="de-DE" sz="4800" spc="-1" strike="noStrike">
+              <a:rPr lang="de-DE" sz="4800" b="0" strike="noStrike" spc="-1">
                 <a:solidFill>
                   <a:srgbClr val="000000"/>
                 </a:solidFill>
                 <a:uFill>
                   <a:solidFill>
-                    <a:srgbClr val="ffffff"/>
+                    <a:srgbClr val="FFFFFF"/>
                   </a:solidFill>
                 </a:uFill>
                 <a:latin typeface="BankGothic Lt BT"/>
               </a:rPr>
-              <a:t> </a:t>
+              <a:t> Patternrecognition</a:t>
             </a:r>
-            <a:r>
-              <a:rPr b="0" lang="de-DE" sz="4800" spc="-1" strike="noStrike">
-                <a:solidFill>
-                  <a:srgbClr val="000000"/>
-                </a:solidFill>
-                <a:uFill>
-                  <a:solidFill>
-                    <a:srgbClr val="ffffff"/>
-                  </a:solidFill>
-                </a:uFill>
-                <a:latin typeface="BankGothic Lt BT"/>
-              </a:rPr>
-              <a:t>Patternrecognition</a:t>
-            </a:r>
-            <a:endParaRPr b="0" lang="de-DE" sz="2800" spc="-1" strike="noStrike">
-              <a:solidFill>
-                <a:srgbClr val="000000"/>
-              </a:solidFill>
-              <a:uFill>
-                <a:solidFill>
-                  <a:srgbClr val="ffffff"/>
+            <a:endParaRPr lang="de-DE" sz="2800" b="0" strike="noStrike" spc="-1">
+              <a:solidFill>
+                <a:srgbClr val="000000"/>
+              </a:solidFill>
+              <a:uFill>
+                <a:solidFill>
+                  <a:srgbClr val="FFFFFF"/>
                 </a:solidFill>
               </a:uFill>
               <a:latin typeface="Calibri"/>
@@ -5682,13 +6214,13 @@
                 <a:spcPct val="90000"/>
               </a:lnSpc>
             </a:pPr>
-            <a:endParaRPr b="0" lang="de-DE" sz="2800" spc="-1" strike="noStrike">
-              <a:solidFill>
-                <a:srgbClr val="000000"/>
-              </a:solidFill>
-              <a:uFill>
-                <a:solidFill>
-                  <a:srgbClr val="ffffff"/>
+            <a:endParaRPr lang="de-DE" sz="2800" b="0" strike="noStrike" spc="-1">
+              <a:solidFill>
+                <a:srgbClr val="000000"/>
+              </a:solidFill>
+              <a:uFill>
+                <a:solidFill>
+                  <a:srgbClr val="FFFFFF"/>
                 </a:solidFill>
               </a:uFill>
               <a:latin typeface="Calibri"/>
@@ -5698,22 +6230,25 @@
       </p:sp>
     </p:spTree>
   </p:cSld>
+  <p:clrMapOvr>
+    <a:masterClrMapping/>
+  </p:clrMapOvr>
   <p:timing>
     <p:tnLst>
       <p:par>
-        <p:cTn id="3" dur="indefinite" restart="never" nodeType="tmRoot">
+        <p:cTn id="1" dur="indefinite" restart="never" nodeType="tmRoot">
           <p:childTnLst>
             <p:seq>
-              <p:cTn id="4" nodeType="mainSeq"/>
+              <p:cTn id="2" nodeType="mainSeq"/>
               <p:prevCondLst>
-                <p:cond delay="0" evt="onPrev">
+                <p:cond evt="onPrev" delay="0">
                   <p:tgtEl>
                     <p:sldTgt/>
                   </p:tgtEl>
                 </p:cond>
               </p:prevCondLst>
               <p:nextCondLst>
-                <p:cond delay="0" evt="onNext">
+                <p:cond evt="onNext" delay="0">
                   <p:tgtEl>
                     <p:sldTgt/>
                   </p:tgtEl>
@@ -5729,7 +6264,7 @@
 </file>
 
 <file path=ppt/slides/slide3.xml><?xml version="1.0" encoding="utf-8"?>
-<p:sld xmlns:a="http://schemas.openxmlformats.org/drawingml/2006/main" xmlns:p="http://schemas.openxmlformats.org/presentationml/2006/main" xmlns:r="http://schemas.openxmlformats.org/officeDocument/2006/relationships" xmlns:p14="http://schemas.microsoft.com/office/powerpoint/2010/main" xmlns:p15="http://schemas.microsoft.com/office/powerpoint/2012/main" xmlns:mc="http://schemas.openxmlformats.org/markup-compatibility/2006">
+<p:sld xmlns:a="http://schemas.openxmlformats.org/drawingml/2006/main" xmlns:r="http://schemas.openxmlformats.org/officeDocument/2006/relationships" xmlns:p="http://schemas.openxmlformats.org/presentationml/2006/main">
   <p:cSld>
     <p:spTree>
       <p:nvGrpSpPr>
@@ -5766,6 +6301,7 @@
         </p:spPr>
         <p:txBody>
           <a:bodyPr anchor="ctr"/>
+          <a:lstStyle/>
           <a:p>
             <a:pPr>
               <a:lnSpc>
@@ -5773,26 +6309,26 @@
               </a:lnSpc>
             </a:pPr>
             <a:r>
-              <a:rPr b="1" lang="de-DE" sz="5400" spc="-1" strike="noStrike">
+              <a:rPr lang="de-DE" sz="5400" b="1" strike="noStrike" spc="-1">
                 <a:solidFill>
                   <a:srgbClr val="000000"/>
                 </a:solidFill>
                 <a:uFill>
                   <a:solidFill>
-                    <a:srgbClr val="ffffff"/>
+                    <a:srgbClr val="FFFFFF"/>
                   </a:solidFill>
                 </a:uFill>
                 <a:latin typeface="BankGothic Lt BT"/>
               </a:rPr>
               <a:t>Overview</a:t>
             </a:r>
-            <a:endParaRPr b="0" lang="de-DE" sz="1800" spc="-1" strike="noStrike">
-              <a:solidFill>
-                <a:srgbClr val="000000"/>
-              </a:solidFill>
-              <a:uFill>
-                <a:solidFill>
-                  <a:srgbClr val="ffffff"/>
+            <a:endParaRPr lang="de-DE" sz="1800" b="0" strike="noStrike" spc="-1">
+              <a:solidFill>
+                <a:srgbClr val="000000"/>
+              </a:solidFill>
+              <a:uFill>
+                <a:solidFill>
+                  <a:srgbClr val="FFFFFF"/>
                 </a:solidFill>
               </a:uFill>
               <a:latin typeface="Calibri"/>
@@ -5821,6 +6357,7 @@
         </p:spPr>
         <p:txBody>
           <a:bodyPr/>
+          <a:lstStyle/>
           <a:p>
             <a:pPr marL="228600" indent="-228240">
               <a:lnSpc>
@@ -5833,40 +6370,26 @@
               <a:buChar char="•"/>
             </a:pPr>
             <a:r>
-              <a:rPr b="0" lang="de-DE" sz="4800" spc="-1" strike="noStrike">
+              <a:rPr lang="de-DE" sz="4800" b="0" strike="noStrike" spc="-1">
                 <a:solidFill>
                   <a:srgbClr val="000000"/>
                 </a:solidFill>
                 <a:uFill>
                   <a:solidFill>
-                    <a:srgbClr val="ffffff"/>
+                    <a:srgbClr val="FFFFFF"/>
                   </a:solidFill>
                 </a:uFill>
                 <a:latin typeface="BankGothic Lt BT"/>
               </a:rPr>
-              <a:t> </a:t>
+              <a:t> Scatterplot</a:t>
             </a:r>
-            <a:r>
-              <a:rPr b="0" lang="de-DE" sz="4800" spc="-1" strike="noStrike">
-                <a:solidFill>
-                  <a:srgbClr val="000000"/>
-                </a:solidFill>
-                <a:uFill>
-                  <a:solidFill>
-                    <a:srgbClr val="ffffff"/>
-                  </a:solidFill>
-                </a:uFill>
-                <a:latin typeface="BankGothic Lt BT"/>
-              </a:rPr>
-              <a:t>Scatterplot</a:t>
-            </a:r>
-            <a:endParaRPr b="0" lang="de-DE" sz="2800" spc="-1" strike="noStrike">
-              <a:solidFill>
-                <a:srgbClr val="000000"/>
-              </a:solidFill>
-              <a:uFill>
-                <a:solidFill>
-                  <a:srgbClr val="ffffff"/>
+            <a:endParaRPr lang="de-DE" sz="2800" b="0" strike="noStrike" spc="-1">
+              <a:solidFill>
+                <a:srgbClr val="000000"/>
+              </a:solidFill>
+              <a:uFill>
+                <a:solidFill>
+                  <a:srgbClr val="FFFFFF"/>
                 </a:solidFill>
               </a:uFill>
               <a:latin typeface="Calibri"/>
@@ -5884,40 +6407,26 @@
               <a:buChar char="•"/>
             </a:pPr>
             <a:r>
-              <a:rPr b="0" lang="de-DE" sz="4800" spc="-1" strike="noStrike">
+              <a:rPr lang="de-DE" sz="4800" b="0" strike="noStrike" spc="-1">
                 <a:solidFill>
                   <a:srgbClr val="000000"/>
                 </a:solidFill>
                 <a:uFill>
                   <a:solidFill>
-                    <a:srgbClr val="ffffff"/>
+                    <a:srgbClr val="FFFFFF"/>
                   </a:solidFill>
                 </a:uFill>
                 <a:latin typeface="BankGothic Lt BT"/>
               </a:rPr>
-              <a:t> </a:t>
+              <a:t> Correlations</a:t>
             </a:r>
-            <a:r>
-              <a:rPr b="0" lang="de-DE" sz="4800" spc="-1" strike="noStrike">
-                <a:solidFill>
-                  <a:srgbClr val="000000"/>
-                </a:solidFill>
-                <a:uFill>
-                  <a:solidFill>
-                    <a:srgbClr val="ffffff"/>
-                  </a:solidFill>
-                </a:uFill>
-                <a:latin typeface="BankGothic Lt BT"/>
-              </a:rPr>
-              <a:t>Correlations</a:t>
-            </a:r>
-            <a:endParaRPr b="0" lang="de-DE" sz="2800" spc="-1" strike="noStrike">
-              <a:solidFill>
-                <a:srgbClr val="000000"/>
-              </a:solidFill>
-              <a:uFill>
-                <a:solidFill>
-                  <a:srgbClr val="ffffff"/>
+            <a:endParaRPr lang="de-DE" sz="2800" b="0" strike="noStrike" spc="-1">
+              <a:solidFill>
+                <a:srgbClr val="000000"/>
+              </a:solidFill>
+              <a:uFill>
+                <a:solidFill>
+                  <a:srgbClr val="FFFFFF"/>
                 </a:solidFill>
               </a:uFill>
               <a:latin typeface="Calibri"/>
@@ -5935,40 +6444,26 @@
               <a:buChar char="•"/>
             </a:pPr>
             <a:r>
-              <a:rPr b="0" lang="de-DE" sz="4800" spc="-1" strike="noStrike">
+              <a:rPr lang="de-DE" sz="4800" b="0" strike="noStrike" spc="-1">
                 <a:solidFill>
                   <a:srgbClr val="000000"/>
                 </a:solidFill>
                 <a:uFill>
                   <a:solidFill>
-                    <a:srgbClr val="ffffff"/>
+                    <a:srgbClr val="FFFFFF"/>
                   </a:solidFill>
                 </a:uFill>
                 <a:latin typeface="BankGothic Lt BT"/>
               </a:rPr>
-              <a:t> </a:t>
+              <a:t> Distribution</a:t>
             </a:r>
-            <a:r>
-              <a:rPr b="0" lang="de-DE" sz="4800" spc="-1" strike="noStrike">
-                <a:solidFill>
-                  <a:srgbClr val="000000"/>
-                </a:solidFill>
-                <a:uFill>
-                  <a:solidFill>
-                    <a:srgbClr val="ffffff"/>
-                  </a:solidFill>
-                </a:uFill>
-                <a:latin typeface="BankGothic Lt BT"/>
-              </a:rPr>
-              <a:t>Distribution</a:t>
-            </a:r>
-            <a:endParaRPr b="0" lang="de-DE" sz="2800" spc="-1" strike="noStrike">
-              <a:solidFill>
-                <a:srgbClr val="000000"/>
-              </a:solidFill>
-              <a:uFill>
-                <a:solidFill>
-                  <a:srgbClr val="ffffff"/>
+            <a:endParaRPr lang="de-DE" sz="2800" b="0" strike="noStrike" spc="-1">
+              <a:solidFill>
+                <a:srgbClr val="000000"/>
+              </a:solidFill>
+              <a:uFill>
+                <a:solidFill>
+                  <a:srgbClr val="FFFFFF"/>
                 </a:solidFill>
               </a:uFill>
               <a:latin typeface="Calibri"/>
@@ -5986,40 +6481,26 @@
               <a:buChar char="•"/>
             </a:pPr>
             <a:r>
-              <a:rPr b="0" lang="de-DE" sz="4800" spc="-1" strike="noStrike">
+              <a:rPr lang="de-DE" sz="4800" b="0" strike="noStrike" spc="-1">
                 <a:solidFill>
                   <a:srgbClr val="000000"/>
                 </a:solidFill>
                 <a:uFill>
                   <a:solidFill>
-                    <a:srgbClr val="ffffff"/>
+                    <a:srgbClr val="FFFFFF"/>
                   </a:solidFill>
                 </a:uFill>
                 <a:latin typeface="BankGothic Lt BT"/>
               </a:rPr>
-              <a:t> </a:t>
+              <a:t> PCA</a:t>
             </a:r>
-            <a:r>
-              <a:rPr b="0" lang="de-DE" sz="4800" spc="-1" strike="noStrike">
-                <a:solidFill>
-                  <a:srgbClr val="000000"/>
-                </a:solidFill>
-                <a:uFill>
-                  <a:solidFill>
-                    <a:srgbClr val="ffffff"/>
-                  </a:solidFill>
-                </a:uFill>
-                <a:latin typeface="BankGothic Lt BT"/>
-              </a:rPr>
-              <a:t>PCA</a:t>
-            </a:r>
-            <a:endParaRPr b="0" lang="de-DE" sz="2800" spc="-1" strike="noStrike">
-              <a:solidFill>
-                <a:srgbClr val="000000"/>
-              </a:solidFill>
-              <a:uFill>
-                <a:solidFill>
-                  <a:srgbClr val="ffffff"/>
+            <a:endParaRPr lang="de-DE" sz="2800" b="0" strike="noStrike" spc="-1">
+              <a:solidFill>
+                <a:srgbClr val="000000"/>
+              </a:solidFill>
+              <a:uFill>
+                <a:solidFill>
+                  <a:srgbClr val="FFFFFF"/>
                 </a:solidFill>
               </a:uFill>
               <a:latin typeface="Calibri"/>
@@ -6031,13 +6512,13 @@
                 <a:spcPct val="90000"/>
               </a:lnSpc>
             </a:pPr>
-            <a:endParaRPr b="0" lang="de-DE" sz="2800" spc="-1" strike="noStrike">
-              <a:solidFill>
-                <a:srgbClr val="000000"/>
-              </a:solidFill>
-              <a:uFill>
-                <a:solidFill>
-                  <a:srgbClr val="ffffff"/>
+            <a:endParaRPr lang="de-DE" sz="2800" b="0" strike="noStrike" spc="-1">
+              <a:solidFill>
+                <a:srgbClr val="000000"/>
+              </a:solidFill>
+              <a:uFill>
+                <a:solidFill>
+                  <a:srgbClr val="FFFFFF"/>
                 </a:solidFill>
               </a:uFill>
               <a:latin typeface="Calibri"/>
@@ -6047,12 +6528,12 @@
       </p:sp>
       <p:pic>
         <p:nvPicPr>
-          <p:cNvPr id="88" name="" descr=""/>
+          <p:cNvPr id="88" name="Grafik 87"/>
           <p:cNvPicPr/>
           <p:nvPr/>
         </p:nvPicPr>
         <p:blipFill>
-          <a:blip r:embed="rId1"/>
+          <a:blip r:embed="rId2"/>
           <a:stretch/>
         </p:blipFill>
         <p:spPr>
@@ -6075,22 +6556,25 @@
       </p:pic>
     </p:spTree>
   </p:cSld>
+  <p:clrMapOvr>
+    <a:masterClrMapping/>
+  </p:clrMapOvr>
   <p:timing>
     <p:tnLst>
       <p:par>
-        <p:cTn id="5" dur="indefinite" restart="never" nodeType="tmRoot">
+        <p:cTn id="1" dur="indefinite" restart="never" nodeType="tmRoot">
           <p:childTnLst>
             <p:seq>
-              <p:cTn id="6" nodeType="mainSeq"/>
+              <p:cTn id="2" nodeType="mainSeq"/>
               <p:prevCondLst>
-                <p:cond delay="0" evt="onPrev">
+                <p:cond evt="onPrev" delay="0">
                   <p:tgtEl>
                     <p:sldTgt/>
                   </p:tgtEl>
                 </p:cond>
               </p:prevCondLst>
               <p:nextCondLst>
-                <p:cond delay="0" evt="onNext">
+                <p:cond evt="onNext" delay="0">
                   <p:tgtEl>
                     <p:sldTgt/>
                   </p:tgtEl>
@@ -6106,7 +6590,7 @@
 </file>
 
 <file path=ppt/slides/slide4.xml><?xml version="1.0" encoding="utf-8"?>
-<p:sld xmlns:a="http://schemas.openxmlformats.org/drawingml/2006/main" xmlns:p="http://schemas.openxmlformats.org/presentationml/2006/main" xmlns:r="http://schemas.openxmlformats.org/officeDocument/2006/relationships" xmlns:p14="http://schemas.microsoft.com/office/powerpoint/2010/main" xmlns:p15="http://schemas.microsoft.com/office/powerpoint/2012/main" xmlns:mc="http://schemas.openxmlformats.org/markup-compatibility/2006">
+<p:sld xmlns:a="http://schemas.openxmlformats.org/drawingml/2006/main" xmlns:r="http://schemas.openxmlformats.org/officeDocument/2006/relationships" xmlns:p="http://schemas.openxmlformats.org/presentationml/2006/main">
   <p:cSld>
     <p:spTree>
       <p:nvGrpSpPr>
@@ -6143,6 +6627,7 @@
         </p:spPr>
         <p:txBody>
           <a:bodyPr anchor="ctr"/>
+          <a:lstStyle/>
           <a:p>
             <a:pPr>
               <a:lnSpc>
@@ -6150,26 +6635,26 @@
               </a:lnSpc>
             </a:pPr>
             <a:r>
-              <a:rPr b="1" lang="de-DE" sz="5400" spc="-1" strike="noStrike">
+              <a:rPr lang="de-DE" sz="5400" b="1" strike="noStrike" spc="-1">
                 <a:solidFill>
                   <a:srgbClr val="000000"/>
                 </a:solidFill>
                 <a:uFill>
                   <a:solidFill>
-                    <a:srgbClr val="ffffff"/>
+                    <a:srgbClr val="FFFFFF"/>
                   </a:solidFill>
                 </a:uFill>
                 <a:latin typeface="BankGothic Lt BT"/>
               </a:rPr>
               <a:t>PCA</a:t>
             </a:r>
-            <a:endParaRPr b="0" lang="de-DE" sz="1800" spc="-1" strike="noStrike">
-              <a:solidFill>
-                <a:srgbClr val="000000"/>
-              </a:solidFill>
-              <a:uFill>
-                <a:solidFill>
-                  <a:srgbClr val="ffffff"/>
+            <a:endParaRPr lang="de-DE" sz="1800" b="0" strike="noStrike" spc="-1">
+              <a:solidFill>
+                <a:srgbClr val="000000"/>
+              </a:solidFill>
+              <a:uFill>
+                <a:solidFill>
+                  <a:srgbClr val="FFFFFF"/>
                 </a:solidFill>
               </a:uFill>
               <a:latin typeface="Calibri"/>
@@ -6198,6 +6683,7 @@
         </p:spPr>
         <p:txBody>
           <a:bodyPr/>
+          <a:lstStyle/>
           <a:p>
             <a:pPr marL="228600" indent="-228240">
               <a:lnSpc>
@@ -6210,40 +6696,26 @@
               <a:buChar char="•"/>
             </a:pPr>
             <a:r>
-              <a:rPr b="0" lang="de-DE" sz="4800" spc="-1" strike="noStrike">
+              <a:rPr lang="de-DE" sz="4800" b="0" strike="noStrike" spc="-1">
                 <a:solidFill>
                   <a:srgbClr val="000000"/>
                 </a:solidFill>
                 <a:uFill>
                   <a:solidFill>
-                    <a:srgbClr val="ffffff"/>
+                    <a:srgbClr val="FFFFFF"/>
                   </a:solidFill>
                 </a:uFill>
                 <a:latin typeface="BankGothic Lt BT"/>
               </a:rPr>
-              <a:t> </a:t>
+              <a:t> Prefiltering</a:t>
             </a:r>
-            <a:r>
-              <a:rPr b="0" lang="de-DE" sz="4800" spc="-1" strike="noStrike">
-                <a:solidFill>
-                  <a:srgbClr val="000000"/>
-                </a:solidFill>
-                <a:uFill>
-                  <a:solidFill>
-                    <a:srgbClr val="ffffff"/>
-                  </a:solidFill>
-                </a:uFill>
-                <a:latin typeface="BankGothic Lt BT"/>
-              </a:rPr>
-              <a:t>Prefiltering</a:t>
-            </a:r>
-            <a:endParaRPr b="0" lang="de-DE" sz="2800" spc="-1" strike="noStrike">
-              <a:solidFill>
-                <a:srgbClr val="000000"/>
-              </a:solidFill>
-              <a:uFill>
-                <a:solidFill>
-                  <a:srgbClr val="ffffff"/>
+            <a:endParaRPr lang="de-DE" sz="2800" b="0" strike="noStrike" spc="-1">
+              <a:solidFill>
+                <a:srgbClr val="000000"/>
+              </a:solidFill>
+              <a:uFill>
+                <a:solidFill>
+                  <a:srgbClr val="FFFFFF"/>
                 </a:solidFill>
               </a:uFill>
               <a:latin typeface="Calibri"/>
@@ -6261,40 +6733,26 @@
               <a:buChar char="•"/>
             </a:pPr>
             <a:r>
-              <a:rPr b="0" lang="de-DE" sz="4800" spc="-1" strike="noStrike">
+              <a:rPr lang="de-DE" sz="4800" b="0" strike="noStrike" spc="-1">
                 <a:solidFill>
                   <a:srgbClr val="000000"/>
                 </a:solidFill>
                 <a:uFill>
                   <a:solidFill>
-                    <a:srgbClr val="ffffff"/>
+                    <a:srgbClr val="FFFFFF"/>
                   </a:solidFill>
                 </a:uFill>
                 <a:latin typeface="BankGothic Lt BT"/>
               </a:rPr>
-              <a:t> </a:t>
+              <a:t> Minimize dataset with PCA</a:t>
             </a:r>
-            <a:r>
-              <a:rPr b="0" lang="de-DE" sz="4800" spc="-1" strike="noStrike">
-                <a:solidFill>
-                  <a:srgbClr val="000000"/>
-                </a:solidFill>
-                <a:uFill>
-                  <a:solidFill>
-                    <a:srgbClr val="ffffff"/>
-                  </a:solidFill>
-                </a:uFill>
-                <a:latin typeface="BankGothic Lt BT"/>
-              </a:rPr>
-              <a:t>Minimize dataset with PCA</a:t>
-            </a:r>
-            <a:endParaRPr b="0" lang="de-DE" sz="2800" spc="-1" strike="noStrike">
-              <a:solidFill>
-                <a:srgbClr val="000000"/>
-              </a:solidFill>
-              <a:uFill>
-                <a:solidFill>
-                  <a:srgbClr val="ffffff"/>
+            <a:endParaRPr lang="de-DE" sz="2800" b="0" strike="noStrike" spc="-1">
+              <a:solidFill>
+                <a:srgbClr val="000000"/>
+              </a:solidFill>
+              <a:uFill>
+                <a:solidFill>
+                  <a:srgbClr val="FFFFFF"/>
                 </a:solidFill>
               </a:uFill>
               <a:latin typeface="Calibri"/>
@@ -6312,40 +6770,26 @@
               <a:buChar char="•"/>
             </a:pPr>
             <a:r>
-              <a:rPr b="0" lang="de-DE" sz="4800" spc="-1" strike="noStrike">
+              <a:rPr lang="de-DE" sz="4800" b="0" strike="noStrike" spc="-1">
                 <a:solidFill>
                   <a:srgbClr val="000000"/>
                 </a:solidFill>
                 <a:uFill>
                   <a:solidFill>
-                    <a:srgbClr val="ffffff"/>
+                    <a:srgbClr val="FFFFFF"/>
                   </a:solidFill>
                 </a:uFill>
                 <a:latin typeface="BankGothic Lt BT"/>
               </a:rPr>
-              <a:t> </a:t>
+              <a:t> Dimstiller</a:t>
             </a:r>
-            <a:r>
-              <a:rPr b="0" lang="de-DE" sz="4800" spc="-1" strike="noStrike">
-                <a:solidFill>
-                  <a:srgbClr val="000000"/>
-                </a:solidFill>
-                <a:uFill>
-                  <a:solidFill>
-                    <a:srgbClr val="ffffff"/>
-                  </a:solidFill>
-                </a:uFill>
-                <a:latin typeface="BankGothic Lt BT"/>
-              </a:rPr>
-              <a:t>Dimstiller</a:t>
-            </a:r>
-            <a:endParaRPr b="0" lang="de-DE" sz="2800" spc="-1" strike="noStrike">
-              <a:solidFill>
-                <a:srgbClr val="000000"/>
-              </a:solidFill>
-              <a:uFill>
-                <a:solidFill>
-                  <a:srgbClr val="ffffff"/>
+            <a:endParaRPr lang="de-DE" sz="2800" b="0" strike="noStrike" spc="-1">
+              <a:solidFill>
+                <a:srgbClr val="000000"/>
+              </a:solidFill>
+              <a:uFill>
+                <a:solidFill>
+                  <a:srgbClr val="FFFFFF"/>
                 </a:solidFill>
               </a:uFill>
               <a:latin typeface="Calibri"/>
@@ -6355,22 +6799,25 @@
       </p:sp>
     </p:spTree>
   </p:cSld>
+  <p:clrMapOvr>
+    <a:masterClrMapping/>
+  </p:clrMapOvr>
   <p:timing>
     <p:tnLst>
       <p:par>
-        <p:cTn id="7" dur="indefinite" restart="never" nodeType="tmRoot">
+        <p:cTn id="1" dur="indefinite" restart="never" nodeType="tmRoot">
           <p:childTnLst>
             <p:seq>
-              <p:cTn id="8" nodeType="mainSeq"/>
+              <p:cTn id="2" nodeType="mainSeq"/>
               <p:prevCondLst>
-                <p:cond delay="0" evt="onPrev">
+                <p:cond evt="onPrev" delay="0">
                   <p:tgtEl>
                     <p:sldTgt/>
                   </p:tgtEl>
                 </p:cond>
               </p:prevCondLst>
               <p:nextCondLst>
-                <p:cond delay="0" evt="onNext">
+                <p:cond evt="onNext" delay="0">
                   <p:tgtEl>
                     <p:sldTgt/>
                   </p:tgtEl>
@@ -6386,7 +6833,7 @@
 </file>
 
 <file path=ppt/slides/slide5.xml><?xml version="1.0" encoding="utf-8"?>
-<p:sld xmlns:a="http://schemas.openxmlformats.org/drawingml/2006/main" xmlns:p="http://schemas.openxmlformats.org/presentationml/2006/main" xmlns:r="http://schemas.openxmlformats.org/officeDocument/2006/relationships" xmlns:p14="http://schemas.microsoft.com/office/powerpoint/2010/main" xmlns:p15="http://schemas.microsoft.com/office/powerpoint/2012/main" xmlns:mc="http://schemas.openxmlformats.org/markup-compatibility/2006">
+<p:sld xmlns:a="http://schemas.openxmlformats.org/drawingml/2006/main" xmlns:r="http://schemas.openxmlformats.org/officeDocument/2006/relationships" xmlns:p="http://schemas.openxmlformats.org/presentationml/2006/main">
   <p:cSld>
     <p:spTree>
       <p:nvGrpSpPr>
@@ -6410,7 +6857,7 @@
         </p:nvSpPr>
         <p:spPr>
           <a:xfrm>
-            <a:off x="838080" y="365040"/>
+            <a:off x="838080" y="289624"/>
             <a:ext cx="10515240" cy="1325160"/>
           </a:xfrm>
           <a:prstGeom prst="rect">
@@ -6423,6 +6870,7 @@
         </p:spPr>
         <p:txBody>
           <a:bodyPr anchor="ctr"/>
+          <a:lstStyle/>
           <a:p>
             <a:pPr>
               <a:lnSpc>
@@ -6430,26 +6878,26 @@
               </a:lnSpc>
             </a:pPr>
             <a:r>
-              <a:rPr b="1" lang="de-DE" sz="5400" spc="-1" strike="noStrike">
+              <a:rPr lang="de-DE" sz="5400" b="1" strike="noStrike" spc="-1">
                 <a:solidFill>
                   <a:srgbClr val="000000"/>
                 </a:solidFill>
                 <a:uFill>
                   <a:solidFill>
-                    <a:srgbClr val="ffffff"/>
+                    <a:srgbClr val="FFFFFF"/>
                   </a:solidFill>
                 </a:uFill>
                 <a:latin typeface="BankGothic Lt BT"/>
               </a:rPr>
               <a:t>PCA</a:t>
             </a:r>
-            <a:endParaRPr b="0" lang="de-DE" sz="1800" spc="-1" strike="noStrike">
-              <a:solidFill>
-                <a:srgbClr val="000000"/>
-              </a:solidFill>
-              <a:uFill>
-                <a:solidFill>
-                  <a:srgbClr val="ffffff"/>
+            <a:endParaRPr lang="de-DE" sz="1800" b="0" strike="noStrike" spc="-1">
+              <a:solidFill>
+                <a:srgbClr val="000000"/>
+              </a:solidFill>
+              <a:uFill>
+                <a:solidFill>
+                  <a:srgbClr val="FFFFFF"/>
                 </a:solidFill>
               </a:uFill>
               <a:latin typeface="Calibri"/>
@@ -6478,6 +6926,7 @@
         </p:spPr>
         <p:txBody>
           <a:bodyPr/>
+          <a:lstStyle/>
           <a:p>
             <a:pPr marL="228600" indent="-228240">
               <a:lnSpc>
@@ -6490,26 +6939,26 @@
               <a:buChar char="•"/>
             </a:pPr>
             <a:r>
-              <a:rPr b="0" lang="de-DE" sz="4800" spc="-1" strike="noStrike">
+              <a:rPr lang="de-DE" sz="4800" spc="-1" dirty="0" err="1">
                 <a:solidFill>
                   <a:srgbClr val="000000"/>
                 </a:solidFill>
                 <a:uFill>
                   <a:solidFill>
-                    <a:srgbClr val="ffffff"/>
+                    <a:srgbClr val="FFFFFF"/>
                   </a:solidFill>
                 </a:uFill>
                 <a:latin typeface="BankGothic Lt BT"/>
               </a:rPr>
-              <a:t>Reduce:PCA</a:t>
+              <a:t>Dimstiller</a:t>
             </a:r>
-            <a:endParaRPr b="0" lang="de-DE" sz="2800" spc="-1" strike="noStrike">
-              <a:solidFill>
-                <a:srgbClr val="000000"/>
-              </a:solidFill>
-              <a:uFill>
-                <a:solidFill>
-                  <a:srgbClr val="ffffff"/>
+            <a:endParaRPr lang="de-DE" sz="2800" b="0" strike="noStrike" spc="-1" dirty="0">
+              <a:solidFill>
+                <a:srgbClr val="000000"/>
+              </a:solidFill>
+              <a:uFill>
+                <a:solidFill>
+                  <a:srgbClr val="FFFFFF"/>
                 </a:solidFill>
               </a:uFill>
               <a:latin typeface="Calibri"/>
@@ -6519,18 +6968,18 @@
       </p:sp>
       <p:pic>
         <p:nvPicPr>
-          <p:cNvPr id="93" name="" descr=""/>
+          <p:cNvPr id="93" name="Grafik 92"/>
           <p:cNvPicPr/>
           <p:nvPr/>
         </p:nvPicPr>
         <p:blipFill>
-          <a:blip r:embed="rId1"/>
+          <a:blip r:embed="rId2"/>
           <a:stretch/>
         </p:blipFill>
         <p:spPr>
           <a:xfrm>
-            <a:off x="6192000" y="140040"/>
-            <a:ext cx="5688000" cy="5619960"/>
+            <a:off x="6394173" y="2875681"/>
+            <a:ext cx="4597482" cy="3617279"/>
           </a:xfrm>
           <a:prstGeom prst="rect">
             <a:avLst/>
@@ -6547,12 +6996,12 @@
       </p:pic>
       <p:pic>
         <p:nvPicPr>
-          <p:cNvPr id="94" name="" descr=""/>
+          <p:cNvPr id="94" name="Grafik 93"/>
           <p:cNvPicPr/>
           <p:nvPr/>
         </p:nvPicPr>
         <p:blipFill>
-          <a:blip r:embed="rId2"/>
+          <a:blip r:embed="rId3"/>
           <a:stretch/>
         </p:blipFill>
         <p:spPr>
@@ -6573,84 +7022,27 @@
           </a:effectLst>
         </p:spPr>
       </p:pic>
-      <p:sp>
-        <p:nvSpPr>
-          <p:cNvPr id="95" name="TextShape 3"/>
-          <p:cNvSpPr txBox="1"/>
-          <p:nvPr/>
-        </p:nvSpPr>
-        <p:spPr>
-          <a:xfrm>
-            <a:off x="6480000" y="5976000"/>
-            <a:ext cx="5544000" cy="864000"/>
-          </a:xfrm>
-          <a:prstGeom prst="rect">
-            <a:avLst/>
-          </a:prstGeom>
-          <a:noFill/>
-          <a:ln>
-            <a:noFill/>
-          </a:ln>
-        </p:spPr>
-        <p:txBody>
-          <a:bodyPr/>
-          <a:p>
-            <a:pPr marL="228600" indent="-228240">
-              <a:lnSpc>
-                <a:spcPct val="90000"/>
-              </a:lnSpc>
-              <a:buClr>
-                <a:srgbClr val="000000"/>
-              </a:buClr>
-              <a:buFont typeface="Arial"/>
-              <a:buChar char="•"/>
-            </a:pPr>
-            <a:r>
-              <a:rPr b="0" lang="de-DE" sz="4800" spc="-1" strike="noStrike">
-                <a:solidFill>
-                  <a:srgbClr val="000000"/>
-                </a:solidFill>
-                <a:uFill>
-                  <a:solidFill>
-                    <a:srgbClr val="ffffff"/>
-                  </a:solidFill>
-                </a:uFill>
-                <a:latin typeface="BankGothic Lt BT"/>
-              </a:rPr>
-              <a:t>Collect:Pearson</a:t>
-            </a:r>
-            <a:endParaRPr b="0" lang="de-DE" sz="2800" spc="-1" strike="noStrike">
-              <a:solidFill>
-                <a:srgbClr val="000000"/>
-              </a:solidFill>
-              <a:uFill>
-                <a:solidFill>
-                  <a:srgbClr val="ffffff"/>
-                </a:solidFill>
-              </a:uFill>
-              <a:latin typeface="Calibri"/>
-            </a:endParaRPr>
-          </a:p>
-        </p:txBody>
-      </p:sp>
     </p:spTree>
   </p:cSld>
+  <p:clrMapOvr>
+    <a:masterClrMapping/>
+  </p:clrMapOvr>
   <p:timing>
     <p:tnLst>
       <p:par>
-        <p:cTn id="9" dur="indefinite" restart="never" nodeType="tmRoot">
+        <p:cTn id="1" dur="indefinite" restart="never" nodeType="tmRoot">
           <p:childTnLst>
             <p:seq>
-              <p:cTn id="10" nodeType="mainSeq"/>
+              <p:cTn id="2" nodeType="mainSeq"/>
               <p:prevCondLst>
-                <p:cond delay="0" evt="onPrev">
+                <p:cond evt="onPrev" delay="0">
                   <p:tgtEl>
                     <p:sldTgt/>
                   </p:tgtEl>
                 </p:cond>
               </p:prevCondLst>
               <p:nextCondLst>
-                <p:cond delay="0" evt="onNext">
+                <p:cond evt="onNext" delay="0">
                   <p:tgtEl>
                     <p:sldTgt/>
                   </p:tgtEl>
@@ -6666,7 +7058,7 @@
 </file>
 
 <file path=ppt/slides/slide6.xml><?xml version="1.0" encoding="utf-8"?>
-<p:sld xmlns:a="http://schemas.openxmlformats.org/drawingml/2006/main" xmlns:p="http://schemas.openxmlformats.org/presentationml/2006/main" xmlns:r="http://schemas.openxmlformats.org/officeDocument/2006/relationships" xmlns:p14="http://schemas.microsoft.com/office/powerpoint/2010/main" xmlns:p15="http://schemas.microsoft.com/office/powerpoint/2012/main" xmlns:mc="http://schemas.openxmlformats.org/markup-compatibility/2006">
+<p:sld xmlns:a="http://schemas.openxmlformats.org/drawingml/2006/main" xmlns:r="http://schemas.openxmlformats.org/officeDocument/2006/relationships" xmlns:p="http://schemas.openxmlformats.org/presentationml/2006/main">
   <p:cSld>
     <p:spTree>
       <p:nvGrpSpPr>
@@ -6703,6 +7095,7 @@
         </p:spPr>
         <p:txBody>
           <a:bodyPr anchor="ctr"/>
+          <a:lstStyle/>
           <a:p>
             <a:pPr>
               <a:lnSpc>
@@ -6710,26 +7103,26 @@
               </a:lnSpc>
             </a:pPr>
             <a:r>
-              <a:rPr b="1" lang="de-DE" sz="5400" spc="-1" strike="noStrike">
+              <a:rPr lang="de-DE" sz="5400" b="1" strike="noStrike" spc="-1">
                 <a:solidFill>
                   <a:srgbClr val="000000"/>
                 </a:solidFill>
                 <a:uFill>
                   <a:solidFill>
-                    <a:srgbClr val="ffffff"/>
+                    <a:srgbClr val="FFFFFF"/>
                   </a:solidFill>
                 </a:uFill>
                 <a:latin typeface="BankGothic Lt BT"/>
               </a:rPr>
               <a:t>Live Presentation</a:t>
             </a:r>
-            <a:endParaRPr b="0" lang="de-DE" sz="1800" spc="-1" strike="noStrike">
-              <a:solidFill>
-                <a:srgbClr val="000000"/>
-              </a:solidFill>
-              <a:uFill>
-                <a:solidFill>
-                  <a:srgbClr val="ffffff"/>
+            <a:endParaRPr lang="de-DE" sz="1800" b="0" strike="noStrike" spc="-1">
+              <a:solidFill>
+                <a:srgbClr val="000000"/>
+              </a:solidFill>
+              <a:uFill>
+                <a:solidFill>
+                  <a:srgbClr val="FFFFFF"/>
                 </a:solidFill>
               </a:uFill>
               <a:latin typeface="Calibri"/>
@@ -6758,6 +7151,7 @@
         </p:spPr>
         <p:txBody>
           <a:bodyPr/>
+          <a:lstStyle/>
           <a:p>
             <a:pPr marL="685800" indent="-685440">
               <a:lnSpc>
@@ -6770,27 +7164,27 @@
               <a:buChar char="•"/>
             </a:pPr>
             <a:r>
-              <a:rPr b="0" lang="de-DE" sz="4800" spc="-1" strike="noStrike">
+              <a:rPr lang="de-DE" sz="4800" b="0" strike="noStrike" spc="-1">
                 <a:solidFill>
                   <a:srgbClr val="000000"/>
                 </a:solidFill>
                 <a:uFill>
                   <a:solidFill>
-                    <a:srgbClr val="ffffff"/>
+                    <a:srgbClr val="FFFFFF"/>
                   </a:solidFill>
                 </a:uFill>
                 <a:latin typeface="BankGothic Lt BT"/>
-                <a:hlinkClick r:id="rId1"/>
+                <a:hlinkClick r:id="rId2"/>
               </a:rPr>
               <a:t>http://wwwlab.cs.univie.ac.at/~a1368965/impl/index.html</a:t>
             </a:r>
-            <a:endParaRPr b="0" lang="de-DE" sz="2800" spc="-1" strike="noStrike">
-              <a:solidFill>
-                <a:srgbClr val="000000"/>
-              </a:solidFill>
-              <a:uFill>
-                <a:solidFill>
-                  <a:srgbClr val="ffffff"/>
+            <a:endParaRPr lang="de-DE" sz="2800" b="0" strike="noStrike" spc="-1">
+              <a:solidFill>
+                <a:srgbClr val="000000"/>
+              </a:solidFill>
+              <a:uFill>
+                <a:solidFill>
+                  <a:srgbClr val="FFFFFF"/>
                 </a:solidFill>
               </a:uFill>
               <a:latin typeface="Calibri"/>
@@ -6802,13 +7196,13 @@
                 <a:spcPct val="100000"/>
               </a:lnSpc>
             </a:pPr>
-            <a:endParaRPr b="0" lang="de-DE" sz="2800" spc="-1" strike="noStrike">
-              <a:solidFill>
-                <a:srgbClr val="000000"/>
-              </a:solidFill>
-              <a:uFill>
-                <a:solidFill>
-                  <a:srgbClr val="ffffff"/>
+            <a:endParaRPr lang="de-DE" sz="2800" b="0" strike="noStrike" spc="-1">
+              <a:solidFill>
+                <a:srgbClr val="000000"/>
+              </a:solidFill>
+              <a:uFill>
+                <a:solidFill>
+                  <a:srgbClr val="FFFFFF"/>
                 </a:solidFill>
               </a:uFill>
               <a:latin typeface="Calibri"/>
@@ -6820,13 +7214,13 @@
                 <a:spcPct val="100000"/>
               </a:lnSpc>
             </a:pPr>
-            <a:endParaRPr b="0" lang="de-DE" sz="2800" spc="-1" strike="noStrike">
-              <a:solidFill>
-                <a:srgbClr val="000000"/>
-              </a:solidFill>
-              <a:uFill>
-                <a:solidFill>
-                  <a:srgbClr val="ffffff"/>
+            <a:endParaRPr lang="de-DE" sz="2800" b="0" strike="noStrike" spc="-1">
+              <a:solidFill>
+                <a:srgbClr val="000000"/>
+              </a:solidFill>
+              <a:uFill>
+                <a:solidFill>
+                  <a:srgbClr val="FFFFFF"/>
                 </a:solidFill>
               </a:uFill>
               <a:latin typeface="Calibri"/>
@@ -6838,13 +7232,13 @@
                 <a:spcPct val="100000"/>
               </a:lnSpc>
             </a:pPr>
-            <a:endParaRPr b="0" lang="de-DE" sz="2800" spc="-1" strike="noStrike">
-              <a:solidFill>
-                <a:srgbClr val="000000"/>
-              </a:solidFill>
-              <a:uFill>
-                <a:solidFill>
-                  <a:srgbClr val="ffffff"/>
+            <a:endParaRPr lang="de-DE" sz="2800" b="0" strike="noStrike" spc="-1">
+              <a:solidFill>
+                <a:srgbClr val="000000"/>
+              </a:solidFill>
+              <a:uFill>
+                <a:solidFill>
+                  <a:srgbClr val="FFFFFF"/>
                 </a:solidFill>
               </a:uFill>
               <a:latin typeface="Calibri"/>
@@ -6856,13 +7250,13 @@
                 <a:spcPct val="100000"/>
               </a:lnSpc>
             </a:pPr>
-            <a:endParaRPr b="0" lang="de-DE" sz="2800" spc="-1" strike="noStrike">
-              <a:solidFill>
-                <a:srgbClr val="000000"/>
-              </a:solidFill>
-              <a:uFill>
-                <a:solidFill>
-                  <a:srgbClr val="ffffff"/>
+            <a:endParaRPr lang="de-DE" sz="2800" b="0" strike="noStrike" spc="-1">
+              <a:solidFill>
+                <a:srgbClr val="000000"/>
+              </a:solidFill>
+              <a:uFill>
+                <a:solidFill>
+                  <a:srgbClr val="FFFFFF"/>
                 </a:solidFill>
               </a:uFill>
               <a:latin typeface="Calibri"/>
@@ -6872,22 +7266,25 @@
       </p:sp>
     </p:spTree>
   </p:cSld>
+  <p:clrMapOvr>
+    <a:masterClrMapping/>
+  </p:clrMapOvr>
   <p:timing>
     <p:tnLst>
       <p:par>
-        <p:cTn id="11" dur="indefinite" restart="never" nodeType="tmRoot">
+        <p:cTn id="1" dur="indefinite" restart="never" nodeType="tmRoot">
           <p:childTnLst>
             <p:seq>
-              <p:cTn id="12" nodeType="mainSeq"/>
+              <p:cTn id="2" nodeType="mainSeq"/>
               <p:prevCondLst>
-                <p:cond delay="0" evt="onPrev">
+                <p:cond evt="onPrev" delay="0">
                   <p:tgtEl>
                     <p:sldTgt/>
                   </p:tgtEl>
                 </p:cond>
               </p:prevCondLst>
               <p:nextCondLst>
-                <p:cond delay="0" evt="onNext">
+                <p:cond evt="onNext" delay="0">
                   <p:tgtEl>
                     <p:sldTgt/>
                   </p:tgtEl>
@@ -6903,7 +7300,7 @@
 </file>
 
 <file path=ppt/slides/slide7.xml><?xml version="1.0" encoding="utf-8"?>
-<p:sld xmlns:a="http://schemas.openxmlformats.org/drawingml/2006/main" xmlns:p="http://schemas.openxmlformats.org/presentationml/2006/main" xmlns:r="http://schemas.openxmlformats.org/officeDocument/2006/relationships" xmlns:p14="http://schemas.microsoft.com/office/powerpoint/2010/main" xmlns:p15="http://schemas.microsoft.com/office/powerpoint/2012/main" xmlns:mc="http://schemas.openxmlformats.org/markup-compatibility/2006">
+<p:sld xmlns:a="http://schemas.openxmlformats.org/drawingml/2006/main" xmlns:r="http://schemas.openxmlformats.org/officeDocument/2006/relationships" xmlns:p="http://schemas.openxmlformats.org/presentationml/2006/main">
   <p:cSld>
     <p:spTree>
       <p:nvGrpSpPr>
@@ -6940,6 +7337,7 @@
         </p:spPr>
         <p:txBody>
           <a:bodyPr anchor="ctr"/>
+          <a:lstStyle/>
           <a:p>
             <a:pPr>
               <a:lnSpc>
@@ -6947,26 +7345,26 @@
               </a:lnSpc>
             </a:pPr>
             <a:r>
-              <a:rPr b="1" lang="de-DE" sz="5400" spc="-1" strike="noStrike">
+              <a:rPr lang="de-DE" sz="5400" b="1" strike="noStrike" spc="-1">
                 <a:solidFill>
                   <a:srgbClr val="000000"/>
                 </a:solidFill>
                 <a:uFill>
                   <a:solidFill>
-                    <a:srgbClr val="ffffff"/>
+                    <a:srgbClr val="FFFFFF"/>
                   </a:solidFill>
                 </a:uFill>
                 <a:latin typeface="BankGothic Lt BT"/>
               </a:rPr>
               <a:t>Challenges and Problems</a:t>
             </a:r>
-            <a:endParaRPr b="0" lang="de-DE" sz="1800" spc="-1" strike="noStrike">
-              <a:solidFill>
-                <a:srgbClr val="000000"/>
-              </a:solidFill>
-              <a:uFill>
-                <a:solidFill>
-                  <a:srgbClr val="ffffff"/>
+            <a:endParaRPr lang="de-DE" sz="1800" b="0" strike="noStrike" spc="-1">
+              <a:solidFill>
+                <a:srgbClr val="000000"/>
+              </a:solidFill>
+              <a:uFill>
+                <a:solidFill>
+                  <a:srgbClr val="FFFFFF"/>
                 </a:solidFill>
               </a:uFill>
               <a:latin typeface="Calibri"/>
@@ -6995,6 +7393,7 @@
         </p:spPr>
         <p:txBody>
           <a:bodyPr/>
+          <a:lstStyle/>
           <a:p>
             <a:pPr marL="685800" indent="-685440">
               <a:lnSpc>
@@ -7007,26 +7406,26 @@
               <a:buChar char="•"/>
             </a:pPr>
             <a:r>
-              <a:rPr b="0" lang="de-DE" sz="4800" spc="-1" strike="noStrike">
+              <a:rPr lang="de-DE" sz="4800" b="0" strike="noStrike" spc="-1">
                 <a:solidFill>
                   <a:srgbClr val="000000"/>
                 </a:solidFill>
                 <a:uFill>
                   <a:solidFill>
-                    <a:srgbClr val="ffffff"/>
+                    <a:srgbClr val="FFFFFF"/>
                   </a:solidFill>
                 </a:uFill>
                 <a:latin typeface="BankGothic Lt BT"/>
               </a:rPr>
               <a:t>Dataset</a:t>
             </a:r>
-            <a:endParaRPr b="0" lang="de-DE" sz="2800" spc="-1" strike="noStrike">
-              <a:solidFill>
-                <a:srgbClr val="000000"/>
-              </a:solidFill>
-              <a:uFill>
-                <a:solidFill>
-                  <a:srgbClr val="ffffff"/>
+            <a:endParaRPr lang="de-DE" sz="2800" b="0" strike="noStrike" spc="-1">
+              <a:solidFill>
+                <a:srgbClr val="000000"/>
+              </a:solidFill>
+              <a:uFill>
+                <a:solidFill>
+                  <a:srgbClr val="FFFFFF"/>
                 </a:solidFill>
               </a:uFill>
               <a:latin typeface="Calibri"/>
@@ -7044,26 +7443,26 @@
               <a:buChar char="•"/>
             </a:pPr>
             <a:r>
-              <a:rPr b="0" lang="de-DE" sz="4800" spc="-1" strike="noStrike">
+              <a:rPr lang="de-DE" sz="4800" b="0" strike="noStrike" spc="-1">
                 <a:solidFill>
                   <a:srgbClr val="000000"/>
                 </a:solidFill>
                 <a:uFill>
                   <a:solidFill>
-                    <a:srgbClr val="ffffff"/>
+                    <a:srgbClr val="FFFFFF"/>
                   </a:solidFill>
                 </a:uFill>
                 <a:latin typeface="BankGothic Lt BT"/>
               </a:rPr>
               <a:t>Filter</a:t>
             </a:r>
-            <a:endParaRPr b="0" lang="de-DE" sz="2800" spc="-1" strike="noStrike">
-              <a:solidFill>
-                <a:srgbClr val="000000"/>
-              </a:solidFill>
-              <a:uFill>
-                <a:solidFill>
-                  <a:srgbClr val="ffffff"/>
+            <a:endParaRPr lang="de-DE" sz="2800" b="0" strike="noStrike" spc="-1">
+              <a:solidFill>
+                <a:srgbClr val="000000"/>
+              </a:solidFill>
+              <a:uFill>
+                <a:solidFill>
+                  <a:srgbClr val="FFFFFF"/>
                 </a:solidFill>
               </a:uFill>
               <a:latin typeface="Calibri"/>
@@ -7081,26 +7480,26 @@
               <a:buChar char="•"/>
             </a:pPr>
             <a:r>
-              <a:rPr b="0" lang="de-DE" sz="4800" spc="-1" strike="noStrike">
+              <a:rPr lang="de-DE" sz="4800" b="0" strike="noStrike" spc="-1">
                 <a:solidFill>
                   <a:srgbClr val="000000"/>
                 </a:solidFill>
                 <a:uFill>
                   <a:solidFill>
-                    <a:srgbClr val="ffffff"/>
+                    <a:srgbClr val="FFFFFF"/>
                   </a:solidFill>
                 </a:uFill>
                 <a:latin typeface="BankGothic Lt BT"/>
               </a:rPr>
               <a:t>Plots</a:t>
             </a:r>
-            <a:endParaRPr b="0" lang="de-DE" sz="2800" spc="-1" strike="noStrike">
-              <a:solidFill>
-                <a:srgbClr val="000000"/>
-              </a:solidFill>
-              <a:uFill>
-                <a:solidFill>
-                  <a:srgbClr val="ffffff"/>
+            <a:endParaRPr lang="de-DE" sz="2800" b="0" strike="noStrike" spc="-1">
+              <a:solidFill>
+                <a:srgbClr val="000000"/>
+              </a:solidFill>
+              <a:uFill>
+                <a:solidFill>
+                  <a:srgbClr val="FFFFFF"/>
                 </a:solidFill>
               </a:uFill>
               <a:latin typeface="Calibri"/>
@@ -7118,26 +7517,26 @@
               <a:buChar char="•"/>
             </a:pPr>
             <a:r>
-              <a:rPr b="0" lang="de-DE" sz="4800" spc="-1" strike="noStrike">
+              <a:rPr lang="de-DE" sz="4800" b="0" strike="noStrike" spc="-1">
                 <a:solidFill>
                   <a:srgbClr val="000000"/>
                 </a:solidFill>
                 <a:uFill>
                   <a:solidFill>
-                    <a:srgbClr val="ffffff"/>
+                    <a:srgbClr val="FFFFFF"/>
                   </a:solidFill>
                 </a:uFill>
                 <a:latin typeface="BankGothic Lt BT"/>
               </a:rPr>
               <a:t>Javascript / D3</a:t>
             </a:r>
-            <a:endParaRPr b="0" lang="de-DE" sz="2800" spc="-1" strike="noStrike">
-              <a:solidFill>
-                <a:srgbClr val="000000"/>
-              </a:solidFill>
-              <a:uFill>
-                <a:solidFill>
-                  <a:srgbClr val="ffffff"/>
+            <a:endParaRPr lang="de-DE" sz="2800" b="0" strike="noStrike" spc="-1">
+              <a:solidFill>
+                <a:srgbClr val="000000"/>
+              </a:solidFill>
+              <a:uFill>
+                <a:solidFill>
+                  <a:srgbClr val="FFFFFF"/>
                 </a:solidFill>
               </a:uFill>
               <a:latin typeface="Calibri"/>
@@ -7155,26 +7554,26 @@
               <a:buChar char="•"/>
             </a:pPr>
             <a:r>
-              <a:rPr b="0" lang="de-DE" sz="4800" spc="-1" strike="noStrike">
+              <a:rPr lang="de-DE" sz="4800" b="0" strike="noStrike" spc="-1">
                 <a:solidFill>
                   <a:srgbClr val="000000"/>
                 </a:solidFill>
                 <a:uFill>
                   <a:solidFill>
-                    <a:srgbClr val="ffffff"/>
+                    <a:srgbClr val="FFFFFF"/>
                   </a:solidFill>
                 </a:uFill>
                 <a:latin typeface="BankGothic Lt BT"/>
               </a:rPr>
               <a:t>Performance</a:t>
             </a:r>
-            <a:endParaRPr b="0" lang="de-DE" sz="2800" spc="-1" strike="noStrike">
-              <a:solidFill>
-                <a:srgbClr val="000000"/>
-              </a:solidFill>
-              <a:uFill>
-                <a:solidFill>
-                  <a:srgbClr val="ffffff"/>
+            <a:endParaRPr lang="de-DE" sz="2800" b="0" strike="noStrike" spc="-1">
+              <a:solidFill>
+                <a:srgbClr val="000000"/>
+              </a:solidFill>
+              <a:uFill>
+                <a:solidFill>
+                  <a:srgbClr val="FFFFFF"/>
                 </a:solidFill>
               </a:uFill>
               <a:latin typeface="Calibri"/>
@@ -7186,13 +7585,13 @@
                 <a:spcPct val="100000"/>
               </a:lnSpc>
             </a:pPr>
-            <a:endParaRPr b="0" lang="de-DE" sz="2800" spc="-1" strike="noStrike">
-              <a:solidFill>
-                <a:srgbClr val="000000"/>
-              </a:solidFill>
-              <a:uFill>
-                <a:solidFill>
-                  <a:srgbClr val="ffffff"/>
+            <a:endParaRPr lang="de-DE" sz="2800" b="0" strike="noStrike" spc="-1">
+              <a:solidFill>
+                <a:srgbClr val="000000"/>
+              </a:solidFill>
+              <a:uFill>
+                <a:solidFill>
+                  <a:srgbClr val="FFFFFF"/>
                 </a:solidFill>
               </a:uFill>
               <a:latin typeface="Calibri"/>
@@ -7204,13 +7603,13 @@
                 <a:spcPct val="100000"/>
               </a:lnSpc>
             </a:pPr>
-            <a:endParaRPr b="0" lang="de-DE" sz="2800" spc="-1" strike="noStrike">
-              <a:solidFill>
-                <a:srgbClr val="000000"/>
-              </a:solidFill>
-              <a:uFill>
-                <a:solidFill>
-                  <a:srgbClr val="ffffff"/>
+            <a:endParaRPr lang="de-DE" sz="2800" b="0" strike="noStrike" spc="-1">
+              <a:solidFill>
+                <a:srgbClr val="000000"/>
+              </a:solidFill>
+              <a:uFill>
+                <a:solidFill>
+                  <a:srgbClr val="FFFFFF"/>
                 </a:solidFill>
               </a:uFill>
               <a:latin typeface="Calibri"/>
@@ -7222,13 +7621,13 @@
                 <a:spcPct val="100000"/>
               </a:lnSpc>
             </a:pPr>
-            <a:endParaRPr b="0" lang="de-DE" sz="2800" spc="-1" strike="noStrike">
-              <a:solidFill>
-                <a:srgbClr val="000000"/>
-              </a:solidFill>
-              <a:uFill>
-                <a:solidFill>
-                  <a:srgbClr val="ffffff"/>
+            <a:endParaRPr lang="de-DE" sz="2800" b="0" strike="noStrike" spc="-1">
+              <a:solidFill>
+                <a:srgbClr val="000000"/>
+              </a:solidFill>
+              <a:uFill>
+                <a:solidFill>
+                  <a:srgbClr val="FFFFFF"/>
                 </a:solidFill>
               </a:uFill>
               <a:latin typeface="Calibri"/>
@@ -7240,13 +7639,13 @@
                 <a:spcPct val="90000"/>
               </a:lnSpc>
             </a:pPr>
-            <a:endParaRPr b="0" lang="de-DE" sz="2800" spc="-1" strike="noStrike">
-              <a:solidFill>
-                <a:srgbClr val="000000"/>
-              </a:solidFill>
-              <a:uFill>
-                <a:solidFill>
-                  <a:srgbClr val="ffffff"/>
+            <a:endParaRPr lang="de-DE" sz="2800" b="0" strike="noStrike" spc="-1">
+              <a:solidFill>
+                <a:srgbClr val="000000"/>
+              </a:solidFill>
+              <a:uFill>
+                <a:solidFill>
+                  <a:srgbClr val="FFFFFF"/>
                 </a:solidFill>
               </a:uFill>
               <a:latin typeface="Calibri"/>
@@ -7256,22 +7655,25 @@
       </p:sp>
     </p:spTree>
   </p:cSld>
+  <p:clrMapOvr>
+    <a:masterClrMapping/>
+  </p:clrMapOvr>
   <p:timing>
     <p:tnLst>
       <p:par>
-        <p:cTn id="13" dur="indefinite" restart="never" nodeType="tmRoot">
+        <p:cTn id="1" dur="indefinite" restart="never" nodeType="tmRoot">
           <p:childTnLst>
             <p:seq>
-              <p:cTn id="14" nodeType="mainSeq"/>
+              <p:cTn id="2" nodeType="mainSeq"/>
               <p:prevCondLst>
-                <p:cond delay="0" evt="onPrev">
+                <p:cond evt="onPrev" delay="0">
                   <p:tgtEl>
                     <p:sldTgt/>
                   </p:tgtEl>
                 </p:cond>
               </p:prevCondLst>
               <p:nextCondLst>
-                <p:cond delay="0" evt="onNext">
+                <p:cond evt="onNext" delay="0">
                   <p:tgtEl>
                     <p:sldTgt/>
                   </p:tgtEl>
@@ -7287,7 +7689,7 @@
 </file>
 
 <file path=ppt/slides/slide8.xml><?xml version="1.0" encoding="utf-8"?>
-<p:sld xmlns:a="http://schemas.openxmlformats.org/drawingml/2006/main" xmlns:p="http://schemas.openxmlformats.org/presentationml/2006/main" xmlns:r="http://schemas.openxmlformats.org/officeDocument/2006/relationships" xmlns:p14="http://schemas.microsoft.com/office/powerpoint/2010/main" xmlns:p15="http://schemas.microsoft.com/office/powerpoint/2012/main" xmlns:mc="http://schemas.openxmlformats.org/markup-compatibility/2006">
+<p:sld xmlns:a="http://schemas.openxmlformats.org/drawingml/2006/main" xmlns:r="http://schemas.openxmlformats.org/officeDocument/2006/relationships" xmlns:p="http://schemas.openxmlformats.org/presentationml/2006/main">
   <p:cSld>
     <p:spTree>
       <p:nvGrpSpPr>
@@ -7324,14 +7726,15 @@
         </p:spPr>
         <p:txBody>
           <a:bodyPr anchor="ctr"/>
-          <a:p>
-            <a:endParaRPr b="0" lang="de-DE" sz="1800" spc="-1" strike="noStrike">
-              <a:solidFill>
-                <a:srgbClr val="000000"/>
-              </a:solidFill>
-              <a:uFill>
-                <a:solidFill>
-                  <a:srgbClr val="ffffff"/>
+          <a:lstStyle/>
+          <a:p>
+            <a:endParaRPr lang="de-DE" sz="1800" b="0" strike="noStrike" spc="-1">
+              <a:solidFill>
+                <a:srgbClr val="000000"/>
+              </a:solidFill>
+              <a:uFill>
+                <a:solidFill>
+                  <a:srgbClr val="FFFFFF"/>
                 </a:solidFill>
               </a:uFill>
               <a:latin typeface="Calibri"/>
@@ -7360,14 +7763,15 @@
         </p:spPr>
         <p:txBody>
           <a:bodyPr/>
-          <a:p>
-            <a:endParaRPr b="0" lang="de-DE" sz="2800" spc="-1" strike="noStrike">
-              <a:solidFill>
-                <a:srgbClr val="000000"/>
-              </a:solidFill>
-              <a:uFill>
-                <a:solidFill>
-                  <a:srgbClr val="ffffff"/>
+          <a:lstStyle/>
+          <a:p>
+            <a:endParaRPr lang="de-DE" sz="2800" b="0" strike="noStrike" spc="-1">
+              <a:solidFill>
+                <a:srgbClr val="000000"/>
+              </a:solidFill>
+              <a:uFill>
+                <a:solidFill>
+                  <a:srgbClr val="FFFFFF"/>
                 </a:solidFill>
               </a:uFill>
               <a:latin typeface="Calibri"/>
@@ -7377,12 +7781,12 @@
       </p:sp>
       <p:pic>
         <p:nvPicPr>
-          <p:cNvPr id="102" name="" descr=""/>
+          <p:cNvPr id="102" name="Grafik 101"/>
           <p:cNvPicPr/>
           <p:nvPr/>
         </p:nvPicPr>
         <p:blipFill>
-          <a:blip r:embed="rId1"/>
+          <a:blip r:embed="rId3"/>
           <a:stretch/>
         </p:blipFill>
         <p:spPr>
@@ -7400,22 +7804,25 @@
       </p:pic>
     </p:spTree>
   </p:cSld>
+  <p:clrMapOvr>
+    <a:masterClrMapping/>
+  </p:clrMapOvr>
   <p:timing>
     <p:tnLst>
       <p:par>
-        <p:cTn id="15" dur="indefinite" restart="never" nodeType="tmRoot">
+        <p:cTn id="1" dur="indefinite" restart="never" nodeType="tmRoot">
           <p:childTnLst>
             <p:seq>
-              <p:cTn id="16" nodeType="mainSeq"/>
+              <p:cTn id="2" nodeType="mainSeq"/>
               <p:prevCondLst>
-                <p:cond delay="0" evt="onPrev">
+                <p:cond evt="onPrev" delay="0">
                   <p:tgtEl>
                     <p:sldTgt/>
                   </p:tgtEl>
                 </p:cond>
               </p:prevCondLst>
               <p:nextCondLst>
-                <p:cond delay="0" evt="onNext">
+                <p:cond evt="onNext" delay="0">
                   <p:tgtEl>
                     <p:sldTgt/>
                   </p:tgtEl>
@@ -7431,7 +7838,7 @@
 </file>
 
 <file path=ppt/slides/slide9.xml><?xml version="1.0" encoding="utf-8"?>
-<p:sld xmlns:a="http://schemas.openxmlformats.org/drawingml/2006/main" xmlns:p="http://schemas.openxmlformats.org/presentationml/2006/main" xmlns:r="http://schemas.openxmlformats.org/officeDocument/2006/relationships" xmlns:p14="http://schemas.microsoft.com/office/powerpoint/2010/main" xmlns:p15="http://schemas.microsoft.com/office/powerpoint/2012/main" xmlns:mc="http://schemas.openxmlformats.org/markup-compatibility/2006">
+<p:sld xmlns:a="http://schemas.openxmlformats.org/drawingml/2006/main" xmlns:r="http://schemas.openxmlformats.org/officeDocument/2006/relationships" xmlns:p="http://schemas.openxmlformats.org/presentationml/2006/main">
   <p:cSld>
     <p:spTree>
       <p:nvGrpSpPr>
@@ -7468,6 +7875,7 @@
         </p:spPr>
         <p:txBody>
           <a:bodyPr anchor="ctr"/>
+          <a:lstStyle/>
           <a:p>
             <a:pPr>
               <a:lnSpc>
@@ -7475,26 +7883,26 @@
               </a:lnSpc>
             </a:pPr>
             <a:r>
-              <a:rPr b="1" lang="de-DE" sz="5400" spc="-1" strike="noStrike">
+              <a:rPr lang="de-DE" sz="5400" b="1" strike="noStrike" spc="-1">
                 <a:solidFill>
                   <a:srgbClr val="000000"/>
                 </a:solidFill>
                 <a:uFill>
                   <a:solidFill>
-                    <a:srgbClr val="ffffff"/>
+                    <a:srgbClr val="FFFFFF"/>
                   </a:solidFill>
                 </a:uFill>
                 <a:latin typeface="BankGothic Lt BT"/>
               </a:rPr>
               <a:t>Optimization</a:t>
             </a:r>
-            <a:endParaRPr b="0" lang="de-DE" sz="1800" spc="-1" strike="noStrike">
-              <a:solidFill>
-                <a:srgbClr val="000000"/>
-              </a:solidFill>
-              <a:uFill>
-                <a:solidFill>
-                  <a:srgbClr val="ffffff"/>
+            <a:endParaRPr lang="de-DE" sz="1800" b="0" strike="noStrike" spc="-1">
+              <a:solidFill>
+                <a:srgbClr val="000000"/>
+              </a:solidFill>
+              <a:uFill>
+                <a:solidFill>
+                  <a:srgbClr val="FFFFFF"/>
                 </a:solidFill>
               </a:uFill>
               <a:latin typeface="Calibri"/>
@@ -7523,6 +7931,7 @@
         </p:spPr>
         <p:txBody>
           <a:bodyPr/>
+          <a:lstStyle/>
           <a:p>
             <a:pPr marL="685800" indent="-685440">
               <a:lnSpc>
@@ -7535,26 +7944,26 @@
               <a:buChar char="•"/>
             </a:pPr>
             <a:r>
-              <a:rPr b="0" lang="de-DE" sz="4800" spc="-1" strike="noStrike">
+              <a:rPr lang="de-DE" sz="4800" b="0" strike="noStrike" spc="-1">
                 <a:solidFill>
                   <a:srgbClr val="000000"/>
                 </a:solidFill>
                 <a:uFill>
                   <a:solidFill>
-                    <a:srgbClr val="ffffff"/>
+                    <a:srgbClr val="FFFFFF"/>
                   </a:solidFill>
                 </a:uFill>
                 <a:latin typeface="BankGothic Lt BT"/>
               </a:rPr>
               <a:t>3D Plot</a:t>
             </a:r>
-            <a:endParaRPr b="0" lang="de-DE" sz="2800" spc="-1" strike="noStrike">
-              <a:solidFill>
-                <a:srgbClr val="000000"/>
-              </a:solidFill>
-              <a:uFill>
-                <a:solidFill>
-                  <a:srgbClr val="ffffff"/>
+            <a:endParaRPr lang="de-DE" sz="2800" b="0" strike="noStrike" spc="-1">
+              <a:solidFill>
+                <a:srgbClr val="000000"/>
+              </a:solidFill>
+              <a:uFill>
+                <a:solidFill>
+                  <a:srgbClr val="FFFFFF"/>
                 </a:solidFill>
               </a:uFill>
               <a:latin typeface="Calibri"/>
@@ -7572,26 +7981,26 @@
               <a:buChar char="•"/>
             </a:pPr>
             <a:r>
-              <a:rPr b="0" lang="de-DE" sz="4800" spc="-1" strike="noStrike">
+              <a:rPr lang="de-DE" sz="4800" b="0" strike="noStrike" spc="-1">
                 <a:solidFill>
                   <a:srgbClr val="000000"/>
                 </a:solidFill>
                 <a:uFill>
                   <a:solidFill>
-                    <a:srgbClr val="ffffff"/>
+                    <a:srgbClr val="FFFFFF"/>
                   </a:solidFill>
                 </a:uFill>
                 <a:latin typeface="BankGothic Lt BT"/>
               </a:rPr>
               <a:t>Performance</a:t>
             </a:r>
-            <a:endParaRPr b="0" lang="de-DE" sz="2800" spc="-1" strike="noStrike">
-              <a:solidFill>
-                <a:srgbClr val="000000"/>
-              </a:solidFill>
-              <a:uFill>
-                <a:solidFill>
-                  <a:srgbClr val="ffffff"/>
+            <a:endParaRPr lang="de-DE" sz="2800" b="0" strike="noStrike" spc="-1">
+              <a:solidFill>
+                <a:srgbClr val="000000"/>
+              </a:solidFill>
+              <a:uFill>
+                <a:solidFill>
+                  <a:srgbClr val="FFFFFF"/>
                 </a:solidFill>
               </a:uFill>
               <a:latin typeface="Calibri"/>
@@ -7609,26 +8018,26 @@
               <a:buChar char="•"/>
             </a:pPr>
             <a:r>
-              <a:rPr b="0" lang="de-DE" sz="4800" spc="-1" strike="noStrike">
+              <a:rPr lang="de-DE" sz="4800" b="0" strike="noStrike" spc="-1">
                 <a:solidFill>
                   <a:srgbClr val="000000"/>
                 </a:solidFill>
                 <a:uFill>
                   <a:solidFill>
-                    <a:srgbClr val="ffffff"/>
+                    <a:srgbClr val="FFFFFF"/>
                   </a:solidFill>
                 </a:uFill>
                 <a:latin typeface="BankGothic Lt BT"/>
               </a:rPr>
               <a:t>PCA Implementation</a:t>
             </a:r>
-            <a:endParaRPr b="0" lang="de-DE" sz="2800" spc="-1" strike="noStrike">
-              <a:solidFill>
-                <a:srgbClr val="000000"/>
-              </a:solidFill>
-              <a:uFill>
-                <a:solidFill>
-                  <a:srgbClr val="ffffff"/>
+            <a:endParaRPr lang="de-DE" sz="2800" b="0" strike="noStrike" spc="-1">
+              <a:solidFill>
+                <a:srgbClr val="000000"/>
+              </a:solidFill>
+              <a:uFill>
+                <a:solidFill>
+                  <a:srgbClr val="FFFFFF"/>
                 </a:solidFill>
               </a:uFill>
               <a:latin typeface="Calibri"/>
@@ -7640,13 +8049,13 @@
                 <a:spcPct val="100000"/>
               </a:lnSpc>
             </a:pPr>
-            <a:endParaRPr b="0" lang="de-DE" sz="2800" spc="-1" strike="noStrike">
-              <a:solidFill>
-                <a:srgbClr val="000000"/>
-              </a:solidFill>
-              <a:uFill>
-                <a:solidFill>
-                  <a:srgbClr val="ffffff"/>
+            <a:endParaRPr lang="de-DE" sz="2800" b="0" strike="noStrike" spc="-1">
+              <a:solidFill>
+                <a:srgbClr val="000000"/>
+              </a:solidFill>
+              <a:uFill>
+                <a:solidFill>
+                  <a:srgbClr val="FFFFFF"/>
                 </a:solidFill>
               </a:uFill>
               <a:latin typeface="Calibri"/>
@@ -7658,13 +8067,13 @@
                 <a:spcPct val="100000"/>
               </a:lnSpc>
             </a:pPr>
-            <a:endParaRPr b="0" lang="de-DE" sz="2800" spc="-1" strike="noStrike">
-              <a:solidFill>
-                <a:srgbClr val="000000"/>
-              </a:solidFill>
-              <a:uFill>
-                <a:solidFill>
-                  <a:srgbClr val="ffffff"/>
+            <a:endParaRPr lang="de-DE" sz="2800" b="0" strike="noStrike" spc="-1">
+              <a:solidFill>
+                <a:srgbClr val="000000"/>
+              </a:solidFill>
+              <a:uFill>
+                <a:solidFill>
+                  <a:srgbClr val="FFFFFF"/>
                 </a:solidFill>
               </a:uFill>
               <a:latin typeface="Calibri"/>
@@ -7676,13 +8085,13 @@
                 <a:spcPct val="100000"/>
               </a:lnSpc>
             </a:pPr>
-            <a:endParaRPr b="0" lang="de-DE" sz="2800" spc="-1" strike="noStrike">
-              <a:solidFill>
-                <a:srgbClr val="000000"/>
-              </a:solidFill>
-              <a:uFill>
-                <a:solidFill>
-                  <a:srgbClr val="ffffff"/>
+            <a:endParaRPr lang="de-DE" sz="2800" b="0" strike="noStrike" spc="-1">
+              <a:solidFill>
+                <a:srgbClr val="000000"/>
+              </a:solidFill>
+              <a:uFill>
+                <a:solidFill>
+                  <a:srgbClr val="FFFFFF"/>
                 </a:solidFill>
               </a:uFill>
               <a:latin typeface="Calibri"/>
@@ -7694,13 +8103,13 @@
                 <a:spcPct val="90000"/>
               </a:lnSpc>
             </a:pPr>
-            <a:endParaRPr b="0" lang="de-DE" sz="2800" spc="-1" strike="noStrike">
-              <a:solidFill>
-                <a:srgbClr val="000000"/>
-              </a:solidFill>
-              <a:uFill>
-                <a:solidFill>
-                  <a:srgbClr val="ffffff"/>
+            <a:endParaRPr lang="de-DE" sz="2800" b="0" strike="noStrike" spc="-1">
+              <a:solidFill>
+                <a:srgbClr val="000000"/>
+              </a:solidFill>
+              <a:uFill>
+                <a:solidFill>
+                  <a:srgbClr val="FFFFFF"/>
                 </a:solidFill>
               </a:uFill>
               <a:latin typeface="Calibri"/>
@@ -7710,22 +8119,25 @@
       </p:sp>
     </p:spTree>
   </p:cSld>
+  <p:clrMapOvr>
+    <a:masterClrMapping/>
+  </p:clrMapOvr>
   <p:timing>
     <p:tnLst>
       <p:par>
-        <p:cTn id="17" dur="indefinite" restart="never" nodeType="tmRoot">
+        <p:cTn id="1" dur="indefinite" restart="never" nodeType="tmRoot">
           <p:childTnLst>
             <p:seq>
-              <p:cTn id="18" nodeType="mainSeq"/>
+              <p:cTn id="2" nodeType="mainSeq"/>
               <p:prevCondLst>
-                <p:cond delay="0" evt="onPrev">
+                <p:cond evt="onPrev" delay="0">
                   <p:tgtEl>
                     <p:sldTgt/>
                   </p:tgtEl>
                 </p:cond>
               </p:prevCondLst>
               <p:nextCondLst>
-                <p:cond delay="0" evt="onNext">
+                <p:cond evt="onNext" delay="0">
                   <p:tgtEl>
                     <p:sldTgt/>
                   </p:tgtEl>
@@ -7960,6 +8372,8 @@
       </a:bgFillStyleLst>
     </a:fmtScheme>
   </a:themeElements>
+  <a:objectDefaults/>
+  <a:extraClrSchemeLst/>
 </a:theme>
 </file>
 
@@ -8183,6 +8597,8 @@
       </a:bgFillStyleLst>
     </a:fmtScheme>
   </a:themeElements>
+  <a:objectDefaults/>
+  <a:extraClrSchemeLst/>
 </a:theme>
 </file>
 
@@ -8406,5 +8822,7 @@
       </a:bgFillStyleLst>
     </a:fmtScheme>
   </a:themeElements>
+  <a:objectDefaults/>
+  <a:extraClrSchemeLst/>
 </a:theme>
 </file>
--- a/M4/Presentation - M4.pptx
+++ b/M4/Presentation - M4.pptx
@@ -117,6 +117,11 @@
       </a:defRPr>
     </a:lvl9pPr>
   </p:defaultTextStyle>
+  <p:extLst>
+    <p:ext uri="{EFAFB233-063F-42B5-8137-9DF3F51BA10A}">
+      <p15:sldGuideLst xmlns:p15="http://schemas.microsoft.com/office/powerpoint/2012/main"/>
+    </p:ext>
+  </p:extLst>
 </p:presentation>
 </file>
 
@@ -6528,30 +6533,38 @@
       </p:sp>
       <p:pic>
         <p:nvPicPr>
-          <p:cNvPr id="88" name="Grafik 87"/>
-          <p:cNvPicPr/>
+          <p:cNvPr id="3" name="Grafik 2">
+            <a:extLst>
+              <a:ext uri="{FF2B5EF4-FFF2-40B4-BE49-F238E27FC236}">
+                <a16:creationId xmlns:a16="http://schemas.microsoft.com/office/drawing/2014/main" id="{50BC7E0D-9ED2-4316-B3ED-8A350FEE34F4}"/>
+              </a:ext>
+            </a:extLst>
+          </p:cNvPr>
+          <p:cNvPicPr>
+            <a:picLocks noChangeAspect="1"/>
+          </p:cNvPicPr>
           <p:nvPr/>
         </p:nvPicPr>
         <p:blipFill>
-          <a:blip r:embed="rId2"/>
-          <a:stretch/>
+          <a:blip r:embed="rId2">
+            <a:extLst>
+              <a:ext uri="{28A0092B-C50C-407E-A947-70E740481C1C}">
+                <a14:useLocalDpi xmlns:a14="http://schemas.microsoft.com/office/drawing/2010/main" val="0"/>
+              </a:ext>
+            </a:extLst>
+          </a:blip>
+          <a:stretch>
+            <a:fillRect/>
+          </a:stretch>
         </p:blipFill>
         <p:spPr>
           <a:xfrm>
-            <a:off x="6089400" y="1080000"/>
-            <a:ext cx="5574600" cy="5400000"/>
-          </a:xfrm>
-          <a:prstGeom prst="rect">
-            <a:avLst/>
-          </a:prstGeom>
-          <a:ln>
-            <a:noFill/>
-          </a:ln>
-          <a:effectLst>
-            <a:outerShdw dist="101823" dir="2700000">
-              <a:srgbClr val="808080"/>
-            </a:outerShdw>
-          </a:effectLst>
+            <a:off x="6397358" y="1690200"/>
+            <a:ext cx="5199211" cy="5058692"/>
+          </a:xfrm>
+          <a:prstGeom prst="rect">
+            <a:avLst/>
+          </a:prstGeom>
         </p:spPr>
       </p:pic>
     </p:spTree>
@@ -6614,7 +6627,7 @@
         </p:nvSpPr>
         <p:spPr>
           <a:xfrm>
-            <a:off x="838080" y="365040"/>
+            <a:off x="847808" y="365040"/>
             <a:ext cx="10515240" cy="1325160"/>
           </a:xfrm>
           <a:prstGeom prst="rect">
@@ -6696,7 +6709,7 @@
               <a:buChar char="•"/>
             </a:pPr>
             <a:r>
-              <a:rPr lang="de-DE" sz="4800" b="0" strike="noStrike" spc="-1">
+              <a:rPr lang="de-DE" sz="4800" b="0" strike="noStrike" spc="-1" dirty="0">
                 <a:solidFill>
                   <a:srgbClr val="000000"/>
                 </a:solidFill>
@@ -6707,33 +6720,10 @@
                 </a:uFill>
                 <a:latin typeface="BankGothic Lt BT"/>
               </a:rPr>
-              <a:t> Prefiltering</a:t>
+              <a:t> </a:t>
             </a:r>
-            <a:endParaRPr lang="de-DE" sz="2800" b="0" strike="noStrike" spc="-1">
-              <a:solidFill>
-                <a:srgbClr val="000000"/>
-              </a:solidFill>
-              <a:uFill>
-                <a:solidFill>
-                  <a:srgbClr val="FFFFFF"/>
-                </a:solidFill>
-              </a:uFill>
-              <a:latin typeface="Calibri"/>
-            </a:endParaRPr>
-          </a:p>
-          <a:p>
-            <a:pPr marL="228600" indent="-228240">
-              <a:lnSpc>
-                <a:spcPct val="90000"/>
-              </a:lnSpc>
-              <a:buClr>
-                <a:srgbClr val="000000"/>
-              </a:buClr>
-              <a:buFont typeface="Arial"/>
-              <a:buChar char="•"/>
-            </a:pPr>
             <a:r>
-              <a:rPr lang="de-DE" sz="4800" b="0" strike="noStrike" spc="-1">
+              <a:rPr lang="de-DE" sz="4800" b="0" strike="noStrike" spc="-1" dirty="0" err="1">
                 <a:solidFill>
                   <a:srgbClr val="000000"/>
                 </a:solidFill>
@@ -6744,9 +6734,9 @@
                 </a:uFill>
                 <a:latin typeface="BankGothic Lt BT"/>
               </a:rPr>
-              <a:t> Minimize dataset with PCA</a:t>
+              <a:t>Prefiltering</a:t>
             </a:r>
-            <a:endParaRPr lang="de-DE" sz="2800" b="0" strike="noStrike" spc="-1">
+            <a:endParaRPr lang="de-DE" sz="2800" b="0" strike="noStrike" spc="-1" dirty="0">
               <a:solidFill>
                 <a:srgbClr val="000000"/>
               </a:solidFill>
@@ -6770,7 +6760,7 @@
               <a:buChar char="•"/>
             </a:pPr>
             <a:r>
-              <a:rPr lang="de-DE" sz="4800" b="0" strike="noStrike" spc="-1">
+              <a:rPr lang="de-DE" sz="4800" b="0" strike="noStrike" spc="-1" dirty="0">
                 <a:solidFill>
                   <a:srgbClr val="000000"/>
                 </a:solidFill>
@@ -6781,9 +6771,158 @@
                 </a:uFill>
                 <a:latin typeface="BankGothic Lt BT"/>
               </a:rPr>
-              <a:t> Dimstiller</a:t>
+              <a:t> </a:t>
             </a:r>
-            <a:endParaRPr lang="de-DE" sz="2800" b="0" strike="noStrike" spc="-1">
+            <a:r>
+              <a:rPr lang="de-DE" sz="4800" spc="-1" dirty="0" err="1">
+                <a:solidFill>
+                  <a:srgbClr val="000000"/>
+                </a:solidFill>
+                <a:uFill>
+                  <a:solidFill>
+                    <a:srgbClr val="FFFFFF"/>
+                  </a:solidFill>
+                </a:uFill>
+                <a:latin typeface="BankGothic Lt BT"/>
+              </a:rPr>
+              <a:t>Reduce</a:t>
+            </a:r>
+            <a:r>
+              <a:rPr lang="de-DE" sz="4800" spc="-1" dirty="0">
+                <a:solidFill>
+                  <a:srgbClr val="000000"/>
+                </a:solidFill>
+                <a:uFill>
+                  <a:solidFill>
+                    <a:srgbClr val="FFFFFF"/>
+                  </a:solidFill>
+                </a:uFill>
+                <a:latin typeface="BankGothic Lt BT"/>
+              </a:rPr>
+              <a:t> </a:t>
+            </a:r>
+            <a:r>
+              <a:rPr lang="de-DE" sz="4800" spc="-1" dirty="0" err="1">
+                <a:solidFill>
+                  <a:srgbClr val="000000"/>
+                </a:solidFill>
+                <a:uFill>
+                  <a:solidFill>
+                    <a:srgbClr val="FFFFFF"/>
+                  </a:solidFill>
+                </a:uFill>
+                <a:latin typeface="BankGothic Lt BT"/>
+              </a:rPr>
+              <a:t>dimension</a:t>
+            </a:r>
+            <a:r>
+              <a:rPr lang="de-DE" sz="4800" spc="-1" dirty="0">
+                <a:solidFill>
+                  <a:srgbClr val="000000"/>
+                </a:solidFill>
+                <a:uFill>
+                  <a:solidFill>
+                    <a:srgbClr val="FFFFFF"/>
+                  </a:solidFill>
+                </a:uFill>
+                <a:latin typeface="BankGothic Lt BT"/>
+              </a:rPr>
+              <a:t> </a:t>
+            </a:r>
+            <a:r>
+              <a:rPr lang="de-DE" sz="4800" spc="-1" dirty="0" err="1">
+                <a:solidFill>
+                  <a:srgbClr val="000000"/>
+                </a:solidFill>
+                <a:uFill>
+                  <a:solidFill>
+                    <a:srgbClr val="FFFFFF"/>
+                  </a:solidFill>
+                </a:uFill>
+                <a:latin typeface="BankGothic Lt BT"/>
+              </a:rPr>
+              <a:t>of</a:t>
+            </a:r>
+            <a:r>
+              <a:rPr lang="de-DE" sz="4800" spc="-1" dirty="0">
+                <a:solidFill>
+                  <a:srgbClr val="000000"/>
+                </a:solidFill>
+                <a:uFill>
+                  <a:solidFill>
+                    <a:srgbClr val="FFFFFF"/>
+                  </a:solidFill>
+                </a:uFill>
+                <a:latin typeface="BankGothic Lt BT"/>
+              </a:rPr>
+              <a:t> </a:t>
+            </a:r>
+            <a:r>
+              <a:rPr lang="de-DE" sz="4800" spc="-1" dirty="0" err="1">
+                <a:solidFill>
+                  <a:srgbClr val="000000"/>
+                </a:solidFill>
+                <a:uFill>
+                  <a:solidFill>
+                    <a:srgbClr val="FFFFFF"/>
+                  </a:solidFill>
+                </a:uFill>
+                <a:latin typeface="BankGothic Lt BT"/>
+              </a:rPr>
+              <a:t>dataset</a:t>
+            </a:r>
+            <a:endParaRPr lang="de-DE" sz="2800" b="0" strike="noStrike" spc="-1" dirty="0">
+              <a:solidFill>
+                <a:srgbClr val="000000"/>
+              </a:solidFill>
+              <a:uFill>
+                <a:solidFill>
+                  <a:srgbClr val="FFFFFF"/>
+                </a:solidFill>
+              </a:uFill>
+              <a:latin typeface="Calibri"/>
+            </a:endParaRPr>
+          </a:p>
+          <a:p>
+            <a:pPr marL="228600" indent="-228240">
+              <a:lnSpc>
+                <a:spcPct val="90000"/>
+              </a:lnSpc>
+              <a:buClr>
+                <a:srgbClr val="000000"/>
+              </a:buClr>
+              <a:buFont typeface="Arial"/>
+              <a:buChar char="•"/>
+            </a:pPr>
+            <a:r>
+              <a:rPr lang="de-DE" sz="4800" b="0" strike="noStrike" spc="-1" dirty="0">
+                <a:solidFill>
+                  <a:srgbClr val="000000"/>
+                </a:solidFill>
+                <a:uFill>
+                  <a:solidFill>
+                    <a:srgbClr val="FFFFFF"/>
+                  </a:solidFill>
+                </a:uFill>
+                <a:latin typeface="BankGothic Lt BT"/>
+              </a:rPr>
+              <a:t> </a:t>
+            </a:r>
+            <a:r>
+              <a:rPr lang="de-DE" sz="4800" b="0" strike="noStrike" spc="-1" dirty="0" err="1">
+                <a:solidFill>
+                  <a:srgbClr val="000000"/>
+                </a:solidFill>
+                <a:uFill>
+                  <a:solidFill>
+                    <a:srgbClr val="FFFFFF"/>
+                  </a:solidFill>
+                </a:uFill>
+                <a:latin typeface="BankGothic Lt BT"/>
+              </a:rPr>
+              <a:t>Dimstiller</a:t>
+            </a:r>
+            <a:endParaRPr lang="de-DE" sz="2800" b="0" strike="noStrike" spc="-1" dirty="0">
               <a:solidFill>
                 <a:srgbClr val="000000"/>
               </a:solidFill>

--- a/M4/Presentation - M4.pptx
+++ b/M4/Presentation - M4.pptx
@@ -6077,7 +6077,7 @@
               <a:buChar char="•"/>
             </a:pPr>
             <a:r>
-              <a:rPr lang="de-DE" sz="4800" b="0" strike="noStrike" spc="-1">
+              <a:rPr lang="de-DE" sz="4800" b="0" strike="noStrike" spc="-1" dirty="0">
                 <a:solidFill>
                   <a:srgbClr val="000000"/>
                 </a:solidFill>
@@ -6088,33 +6088,10 @@
                 </a:uFill>
                 <a:latin typeface="BankGothic Lt BT"/>
               </a:rPr>
-              <a:t> Analyze Big Picture</a:t>
+              <a:t> </a:t>
             </a:r>
-            <a:endParaRPr lang="de-DE" sz="2800" b="0" strike="noStrike" spc="-1">
-              <a:solidFill>
-                <a:srgbClr val="000000"/>
-              </a:solidFill>
-              <a:uFill>
-                <a:solidFill>
-                  <a:srgbClr val="FFFFFF"/>
-                </a:solidFill>
-              </a:uFill>
-              <a:latin typeface="Calibri"/>
-            </a:endParaRPr>
-          </a:p>
-          <a:p>
-            <a:pPr marL="228600" indent="-228240">
-              <a:lnSpc>
-                <a:spcPct val="90000"/>
-              </a:lnSpc>
-              <a:buClr>
-                <a:srgbClr val="000000"/>
-              </a:buClr>
-              <a:buFont typeface="Arial"/>
-              <a:buChar char="•"/>
-            </a:pPr>
             <a:r>
-              <a:rPr lang="de-DE" sz="4800" b="0" strike="noStrike" spc="-1">
+              <a:rPr lang="de-DE" sz="4800" b="0" strike="noStrike" spc="-1" dirty="0" err="1">
                 <a:solidFill>
                   <a:srgbClr val="000000"/>
                 </a:solidFill>
@@ -6125,33 +6102,10 @@
                 </a:uFill>
                 <a:latin typeface="BankGothic Lt BT"/>
               </a:rPr>
-              <a:t> Scatterplotmatrix</a:t>
+              <a:t>Analyze</a:t>
             </a:r>
-            <a:endParaRPr lang="de-DE" sz="2800" b="0" strike="noStrike" spc="-1">
-              <a:solidFill>
-                <a:srgbClr val="000000"/>
-              </a:solidFill>
-              <a:uFill>
-                <a:solidFill>
-                  <a:srgbClr val="FFFFFF"/>
-                </a:solidFill>
-              </a:uFill>
-              <a:latin typeface="Calibri"/>
-            </a:endParaRPr>
-          </a:p>
-          <a:p>
-            <a:pPr marL="228600" indent="-228240">
-              <a:lnSpc>
-                <a:spcPct val="90000"/>
-              </a:lnSpc>
-              <a:buClr>
-                <a:srgbClr val="000000"/>
-              </a:buClr>
-              <a:buFont typeface="Arial"/>
-              <a:buChar char="•"/>
-            </a:pPr>
             <a:r>
-              <a:rPr lang="de-DE" sz="4800" b="0" strike="noStrike" spc="-1">
+              <a:rPr lang="de-DE" sz="4800" b="0" strike="noStrike" spc="-1" dirty="0">
                 <a:solidFill>
                   <a:srgbClr val="000000"/>
                 </a:solidFill>
@@ -6162,9 +6116,9 @@
                 </a:uFill>
                 <a:latin typeface="BankGothic Lt BT"/>
               </a:rPr>
-              <a:t> Correlations</a:t>
+              <a:t> Big Picture</a:t>
             </a:r>
-            <a:endParaRPr lang="de-DE" sz="2800" b="0" strike="noStrike" spc="-1">
+            <a:endParaRPr lang="de-DE" sz="2800" b="0" strike="noStrike" spc="-1" dirty="0">
               <a:solidFill>
                 <a:srgbClr val="000000"/>
               </a:solidFill>
@@ -6188,7 +6142,7 @@
               <a:buChar char="•"/>
             </a:pPr>
             <a:r>
-              <a:rPr lang="de-DE" sz="4800" b="0" strike="noStrike" spc="-1">
+              <a:rPr lang="de-DE" sz="4800" b="0" strike="noStrike" spc="-1" dirty="0">
                 <a:solidFill>
                   <a:srgbClr val="000000"/>
                 </a:solidFill>
@@ -6199,9 +6153,111 @@
                 </a:uFill>
                 <a:latin typeface="BankGothic Lt BT"/>
               </a:rPr>
-              <a:t> Patternrecognition</a:t>
+              <a:t> </a:t>
             </a:r>
-            <a:endParaRPr lang="de-DE" sz="2800" b="0" strike="noStrike" spc="-1">
+            <a:r>
+              <a:rPr lang="de-DE" sz="4800" b="0" strike="noStrike" spc="-1" dirty="0" err="1">
+                <a:solidFill>
+                  <a:srgbClr val="000000"/>
+                </a:solidFill>
+                <a:uFill>
+                  <a:solidFill>
+                    <a:srgbClr val="FFFFFF"/>
+                  </a:solidFill>
+                </a:uFill>
+                <a:latin typeface="BankGothic Lt BT"/>
+              </a:rPr>
+              <a:t>Scatterplotmatrix</a:t>
+            </a:r>
+            <a:endParaRPr lang="de-DE" sz="2800" b="0" strike="noStrike" spc="-1" dirty="0">
+              <a:solidFill>
+                <a:srgbClr val="000000"/>
+              </a:solidFill>
+              <a:uFill>
+                <a:solidFill>
+                  <a:srgbClr val="FFFFFF"/>
+                </a:solidFill>
+              </a:uFill>
+              <a:latin typeface="Calibri"/>
+            </a:endParaRPr>
+          </a:p>
+          <a:p>
+            <a:pPr marL="228600" indent="-228240">
+              <a:lnSpc>
+                <a:spcPct val="90000"/>
+              </a:lnSpc>
+              <a:buClr>
+                <a:srgbClr val="000000"/>
+              </a:buClr>
+              <a:buFont typeface="Arial"/>
+              <a:buChar char="•"/>
+            </a:pPr>
+            <a:r>
+              <a:rPr lang="de-DE" sz="4800" b="0" strike="noStrike" spc="-1" dirty="0">
+                <a:solidFill>
+                  <a:srgbClr val="000000"/>
+                </a:solidFill>
+                <a:uFill>
+                  <a:solidFill>
+                    <a:srgbClr val="FFFFFF"/>
+                  </a:solidFill>
+                </a:uFill>
+                <a:latin typeface="BankGothic Lt BT"/>
+              </a:rPr>
+              <a:t> </a:t>
+            </a:r>
+            <a:r>
+              <a:rPr lang="de-DE" sz="4800" b="0" strike="noStrike" spc="-1" dirty="0" err="1">
+                <a:solidFill>
+                  <a:srgbClr val="000000"/>
+                </a:solidFill>
+                <a:uFill>
+                  <a:solidFill>
+                    <a:srgbClr val="FFFFFF"/>
+                  </a:solidFill>
+                </a:uFill>
+                <a:latin typeface="BankGothic Lt BT"/>
+              </a:rPr>
+              <a:t>Correlations</a:t>
+            </a:r>
+            <a:endParaRPr lang="de-DE" sz="2800" b="0" strike="noStrike" spc="-1" dirty="0">
+              <a:solidFill>
+                <a:srgbClr val="000000"/>
+              </a:solidFill>
+              <a:uFill>
+                <a:solidFill>
+                  <a:srgbClr val="FFFFFF"/>
+                </a:solidFill>
+              </a:uFill>
+              <a:latin typeface="Calibri"/>
+            </a:endParaRPr>
+          </a:p>
+          <a:p>
+            <a:pPr marL="228600" indent="-228240">
+              <a:lnSpc>
+                <a:spcPct val="90000"/>
+              </a:lnSpc>
+              <a:buClr>
+                <a:srgbClr val="000000"/>
+              </a:buClr>
+              <a:buFont typeface="Arial"/>
+              <a:buChar char="•"/>
+            </a:pPr>
+            <a:r>
+              <a:rPr lang="de-DE" sz="4800" b="0" strike="noStrike" spc="-1">
+                <a:solidFill>
+                  <a:srgbClr val="000000"/>
+                </a:solidFill>
+                <a:uFill>
+                  <a:solidFill>
+                    <a:srgbClr val="FFFFFF"/>
+                  </a:solidFill>
+                </a:uFill>
+                <a:latin typeface="BankGothic Lt BT"/>
+              </a:rPr>
+              <a:t> Pattern recognition</a:t>
+            </a:r>
+            <a:endParaRPr lang="de-DE" sz="2800" b="0" strike="noStrike" spc="-1" dirty="0">
               <a:solidFill>
                 <a:srgbClr val="000000"/>
               </a:solidFill>
@@ -6219,7 +6275,7 @@
                 <a:spcPct val="90000"/>
               </a:lnSpc>
             </a:pPr>
-            <a:endParaRPr lang="de-DE" sz="2800" b="0" strike="noStrike" spc="-1">
+            <a:endParaRPr lang="de-DE" sz="2800" b="0" strike="noStrike" spc="-1" dirty="0">
               <a:solidFill>
                 <a:srgbClr val="000000"/>
               </a:solidFill>
